--- a/recommender.pptx
+++ b/recommender.pptx
@@ -1,27 +1,27 @@
 
 <file path=ppt/presentation.xml><?xml version="1.0" encoding="utf-8"?>
-<p:presentation xmlns:a="http://schemas.openxmlformats.org/drawingml/2006/main" xmlns:r="http://schemas.openxmlformats.org/officeDocument/2006/relationships" xmlns:p="http://schemas.openxmlformats.org/presentationml/2006/main">
+<p:presentation xmlns:a="http://schemas.openxmlformats.org/drawingml/2006/main" xmlns:r="http://schemas.openxmlformats.org/officeDocument/2006/relationships" xmlns:p="http://schemas.openxmlformats.org/presentationml/2006/main" xmlns:m="http://schemas.openxmlformats.org/officeDocument/2006/math" xmlns:a14="http://schemas.microsoft.com/office/drawing/2010/main">
   <p:sldMasterIdLst>
-    <p:sldMasterId id="2147483648" r:id="rId1"/>
+    <p:sldMasterId id="2147483648" r:id="rId5"/>
   </p:sldMasterIdLst>
   <p:notesMasterIdLst>
-    <p:notesMasterId r:id="rId16"/>
+    <p:notesMasterId r:id="rId7"/>
   </p:notesMasterIdLst>
   <p:sldIdLst>
-    <p:sldId id="256" r:id="rId2"/>
-    <p:sldId id="257" r:id="rId3"/>
-    <p:sldId id="258" r:id="rId4"/>
-    <p:sldId id="259" r:id="rId5"/>
-    <p:sldId id="260" r:id="rId6"/>
-    <p:sldId id="261" r:id="rId7"/>
-    <p:sldId id="262" r:id="rId8"/>
-    <p:sldId id="263" r:id="rId9"/>
-    <p:sldId id="264" r:id="rId10"/>
-    <p:sldId id="265" r:id="rId11"/>
-    <p:sldId id="266" r:id="rId12"/>
-    <p:sldId id="267" r:id="rId13"/>
-    <p:sldId id="268" r:id="rId14"/>
-    <p:sldId id="269" r:id="rId15"/>
+    <p:sldId id="256" r:id="rId8"/>
+    <p:sldId id="257" r:id="rId9"/>
+    <p:sldId id="258" r:id="rId10"/>
+    <p:sldId id="259" r:id="rId11"/>
+    <p:sldId id="260" r:id="rId12"/>
+    <p:sldId id="261" r:id="rId13"/>
+    <p:sldId id="262" r:id="rId14"/>
+    <p:sldId id="263" r:id="rId15"/>
+    <p:sldId id="264" r:id="rId16"/>
+    <p:sldId id="265" r:id="rId17"/>
+    <p:sldId id="266" r:id="rId18"/>
+    <p:sldId id="267" r:id="rId19"/>
+    <p:sldId id="268" r:id="rId20"/>
+    <p:sldId id="269" r:id="rId21"/>
   </p:sldIdLst>
   <p:sldSz cx="12192000" cy="6858000"/>
   <p:notesSz cx="6858000" cy="9144000"/>
@@ -41,7 +41,7 @@
       <a:buFontTx/>
       <a:buNone/>
       <a:tabLst/>
-      <a:defRPr kumimoji="0" sz="1800" b="0" i="0" u="none" strike="noStrike" cap="none" spc="0" normalizeH="0" baseline="0">
+      <a:defRPr b="0" baseline="0" cap="none" i="0" spc="0" strike="noStrike" sz="1800" u="none" kumimoji="0" normalizeH="0">
         <a:ln>
           <a:noFill/>
         </a:ln>
@@ -67,7 +67,7 @@
       <a:buFontTx/>
       <a:buNone/>
       <a:tabLst/>
-      <a:defRPr kumimoji="0" sz="1800" b="0" i="0" u="none" strike="noStrike" cap="none" spc="0" normalizeH="0" baseline="0">
+      <a:defRPr b="0" baseline="0" cap="none" i="0" spc="0" strike="noStrike" sz="1800" u="none" kumimoji="0" normalizeH="0">
         <a:ln>
           <a:noFill/>
         </a:ln>
@@ -79,10 +79,10 @@
         <a:latin typeface="+mj-lt"/>
         <a:ea typeface="+mj-ea"/>
         <a:cs typeface="+mj-cs"/>
-        <a:sym typeface="Calibri"/>
+        <a:sym typeface="Helvetica"/>
       </a:defRPr>
     </a:lvl1pPr>
-    <a:lvl2pPr marL="0" marR="0" indent="457200" algn="l" defTabSz="457200" rtl="0" fontAlgn="auto" latinLnBrk="0" hangingPunct="0">
+    <a:lvl2pPr marL="0" marR="0" indent="0" algn="l" defTabSz="457200" rtl="0" fontAlgn="auto" latinLnBrk="0" hangingPunct="0">
       <a:lnSpc>
         <a:spcPct val="100000"/>
       </a:lnSpc>
@@ -97,7 +97,7 @@
       <a:buFontTx/>
       <a:buNone/>
       <a:tabLst/>
-      <a:defRPr kumimoji="0" sz="1800" b="0" i="0" u="none" strike="noStrike" cap="none" spc="0" normalizeH="0" baseline="0">
+      <a:defRPr b="0" baseline="0" cap="none" i="0" spc="0" strike="noStrike" sz="1800" u="none" kumimoji="0" normalizeH="0">
         <a:ln>
           <a:noFill/>
         </a:ln>
@@ -109,10 +109,10 @@
         <a:latin typeface="+mj-lt"/>
         <a:ea typeface="+mj-ea"/>
         <a:cs typeface="+mj-cs"/>
-        <a:sym typeface="Calibri"/>
+        <a:sym typeface="Helvetica"/>
       </a:defRPr>
     </a:lvl2pPr>
-    <a:lvl3pPr marL="0" marR="0" indent="914400" algn="l" defTabSz="457200" rtl="0" fontAlgn="auto" latinLnBrk="0" hangingPunct="0">
+    <a:lvl3pPr marL="0" marR="0" indent="0" algn="l" defTabSz="457200" rtl="0" fontAlgn="auto" latinLnBrk="0" hangingPunct="0">
       <a:lnSpc>
         <a:spcPct val="100000"/>
       </a:lnSpc>
@@ -127,7 +127,7 @@
       <a:buFontTx/>
       <a:buNone/>
       <a:tabLst/>
-      <a:defRPr kumimoji="0" sz="1800" b="0" i="0" u="none" strike="noStrike" cap="none" spc="0" normalizeH="0" baseline="0">
+      <a:defRPr b="0" baseline="0" cap="none" i="0" spc="0" strike="noStrike" sz="1800" u="none" kumimoji="0" normalizeH="0">
         <a:ln>
           <a:noFill/>
         </a:ln>
@@ -139,10 +139,10 @@
         <a:latin typeface="+mj-lt"/>
         <a:ea typeface="+mj-ea"/>
         <a:cs typeface="+mj-cs"/>
-        <a:sym typeface="Calibri"/>
+        <a:sym typeface="Helvetica"/>
       </a:defRPr>
     </a:lvl3pPr>
-    <a:lvl4pPr marL="0" marR="0" indent="1371600" algn="l" defTabSz="457200" rtl="0" fontAlgn="auto" latinLnBrk="0" hangingPunct="0">
+    <a:lvl4pPr marL="0" marR="0" indent="0" algn="l" defTabSz="457200" rtl="0" fontAlgn="auto" latinLnBrk="0" hangingPunct="0">
       <a:lnSpc>
         <a:spcPct val="100000"/>
       </a:lnSpc>
@@ -157,7 +157,7 @@
       <a:buFontTx/>
       <a:buNone/>
       <a:tabLst/>
-      <a:defRPr kumimoji="0" sz="1800" b="0" i="0" u="none" strike="noStrike" cap="none" spc="0" normalizeH="0" baseline="0">
+      <a:defRPr b="0" baseline="0" cap="none" i="0" spc="0" strike="noStrike" sz="1800" u="none" kumimoji="0" normalizeH="0">
         <a:ln>
           <a:noFill/>
         </a:ln>
@@ -169,10 +169,10 @@
         <a:latin typeface="+mj-lt"/>
         <a:ea typeface="+mj-ea"/>
         <a:cs typeface="+mj-cs"/>
-        <a:sym typeface="Calibri"/>
+        <a:sym typeface="Helvetica"/>
       </a:defRPr>
     </a:lvl4pPr>
-    <a:lvl5pPr marL="0" marR="0" indent="1828800" algn="l" defTabSz="457200" rtl="0" fontAlgn="auto" latinLnBrk="0" hangingPunct="0">
+    <a:lvl5pPr marL="0" marR="0" indent="0" algn="l" defTabSz="457200" rtl="0" fontAlgn="auto" latinLnBrk="0" hangingPunct="0">
       <a:lnSpc>
         <a:spcPct val="100000"/>
       </a:lnSpc>
@@ -187,7 +187,7 @@
       <a:buFontTx/>
       <a:buNone/>
       <a:tabLst/>
-      <a:defRPr kumimoji="0" sz="1800" b="0" i="0" u="none" strike="noStrike" cap="none" spc="0" normalizeH="0" baseline="0">
+      <a:defRPr b="0" baseline="0" cap="none" i="0" spc="0" strike="noStrike" sz="1800" u="none" kumimoji="0" normalizeH="0">
         <a:ln>
           <a:noFill/>
         </a:ln>
@@ -199,10 +199,10 @@
         <a:latin typeface="+mj-lt"/>
         <a:ea typeface="+mj-ea"/>
         <a:cs typeface="+mj-cs"/>
-        <a:sym typeface="Calibri"/>
+        <a:sym typeface="Helvetica"/>
       </a:defRPr>
     </a:lvl5pPr>
-    <a:lvl6pPr marL="0" marR="0" indent="2286000" algn="l" defTabSz="457200" rtl="0" fontAlgn="auto" latinLnBrk="0" hangingPunct="0">
+    <a:lvl6pPr marL="0" marR="0" indent="0" algn="l" defTabSz="457200" rtl="0" fontAlgn="auto" latinLnBrk="0" hangingPunct="0">
       <a:lnSpc>
         <a:spcPct val="100000"/>
       </a:lnSpc>
@@ -217,7 +217,7 @@
       <a:buFontTx/>
       <a:buNone/>
       <a:tabLst/>
-      <a:defRPr kumimoji="0" sz="1800" b="0" i="0" u="none" strike="noStrike" cap="none" spc="0" normalizeH="0" baseline="0">
+      <a:defRPr b="0" baseline="0" cap="none" i="0" spc="0" strike="noStrike" sz="1800" u="none" kumimoji="0" normalizeH="0">
         <a:ln>
           <a:noFill/>
         </a:ln>
@@ -229,10 +229,10 @@
         <a:latin typeface="+mj-lt"/>
         <a:ea typeface="+mj-ea"/>
         <a:cs typeface="+mj-cs"/>
-        <a:sym typeface="Calibri"/>
+        <a:sym typeface="Helvetica"/>
       </a:defRPr>
     </a:lvl6pPr>
-    <a:lvl7pPr marL="0" marR="0" indent="2743200" algn="l" defTabSz="457200" rtl="0" fontAlgn="auto" latinLnBrk="0" hangingPunct="0">
+    <a:lvl7pPr marL="0" marR="0" indent="0" algn="l" defTabSz="457200" rtl="0" fontAlgn="auto" latinLnBrk="0" hangingPunct="0">
       <a:lnSpc>
         <a:spcPct val="100000"/>
       </a:lnSpc>
@@ -247,7 +247,7 @@
       <a:buFontTx/>
       <a:buNone/>
       <a:tabLst/>
-      <a:defRPr kumimoji="0" sz="1800" b="0" i="0" u="none" strike="noStrike" cap="none" spc="0" normalizeH="0" baseline="0">
+      <a:defRPr b="0" baseline="0" cap="none" i="0" spc="0" strike="noStrike" sz="1800" u="none" kumimoji="0" normalizeH="0">
         <a:ln>
           <a:noFill/>
         </a:ln>
@@ -259,10 +259,10 @@
         <a:latin typeface="+mj-lt"/>
         <a:ea typeface="+mj-ea"/>
         <a:cs typeface="+mj-cs"/>
-        <a:sym typeface="Calibri"/>
+        <a:sym typeface="Helvetica"/>
       </a:defRPr>
     </a:lvl7pPr>
-    <a:lvl8pPr marL="0" marR="0" indent="3200400" algn="l" defTabSz="457200" rtl="0" fontAlgn="auto" latinLnBrk="0" hangingPunct="0">
+    <a:lvl8pPr marL="0" marR="0" indent="0" algn="l" defTabSz="457200" rtl="0" fontAlgn="auto" latinLnBrk="0" hangingPunct="0">
       <a:lnSpc>
         <a:spcPct val="100000"/>
       </a:lnSpc>
@@ -277,7 +277,7 @@
       <a:buFontTx/>
       <a:buNone/>
       <a:tabLst/>
-      <a:defRPr kumimoji="0" sz="1800" b="0" i="0" u="none" strike="noStrike" cap="none" spc="0" normalizeH="0" baseline="0">
+      <a:defRPr b="0" baseline="0" cap="none" i="0" spc="0" strike="noStrike" sz="1800" u="none" kumimoji="0" normalizeH="0">
         <a:ln>
           <a:noFill/>
         </a:ln>
@@ -289,10 +289,10 @@
         <a:latin typeface="+mj-lt"/>
         <a:ea typeface="+mj-ea"/>
         <a:cs typeface="+mj-cs"/>
-        <a:sym typeface="Calibri"/>
+        <a:sym typeface="Helvetica"/>
       </a:defRPr>
     </a:lvl8pPr>
-    <a:lvl9pPr marL="0" marR="0" indent="3657600" algn="l" defTabSz="457200" rtl="0" fontAlgn="auto" latinLnBrk="0" hangingPunct="0">
+    <a:lvl9pPr marL="0" marR="0" indent="0" algn="l" defTabSz="457200" rtl="0" fontAlgn="auto" latinLnBrk="0" hangingPunct="0">
       <a:lnSpc>
         <a:spcPct val="100000"/>
       </a:lnSpc>
@@ -307,7 +307,7 @@
       <a:buFontTx/>
       <a:buNone/>
       <a:tabLst/>
-      <a:defRPr kumimoji="0" sz="1800" b="0" i="0" u="none" strike="noStrike" cap="none" spc="0" normalizeH="0" baseline="0">
+      <a:defRPr b="0" baseline="0" cap="none" i="0" spc="0" strike="noStrike" sz="1800" u="none" kumimoji="0" normalizeH="0">
         <a:ln>
           <a:noFill/>
         </a:ln>
@@ -319,21 +319,20 @@
         <a:latin typeface="+mj-lt"/>
         <a:ea typeface="+mj-ea"/>
         <a:cs typeface="+mj-cs"/>
-        <a:sym typeface="Calibri"/>
+        <a:sym typeface="Helvetica"/>
       </a:defRPr>
     </a:lvl9pPr>
   </p:defaultTextStyle>
 </p:presentation>
 </file>
 
+<file path=ppt/commentAuthors.xml><?xml version="1.0" encoding="utf-8"?>
+<p:cmAuthorLst xmlns:a="http://schemas.openxmlformats.org/drawingml/2006/main" xmlns:r="http://schemas.openxmlformats.org/officeDocument/2006/relationships" xmlns:p="http://schemas.openxmlformats.org/presentationml/2006/main" xmlns:m="http://schemas.openxmlformats.org/officeDocument/2006/math" xmlns:a14="http://schemas.microsoft.com/office/drawing/2010/main"/>
+</file>
+
 <file path=ppt/notesMasters/notesMaster1.xml><?xml version="1.0" encoding="utf-8"?>
-<p:notesMaster xmlns:a="http://schemas.openxmlformats.org/drawingml/2006/main" xmlns:r="http://schemas.openxmlformats.org/officeDocument/2006/relationships" xmlns:p="http://schemas.openxmlformats.org/presentationml/2006/main">
+<p:notesMaster xmlns:a="http://schemas.openxmlformats.org/drawingml/2006/main" xmlns:r="http://schemas.openxmlformats.org/officeDocument/2006/relationships" xmlns:p="http://schemas.openxmlformats.org/presentationml/2006/main" xmlns:m="http://schemas.openxmlformats.org/officeDocument/2006/math" xmlns:a14="http://schemas.microsoft.com/office/drawing/2010/main">
   <p:cSld>
-    <p:bg>
-      <p:bgRef idx="1001">
-        <a:schemeClr val="bg1"/>
-      </p:bgRef>
-    </p:bg>
     <p:spTree>
       <p:nvGrpSpPr>
         <p:cNvPr id="1" name=""/>
@@ -350,10 +349,8 @@
       </p:grpSpPr>
       <p:sp>
         <p:nvSpPr>
-          <p:cNvPr id="126" name="Shape 126"/>
-          <p:cNvSpPr>
-            <a:spLocks noGrp="1" noRot="1" noChangeAspect="1"/>
-          </p:cNvSpPr>
+          <p:cNvPr id="138" name="Shape 138"/>
+          <p:cNvSpPr/>
           <p:nvPr>
             <p:ph type="sldImg"/>
           </p:nvPr>
@@ -371,16 +368,14 @@
           <a:bodyPr/>
           <a:lstStyle/>
           <a:p>
-            <a:endParaRPr/>
-          </a:p>
-        </p:txBody>
-      </p:sp>
-      <p:sp>
-        <p:nvSpPr>
-          <p:cNvPr id="127" name="Shape 127"/>
-          <p:cNvSpPr>
-            <a:spLocks noGrp="1"/>
-          </p:cNvSpPr>
+            <a:pPr/>
+          </a:p>
+        </p:txBody>
+      </p:sp>
+      <p:sp>
+        <p:nvSpPr>
+          <p:cNvPr id="139" name="Shape 139"/>
+          <p:cNvSpPr/>
           <p:nvPr>
             <p:ph type="body" sz="quarter" idx="1"/>
           </p:nvPr>
@@ -398,7 +393,7 @@
           <a:bodyPr/>
           <a:lstStyle/>
           <a:p>
-            <a:endParaRPr/>
+            <a:pPr/>
           </a:p>
         </p:txBody>
       </p:sp>
@@ -408,73 +403,73 @@
   <p:notesStyle>
     <a:lvl1pPr defTabSz="457200" latinLnBrk="0">
       <a:defRPr sz="1200">
-        <a:latin typeface="+mj-lt"/>
-        <a:ea typeface="+mj-ea"/>
-        <a:cs typeface="+mj-cs"/>
+        <a:latin typeface="+mn-lt"/>
+        <a:ea typeface="+mn-ea"/>
+        <a:cs typeface="+mn-cs"/>
         <a:sym typeface="Calibri"/>
       </a:defRPr>
     </a:lvl1pPr>
     <a:lvl2pPr indent="228600" defTabSz="457200" latinLnBrk="0">
       <a:defRPr sz="1200">
-        <a:latin typeface="+mj-lt"/>
-        <a:ea typeface="+mj-ea"/>
-        <a:cs typeface="+mj-cs"/>
+        <a:latin typeface="+mn-lt"/>
+        <a:ea typeface="+mn-ea"/>
+        <a:cs typeface="+mn-cs"/>
         <a:sym typeface="Calibri"/>
       </a:defRPr>
     </a:lvl2pPr>
     <a:lvl3pPr indent="457200" defTabSz="457200" latinLnBrk="0">
       <a:defRPr sz="1200">
-        <a:latin typeface="+mj-lt"/>
-        <a:ea typeface="+mj-ea"/>
-        <a:cs typeface="+mj-cs"/>
+        <a:latin typeface="+mn-lt"/>
+        <a:ea typeface="+mn-ea"/>
+        <a:cs typeface="+mn-cs"/>
         <a:sym typeface="Calibri"/>
       </a:defRPr>
     </a:lvl3pPr>
     <a:lvl4pPr indent="685800" defTabSz="457200" latinLnBrk="0">
       <a:defRPr sz="1200">
-        <a:latin typeface="+mj-lt"/>
-        <a:ea typeface="+mj-ea"/>
-        <a:cs typeface="+mj-cs"/>
+        <a:latin typeface="+mn-lt"/>
+        <a:ea typeface="+mn-ea"/>
+        <a:cs typeface="+mn-cs"/>
         <a:sym typeface="Calibri"/>
       </a:defRPr>
     </a:lvl4pPr>
     <a:lvl5pPr indent="914400" defTabSz="457200" latinLnBrk="0">
       <a:defRPr sz="1200">
-        <a:latin typeface="+mj-lt"/>
-        <a:ea typeface="+mj-ea"/>
-        <a:cs typeface="+mj-cs"/>
+        <a:latin typeface="+mn-lt"/>
+        <a:ea typeface="+mn-ea"/>
+        <a:cs typeface="+mn-cs"/>
         <a:sym typeface="Calibri"/>
       </a:defRPr>
     </a:lvl5pPr>
     <a:lvl6pPr indent="1143000" defTabSz="457200" latinLnBrk="0">
       <a:defRPr sz="1200">
-        <a:latin typeface="+mj-lt"/>
-        <a:ea typeface="+mj-ea"/>
-        <a:cs typeface="+mj-cs"/>
+        <a:latin typeface="+mn-lt"/>
+        <a:ea typeface="+mn-ea"/>
+        <a:cs typeface="+mn-cs"/>
         <a:sym typeface="Calibri"/>
       </a:defRPr>
     </a:lvl6pPr>
     <a:lvl7pPr indent="1371600" defTabSz="457200" latinLnBrk="0">
       <a:defRPr sz="1200">
-        <a:latin typeface="+mj-lt"/>
-        <a:ea typeface="+mj-ea"/>
-        <a:cs typeface="+mj-cs"/>
+        <a:latin typeface="+mn-lt"/>
+        <a:ea typeface="+mn-ea"/>
+        <a:cs typeface="+mn-cs"/>
         <a:sym typeface="Calibri"/>
       </a:defRPr>
     </a:lvl7pPr>
     <a:lvl8pPr indent="1600200" defTabSz="457200" latinLnBrk="0">
       <a:defRPr sz="1200">
-        <a:latin typeface="+mj-lt"/>
-        <a:ea typeface="+mj-ea"/>
-        <a:cs typeface="+mj-cs"/>
+        <a:latin typeface="+mn-lt"/>
+        <a:ea typeface="+mn-ea"/>
+        <a:cs typeface="+mn-cs"/>
         <a:sym typeface="Calibri"/>
       </a:defRPr>
     </a:lvl8pPr>
     <a:lvl9pPr indent="1828800" defTabSz="457200" latinLnBrk="0">
       <a:defRPr sz="1200">
-        <a:latin typeface="+mj-lt"/>
-        <a:ea typeface="+mj-ea"/>
-        <a:cs typeface="+mj-cs"/>
+        <a:latin typeface="+mn-lt"/>
+        <a:ea typeface="+mn-ea"/>
+        <a:cs typeface="+mn-cs"/>
         <a:sym typeface="Calibri"/>
       </a:defRPr>
     </a:lvl9pPr>
@@ -483,7 +478,7 @@
 </file>
 
 <file path=ppt/slideLayouts/slideLayout1.xml><?xml version="1.0" encoding="utf-8"?>
-<p:sldLayout xmlns:a="http://schemas.openxmlformats.org/drawingml/2006/main" xmlns:r="http://schemas.openxmlformats.org/officeDocument/2006/relationships" xmlns:p="http://schemas.openxmlformats.org/presentationml/2006/main" showMasterSp="0" type="title">
+<p:sldLayout xmlns:a="http://schemas.openxmlformats.org/drawingml/2006/main" xmlns:r="http://schemas.openxmlformats.org/officeDocument/2006/relationships" xmlns:p="http://schemas.openxmlformats.org/presentationml/2006/main" xmlns:m="http://schemas.openxmlformats.org/officeDocument/2006/math" xmlns:a14="http://schemas.microsoft.com/office/drawing/2010/main" type="title" showMasterSp="1" showMasterPhAnim="1">
   <p:cSld name="Title Slide">
     <p:spTree>
       <p:nvGrpSpPr>
@@ -501,93 +496,22 @@
       </p:grpSpPr>
       <p:sp>
         <p:nvSpPr>
-          <p:cNvPr id="14" name="Rectangle 6"/>
-          <p:cNvSpPr/>
-          <p:nvPr/>
-        </p:nvSpPr>
-        <p:spPr>
-          <a:xfrm>
-            <a:off x="1" y="6400800"/>
-            <a:ext cx="12192001" cy="457200"/>
-          </a:xfrm>
-          <a:prstGeom prst="rect">
-            <a:avLst/>
-          </a:prstGeom>
-          <a:solidFill>
-            <a:schemeClr val="accent2"/>
-          </a:solidFill>
-          <a:ln w="12700">
-            <a:miter lim="400000"/>
-          </a:ln>
-        </p:spPr>
-        <p:txBody>
-          <a:bodyPr lIns="45719" rIns="45719"/>
-          <a:lstStyle/>
-          <a:p>
-            <a:endParaRPr/>
-          </a:p>
-        </p:txBody>
-      </p:sp>
-      <p:sp>
-        <p:nvSpPr>
-          <p:cNvPr id="15" name="Rectangle 7"/>
-          <p:cNvSpPr/>
-          <p:nvPr/>
-        </p:nvSpPr>
-        <p:spPr>
-          <a:xfrm>
-            <a:off x="1" y="6334316"/>
-            <a:ext cx="12192001" cy="66485"/>
-          </a:xfrm>
-          <a:prstGeom prst="rect">
-            <a:avLst/>
-          </a:prstGeom>
-          <a:solidFill>
-            <a:schemeClr val="accent1"/>
-          </a:solidFill>
-          <a:ln w="12700">
-            <a:miter lim="400000"/>
-          </a:ln>
-        </p:spPr>
-        <p:txBody>
-          <a:bodyPr lIns="45719" rIns="45719"/>
-          <a:lstStyle/>
-          <a:p>
-            <a:endParaRPr/>
-          </a:p>
-        </p:txBody>
-      </p:sp>
-      <p:sp>
-        <p:nvSpPr>
-          <p:cNvPr id="16" name="Title Text"/>
-          <p:cNvSpPr txBox="1">
-            <a:spLocks noGrp="1"/>
-          </p:cNvSpPr>
+          <p:cNvPr id="14" name="Title Text"/>
+          <p:cNvSpPr txBox="1"/>
           <p:nvPr>
             <p:ph type="title"/>
           </p:nvPr>
         </p:nvSpPr>
         <p:spPr>
-          <a:xfrm>
-            <a:off x="1097280" y="758951"/>
-            <a:ext cx="10058401" cy="3566161"/>
-          </a:xfrm>
           <a:prstGeom prst="rect">
             <a:avLst/>
           </a:prstGeom>
         </p:spPr>
         <p:txBody>
           <a:bodyPr/>
-          <a:lstStyle>
-            <a:lvl1pPr>
-              <a:defRPr sz="8000">
-                <a:solidFill>
-                  <a:srgbClr val="262626"/>
-                </a:solidFill>
-              </a:defRPr>
-            </a:lvl1pPr>
-          </a:lstStyle>
-          <a:p>
+          <a:lstStyle/>
+          <a:p>
+            <a:pPr/>
             <a:r>
               <a:t>Title Text</a:t>
             </a:r>
@@ -596,103 +520,22 @@
       </p:sp>
       <p:sp>
         <p:nvSpPr>
-          <p:cNvPr id="17" name="Body Level One…"/>
-          <p:cNvSpPr txBox="1">
-            <a:spLocks noGrp="1"/>
-          </p:cNvSpPr>
+          <p:cNvPr id="15" name="Body Level One…"/>
+          <p:cNvSpPr txBox="1"/>
           <p:nvPr>
             <p:ph type="body" sz="quarter" idx="1"/>
           </p:nvPr>
         </p:nvSpPr>
         <p:spPr>
-          <a:xfrm>
-            <a:off x="1100050" y="4455621"/>
-            <a:ext cx="10058401" cy="1143001"/>
-          </a:xfrm>
-          <a:prstGeom prst="rect">
-            <a:avLst/>
-          </a:prstGeom>
-        </p:spPr>
-        <p:txBody>
-          <a:bodyPr lIns="45719" tIns="45719" rIns="45719" bIns="45719"/>
-          <a:lstStyle>
-            <a:lvl1pPr marL="0" indent="0">
-              <a:buClrTx/>
-              <a:buSzTx/>
-              <a:buFontTx/>
-              <a:buNone/>
-              <a:defRPr sz="2400" cap="all" spc="200">
-                <a:solidFill>
-                  <a:srgbClr val="344068"/>
-                </a:solidFill>
-                <a:latin typeface="Calibri Light"/>
-                <a:ea typeface="Calibri Light"/>
-                <a:cs typeface="Calibri Light"/>
-                <a:sym typeface="Calibri Light"/>
-              </a:defRPr>
-            </a:lvl1pPr>
-            <a:lvl2pPr marL="0" indent="457200">
-              <a:buClrTx/>
-              <a:buSzTx/>
-              <a:buFontTx/>
-              <a:buNone/>
-              <a:defRPr sz="2400" cap="all" spc="200">
-                <a:solidFill>
-                  <a:srgbClr val="344068"/>
-                </a:solidFill>
-                <a:latin typeface="Calibri Light"/>
-                <a:ea typeface="Calibri Light"/>
-                <a:cs typeface="Calibri Light"/>
-                <a:sym typeface="Calibri Light"/>
-              </a:defRPr>
-            </a:lvl2pPr>
-            <a:lvl3pPr marL="0" indent="914400">
-              <a:buClrTx/>
-              <a:buSzTx/>
-              <a:buFontTx/>
-              <a:buNone/>
-              <a:defRPr sz="2400" cap="all" spc="200">
-                <a:solidFill>
-                  <a:srgbClr val="344068"/>
-                </a:solidFill>
-                <a:latin typeface="Calibri Light"/>
-                <a:ea typeface="Calibri Light"/>
-                <a:cs typeface="Calibri Light"/>
-                <a:sym typeface="Calibri Light"/>
-              </a:defRPr>
-            </a:lvl3pPr>
-            <a:lvl4pPr marL="0" indent="1371600">
-              <a:buClrTx/>
-              <a:buSzTx/>
-              <a:buFontTx/>
-              <a:buNone/>
-              <a:defRPr sz="2400" cap="all" spc="200">
-                <a:solidFill>
-                  <a:srgbClr val="344068"/>
-                </a:solidFill>
-                <a:latin typeface="Calibri Light"/>
-                <a:ea typeface="Calibri Light"/>
-                <a:cs typeface="Calibri Light"/>
-                <a:sym typeface="Calibri Light"/>
-              </a:defRPr>
-            </a:lvl4pPr>
-            <a:lvl5pPr marL="0" indent="1828800">
-              <a:buClrTx/>
-              <a:buSzTx/>
-              <a:buFontTx/>
-              <a:buNone/>
-              <a:defRPr sz="2400" cap="all" spc="200">
-                <a:solidFill>
-                  <a:srgbClr val="344068"/>
-                </a:solidFill>
-                <a:latin typeface="Calibri Light"/>
-                <a:ea typeface="Calibri Light"/>
-                <a:cs typeface="Calibri Light"/>
-                <a:sym typeface="Calibri Light"/>
-              </a:defRPr>
-            </a:lvl5pPr>
-          </a:lstStyle>
-          <a:p>
+          <a:prstGeom prst="rect">
+            <a:avLst/>
+          </a:prstGeom>
+        </p:spPr>
+        <p:txBody>
+          <a:bodyPr/>
+          <a:lstStyle/>
+          <a:p>
+            <a:pPr/>
             <a:r>
               <a:t>Body Level One</a:t>
             </a:r>
@@ -725,38 +568,8 @@
       </p:sp>
       <p:sp>
         <p:nvSpPr>
-          <p:cNvPr id="18" name="Straight Connector 8"/>
-          <p:cNvSpPr/>
-          <p:nvPr/>
-        </p:nvSpPr>
-        <p:spPr>
-          <a:xfrm>
-            <a:off x="1207657" y="4343400"/>
-            <a:ext cx="9875521" cy="0"/>
-          </a:xfrm>
-          <a:prstGeom prst="line">
-            <a:avLst/>
-          </a:prstGeom>
-          <a:ln w="6350">
-            <a:solidFill>
-              <a:srgbClr val="808080"/>
-            </a:solidFill>
-          </a:ln>
-        </p:spPr>
-        <p:txBody>
-          <a:bodyPr lIns="45719" rIns="45719"/>
-          <a:lstStyle/>
-          <a:p>
-            <a:endParaRPr/>
-          </a:p>
-        </p:txBody>
-      </p:sp>
-      <p:sp>
-        <p:nvSpPr>
-          <p:cNvPr id="19" name="Slide Number"/>
-          <p:cNvSpPr txBox="1">
-            <a:spLocks noGrp="1"/>
-          </p:cNvSpPr>
+          <p:cNvPr id="16" name="Slide Number"/>
+          <p:cNvSpPr txBox="1"/>
           <p:nvPr>
             <p:ph type="sldNum" sz="quarter" idx="2"/>
           </p:nvPr>
@@ -770,10 +583,8 @@
           <a:bodyPr/>
           <a:lstStyle/>
           <a:p>
-            <a:fld id="{86CB4B4D-7CA3-9044-876B-883B54F8677D}" type="slidenum">
-              <a:t>‹#›</a:t>
-            </a:fld>
-            <a:endParaRPr/>
+            <a:pPr/>
+            <a:fld id="{86CB4B4D-7CA3-9044-876B-883B54F8677D}" type="slidenum"/>
           </a:p>
         </p:txBody>
       </p:sp>
@@ -782,12 +593,12 @@
   <p:clrMapOvr>
     <a:masterClrMapping/>
   </p:clrMapOvr>
-  <p:transition spd="med"/>
+  <p:transition xmlns:p14="http://schemas.microsoft.com/office/powerpoint/2010/main" spd="med" advClick="1"/>
 </p:sldLayout>
 </file>
 
 <file path=ppt/slideLayouts/slideLayout10.xml><?xml version="1.0" encoding="utf-8"?>
-<p:sldLayout xmlns:a="http://schemas.openxmlformats.org/drawingml/2006/main" xmlns:r="http://schemas.openxmlformats.org/officeDocument/2006/relationships" xmlns:p="http://schemas.openxmlformats.org/presentationml/2006/main" type="tx">
+<p:sldLayout xmlns:a="http://schemas.openxmlformats.org/drawingml/2006/main" xmlns:r="http://schemas.openxmlformats.org/officeDocument/2006/relationships" xmlns:p="http://schemas.openxmlformats.org/presentationml/2006/main" xmlns:m="http://schemas.openxmlformats.org/officeDocument/2006/math" xmlns:a14="http://schemas.microsoft.com/office/drawing/2010/main" type="tx" showMasterSp="0" showMasterPhAnim="1">
   <p:cSld name="Title and Vertical Text">
     <p:spTree>
       <p:nvGrpSpPr>
@@ -805,23 +616,134 @@
       </p:grpSpPr>
       <p:sp>
         <p:nvSpPr>
-          <p:cNvPr id="107" name="Title Text"/>
-          <p:cNvSpPr txBox="1">
-            <a:spLocks noGrp="1"/>
-          </p:cNvSpPr>
+          <p:cNvPr id="116" name="Rectangle 6"/>
+          <p:cNvSpPr/>
+          <p:nvPr/>
+        </p:nvSpPr>
+        <p:spPr>
+          <a:xfrm>
+            <a:off x="3175" y="6400800"/>
+            <a:ext cx="12188825" cy="457200"/>
+          </a:xfrm>
+          <a:prstGeom prst="rect">
+            <a:avLst/>
+          </a:prstGeom>
+          <a:solidFill>
+            <a:schemeClr val="accent2"/>
+          </a:solidFill>
+          <a:ln w="12700">
+            <a:miter lim="400000"/>
+          </a:ln>
+        </p:spPr>
+        <p:txBody>
+          <a:bodyPr lIns="45718" tIns="45718" rIns="45718" bIns="45718"/>
+          <a:lstStyle/>
+          <a:p>
+            <a:pPr>
+              <a:defRPr>
+                <a:latin typeface="+mn-lt"/>
+                <a:ea typeface="+mn-ea"/>
+                <a:cs typeface="+mn-cs"/>
+                <a:sym typeface="Calibri"/>
+              </a:defRPr>
+            </a:pPr>
+          </a:p>
+        </p:txBody>
+      </p:sp>
+      <p:sp>
+        <p:nvSpPr>
+          <p:cNvPr id="117" name="Rectangle 8"/>
+          <p:cNvSpPr/>
+          <p:nvPr/>
+        </p:nvSpPr>
+        <p:spPr>
+          <a:xfrm>
+            <a:off x="13" y="6334316"/>
+            <a:ext cx="12188828" cy="64010"/>
+          </a:xfrm>
+          <a:prstGeom prst="rect">
+            <a:avLst/>
+          </a:prstGeom>
+          <a:solidFill>
+            <a:schemeClr val="accent1"/>
+          </a:solidFill>
+          <a:ln w="12700">
+            <a:miter lim="400000"/>
+          </a:ln>
+        </p:spPr>
+        <p:txBody>
+          <a:bodyPr lIns="45718" tIns="45718" rIns="45718" bIns="45718"/>
+          <a:lstStyle/>
+          <a:p>
+            <a:pPr>
+              <a:defRPr>
+                <a:latin typeface="+mn-lt"/>
+                <a:ea typeface="+mn-ea"/>
+                <a:cs typeface="+mn-cs"/>
+                <a:sym typeface="Calibri"/>
+              </a:defRPr>
+            </a:pPr>
+          </a:p>
+        </p:txBody>
+      </p:sp>
+      <p:sp>
+        <p:nvSpPr>
+          <p:cNvPr id="118" name="Straight Connector 9"/>
+          <p:cNvSpPr/>
+          <p:nvPr/>
+        </p:nvSpPr>
+        <p:spPr>
+          <a:xfrm>
+            <a:off x="1193532" y="1737845"/>
+            <a:ext cx="9966961" cy="1"/>
+          </a:xfrm>
+          <a:prstGeom prst="line">
+            <a:avLst/>
+          </a:prstGeom>
+          <a:ln w="6350">
+            <a:solidFill>
+              <a:srgbClr val="808080"/>
+            </a:solidFill>
+          </a:ln>
+        </p:spPr>
+        <p:txBody>
+          <a:bodyPr lIns="45718" tIns="45718" rIns="45718" bIns="45718"/>
+          <a:lstStyle/>
+          <a:p>
+            <a:pPr/>
+          </a:p>
+        </p:txBody>
+      </p:sp>
+      <p:sp>
+        <p:nvSpPr>
+          <p:cNvPr id="119" name="Title Text"/>
+          <p:cNvSpPr txBox="1"/>
           <p:nvPr>
             <p:ph type="title"/>
           </p:nvPr>
         </p:nvSpPr>
         <p:spPr>
+          <a:xfrm>
+            <a:off x="1097280" y="286603"/>
+            <a:ext cx="10058401" cy="1450757"/>
+          </a:xfrm>
           <a:prstGeom prst="rect">
             <a:avLst/>
           </a:prstGeom>
         </p:spPr>
         <p:txBody>
           <a:bodyPr/>
-          <a:lstStyle/>
-          <a:p>
+          <a:lstStyle>
+            <a:lvl1pPr>
+              <a:defRPr sz="4800">
+                <a:solidFill>
+                  <a:srgbClr val="404040"/>
+                </a:solidFill>
+              </a:defRPr>
+            </a:lvl1pPr>
+          </a:lstStyle>
+          <a:p>
+            <a:pPr/>
             <a:r>
               <a:t>Title Text</a:t>
             </a:r>
@@ -830,10 +752,8 @@
       </p:sp>
       <p:sp>
         <p:nvSpPr>
-          <p:cNvPr id="108" name="Body Level One…"/>
-          <p:cNvSpPr txBox="1">
-            <a:spLocks noGrp="1"/>
-          </p:cNvSpPr>
+          <p:cNvPr id="120" name="Body Level One…"/>
+          <p:cNvSpPr txBox="1"/>
           <p:nvPr>
             <p:ph type="body" idx="1"/>
           </p:nvPr>
@@ -848,9 +768,96 @@
           </a:prstGeom>
         </p:spPr>
         <p:txBody>
-          <a:bodyPr/>
-          <a:lstStyle/>
-          <a:p>
+          <a:bodyPr lIns="0" tIns="0" rIns="0" bIns="0"/>
+          <a:lstStyle>
+            <a:lvl1pPr marL="91438" indent="-91438">
+              <a:buClr>
+                <a:schemeClr val="accent1"/>
+              </a:buClr>
+              <a:buSzPct val="100000"/>
+              <a:buFont typeface="Trebuchet MS"/>
+              <a:buChar char=" "/>
+              <a:defRPr cap="none" spc="0" sz="2000">
+                <a:solidFill>
+                  <a:srgbClr val="404040"/>
+                </a:solidFill>
+                <a:latin typeface="+mn-lt"/>
+                <a:ea typeface="+mn-ea"/>
+                <a:cs typeface="+mn-cs"/>
+                <a:sym typeface="Calibri"/>
+              </a:defRPr>
+            </a:lvl1pPr>
+            <a:lvl2pPr marL="404368" indent="-203200">
+              <a:buClr>
+                <a:schemeClr val="accent1"/>
+              </a:buClr>
+              <a:buSzPct val="100000"/>
+              <a:buFont typeface="Trebuchet MS"/>
+              <a:buChar char="◦"/>
+              <a:defRPr cap="none" spc="0" sz="2000">
+                <a:solidFill>
+                  <a:srgbClr val="404040"/>
+                </a:solidFill>
+                <a:latin typeface="+mn-lt"/>
+                <a:ea typeface="+mn-ea"/>
+                <a:cs typeface="+mn-cs"/>
+                <a:sym typeface="Calibri"/>
+              </a:defRPr>
+            </a:lvl2pPr>
+            <a:lvl3pPr marL="645304" indent="-261256">
+              <a:buClr>
+                <a:schemeClr val="accent1"/>
+              </a:buClr>
+              <a:buSzPct val="100000"/>
+              <a:buFont typeface="Trebuchet MS"/>
+              <a:buChar char="◦"/>
+              <a:defRPr cap="none" spc="0" sz="2000">
+                <a:solidFill>
+                  <a:srgbClr val="404040"/>
+                </a:solidFill>
+                <a:latin typeface="+mn-lt"/>
+                <a:ea typeface="+mn-ea"/>
+                <a:cs typeface="+mn-cs"/>
+                <a:sym typeface="Calibri"/>
+              </a:defRPr>
+            </a:lvl3pPr>
+            <a:lvl4pPr marL="828185" indent="-261257">
+              <a:buClr>
+                <a:schemeClr val="accent1"/>
+              </a:buClr>
+              <a:buSzPct val="100000"/>
+              <a:buFont typeface="Trebuchet MS"/>
+              <a:buChar char="◦"/>
+              <a:defRPr cap="none" spc="0" sz="2000">
+                <a:solidFill>
+                  <a:srgbClr val="404040"/>
+                </a:solidFill>
+                <a:latin typeface="+mn-lt"/>
+                <a:ea typeface="+mn-ea"/>
+                <a:cs typeface="+mn-cs"/>
+                <a:sym typeface="Calibri"/>
+              </a:defRPr>
+            </a:lvl4pPr>
+            <a:lvl5pPr marL="1011065" indent="-261257">
+              <a:buClr>
+                <a:schemeClr val="accent1"/>
+              </a:buClr>
+              <a:buSzPct val="100000"/>
+              <a:buFont typeface="Trebuchet MS"/>
+              <a:buChar char="◦"/>
+              <a:defRPr cap="none" spc="0" sz="2000">
+                <a:solidFill>
+                  <a:srgbClr val="404040"/>
+                </a:solidFill>
+                <a:latin typeface="+mn-lt"/>
+                <a:ea typeface="+mn-ea"/>
+                <a:cs typeface="+mn-cs"/>
+                <a:sym typeface="Calibri"/>
+              </a:defRPr>
+            </a:lvl5pPr>
+          </a:lstStyle>
+          <a:p>
+            <a:pPr/>
             <a:r>
               <a:t>Body Level One</a:t>
             </a:r>
@@ -883,10 +890,8 @@
       </p:sp>
       <p:sp>
         <p:nvSpPr>
-          <p:cNvPr id="109" name="Slide Number"/>
-          <p:cNvSpPr txBox="1">
-            <a:spLocks noGrp="1"/>
-          </p:cNvSpPr>
+          <p:cNvPr id="121" name="Slide Number"/>
+          <p:cNvSpPr txBox="1"/>
           <p:nvPr>
             <p:ph type="sldNum" sz="quarter" idx="2"/>
           </p:nvPr>
@@ -900,10 +905,8 @@
           <a:bodyPr/>
           <a:lstStyle/>
           <a:p>
-            <a:fld id="{86CB4B4D-7CA3-9044-876B-883B54F8677D}" type="slidenum">
-              <a:t>‹#›</a:t>
-            </a:fld>
-            <a:endParaRPr/>
+            <a:pPr/>
+            <a:fld id="{86CB4B4D-7CA3-9044-876B-883B54F8677D}" type="slidenum"/>
           </a:p>
         </p:txBody>
       </p:sp>
@@ -912,12 +915,12 @@
   <p:clrMapOvr>
     <a:masterClrMapping/>
   </p:clrMapOvr>
-  <p:transition spd="med"/>
+  <p:transition xmlns:p14="http://schemas.microsoft.com/office/powerpoint/2010/main" spd="med" advClick="1"/>
 </p:sldLayout>
 </file>
 
 <file path=ppt/slideLayouts/slideLayout11.xml><?xml version="1.0" encoding="utf-8"?>
-<p:sldLayout xmlns:a="http://schemas.openxmlformats.org/drawingml/2006/main" xmlns:r="http://schemas.openxmlformats.org/officeDocument/2006/relationships" xmlns:p="http://schemas.openxmlformats.org/presentationml/2006/main" showMasterSp="0" type="tx">
+<p:sldLayout xmlns:a="http://schemas.openxmlformats.org/drawingml/2006/main" xmlns:r="http://schemas.openxmlformats.org/officeDocument/2006/relationships" xmlns:p="http://schemas.openxmlformats.org/presentationml/2006/main" xmlns:m="http://schemas.openxmlformats.org/officeDocument/2006/math" xmlns:a14="http://schemas.microsoft.com/office/drawing/2010/main" type="tx" showMasterSp="0" showMasterPhAnim="1">
   <p:cSld name="Vertical Title and Text">
     <p:spTree>
       <p:nvGrpSpPr>
@@ -935,7 +938,7 @@
       </p:grpSpPr>
       <p:sp>
         <p:nvSpPr>
-          <p:cNvPr id="116" name="Rectangle 6"/>
+          <p:cNvPr id="128" name="Rectangle 6"/>
           <p:cNvSpPr/>
           <p:nvPr/>
         </p:nvSpPr>
@@ -955,23 +958,30 @@
           </a:ln>
         </p:spPr>
         <p:txBody>
-          <a:bodyPr lIns="45719" rIns="45719"/>
+          <a:bodyPr lIns="45718" tIns="45718" rIns="45718" bIns="45718"/>
           <a:lstStyle/>
           <a:p>
-            <a:endParaRPr/>
-          </a:p>
-        </p:txBody>
-      </p:sp>
-      <p:sp>
-        <p:nvSpPr>
-          <p:cNvPr id="117" name="Rectangle 7"/>
+            <a:pPr>
+              <a:defRPr>
+                <a:latin typeface="+mn-lt"/>
+                <a:ea typeface="+mn-ea"/>
+                <a:cs typeface="+mn-cs"/>
+                <a:sym typeface="Calibri"/>
+              </a:defRPr>
+            </a:pPr>
+          </a:p>
+        </p:txBody>
+      </p:sp>
+      <p:sp>
+        <p:nvSpPr>
+          <p:cNvPr id="129" name="Rectangle 7"/>
           <p:cNvSpPr/>
           <p:nvPr/>
         </p:nvSpPr>
         <p:spPr>
           <a:xfrm>
-            <a:off x="14" y="6334316"/>
-            <a:ext cx="12188826" cy="64009"/>
+            <a:off x="13" y="6334316"/>
+            <a:ext cx="12188828" cy="64010"/>
           </a:xfrm>
           <a:prstGeom prst="rect">
             <a:avLst/>
@@ -984,19 +994,24 @@
           </a:ln>
         </p:spPr>
         <p:txBody>
-          <a:bodyPr lIns="45719" rIns="45719"/>
+          <a:bodyPr lIns="45718" tIns="45718" rIns="45718" bIns="45718"/>
           <a:lstStyle/>
           <a:p>
-            <a:endParaRPr/>
-          </a:p>
-        </p:txBody>
-      </p:sp>
-      <p:sp>
-        <p:nvSpPr>
-          <p:cNvPr id="118" name="Title Text"/>
-          <p:cNvSpPr txBox="1">
-            <a:spLocks noGrp="1"/>
-          </p:cNvSpPr>
+            <a:pPr>
+              <a:defRPr>
+                <a:latin typeface="+mn-lt"/>
+                <a:ea typeface="+mn-ea"/>
+                <a:cs typeface="+mn-cs"/>
+                <a:sym typeface="Calibri"/>
+              </a:defRPr>
+            </a:pPr>
+          </a:p>
+        </p:txBody>
+      </p:sp>
+      <p:sp>
+        <p:nvSpPr>
+          <p:cNvPr id="130" name="Title Text"/>
+          <p:cNvSpPr txBox="1"/>
           <p:nvPr>
             <p:ph type="title"/>
           </p:nvPr>
@@ -1012,8 +1027,17 @@
         </p:spPr>
         <p:txBody>
           <a:bodyPr/>
-          <a:lstStyle/>
-          <a:p>
+          <a:lstStyle>
+            <a:lvl1pPr>
+              <a:defRPr sz="4800">
+                <a:solidFill>
+                  <a:srgbClr val="404040"/>
+                </a:solidFill>
+              </a:defRPr>
+            </a:lvl1pPr>
+          </a:lstStyle>
+          <a:p>
+            <a:pPr/>
             <a:r>
               <a:t>Title Text</a:t>
             </a:r>
@@ -1022,10 +1046,8 @@
       </p:sp>
       <p:sp>
         <p:nvSpPr>
-          <p:cNvPr id="119" name="Body Level One…"/>
-          <p:cNvSpPr txBox="1">
-            <a:spLocks noGrp="1"/>
-          </p:cNvSpPr>
+          <p:cNvPr id="131" name="Body Level One…"/>
+          <p:cNvSpPr txBox="1"/>
           <p:nvPr>
             <p:ph type="body" idx="1"/>
           </p:nvPr>
@@ -1040,9 +1062,96 @@
           </a:prstGeom>
         </p:spPr>
         <p:txBody>
-          <a:bodyPr/>
-          <a:lstStyle/>
-          <a:p>
+          <a:bodyPr lIns="0" tIns="0" rIns="0" bIns="0"/>
+          <a:lstStyle>
+            <a:lvl1pPr marL="91438" indent="-91438">
+              <a:buClr>
+                <a:schemeClr val="accent1"/>
+              </a:buClr>
+              <a:buSzPct val="100000"/>
+              <a:buFont typeface="Trebuchet MS"/>
+              <a:buChar char=" "/>
+              <a:defRPr cap="none" spc="0" sz="2000">
+                <a:solidFill>
+                  <a:srgbClr val="404040"/>
+                </a:solidFill>
+                <a:latin typeface="+mn-lt"/>
+                <a:ea typeface="+mn-ea"/>
+                <a:cs typeface="+mn-cs"/>
+                <a:sym typeface="Calibri"/>
+              </a:defRPr>
+            </a:lvl1pPr>
+            <a:lvl2pPr marL="404368" indent="-203200">
+              <a:buClr>
+                <a:schemeClr val="accent1"/>
+              </a:buClr>
+              <a:buSzPct val="100000"/>
+              <a:buFont typeface="Trebuchet MS"/>
+              <a:buChar char="◦"/>
+              <a:defRPr cap="none" spc="0" sz="2000">
+                <a:solidFill>
+                  <a:srgbClr val="404040"/>
+                </a:solidFill>
+                <a:latin typeface="+mn-lt"/>
+                <a:ea typeface="+mn-ea"/>
+                <a:cs typeface="+mn-cs"/>
+                <a:sym typeface="Calibri"/>
+              </a:defRPr>
+            </a:lvl2pPr>
+            <a:lvl3pPr marL="645304" indent="-261256">
+              <a:buClr>
+                <a:schemeClr val="accent1"/>
+              </a:buClr>
+              <a:buSzPct val="100000"/>
+              <a:buFont typeface="Trebuchet MS"/>
+              <a:buChar char="◦"/>
+              <a:defRPr cap="none" spc="0" sz="2000">
+                <a:solidFill>
+                  <a:srgbClr val="404040"/>
+                </a:solidFill>
+                <a:latin typeface="+mn-lt"/>
+                <a:ea typeface="+mn-ea"/>
+                <a:cs typeface="+mn-cs"/>
+                <a:sym typeface="Calibri"/>
+              </a:defRPr>
+            </a:lvl3pPr>
+            <a:lvl4pPr marL="828185" indent="-261257">
+              <a:buClr>
+                <a:schemeClr val="accent1"/>
+              </a:buClr>
+              <a:buSzPct val="100000"/>
+              <a:buFont typeface="Trebuchet MS"/>
+              <a:buChar char="◦"/>
+              <a:defRPr cap="none" spc="0" sz="2000">
+                <a:solidFill>
+                  <a:srgbClr val="404040"/>
+                </a:solidFill>
+                <a:latin typeface="+mn-lt"/>
+                <a:ea typeface="+mn-ea"/>
+                <a:cs typeface="+mn-cs"/>
+                <a:sym typeface="Calibri"/>
+              </a:defRPr>
+            </a:lvl4pPr>
+            <a:lvl5pPr marL="1011065" indent="-261257">
+              <a:buClr>
+                <a:schemeClr val="accent1"/>
+              </a:buClr>
+              <a:buSzPct val="100000"/>
+              <a:buFont typeface="Trebuchet MS"/>
+              <a:buChar char="◦"/>
+              <a:defRPr cap="none" spc="0" sz="2000">
+                <a:solidFill>
+                  <a:srgbClr val="404040"/>
+                </a:solidFill>
+                <a:latin typeface="+mn-lt"/>
+                <a:ea typeface="+mn-ea"/>
+                <a:cs typeface="+mn-cs"/>
+                <a:sym typeface="Calibri"/>
+              </a:defRPr>
+            </a:lvl5pPr>
+          </a:lstStyle>
+          <a:p>
+            <a:pPr/>
             <a:r>
               <a:t>Body Level One</a:t>
             </a:r>
@@ -1075,10 +1184,8 @@
       </p:sp>
       <p:sp>
         <p:nvSpPr>
-          <p:cNvPr id="120" name="Slide Number"/>
-          <p:cNvSpPr txBox="1">
-            <a:spLocks noGrp="1"/>
-          </p:cNvSpPr>
+          <p:cNvPr id="132" name="Slide Number"/>
+          <p:cNvSpPr txBox="1"/>
           <p:nvPr>
             <p:ph type="sldNum" sz="quarter" idx="2"/>
           </p:nvPr>
@@ -1092,10 +1199,8 @@
           <a:bodyPr/>
           <a:lstStyle/>
           <a:p>
-            <a:fld id="{86CB4B4D-7CA3-9044-876B-883B54F8677D}" type="slidenum">
-              <a:t>‹#›</a:t>
-            </a:fld>
-            <a:endParaRPr/>
+            <a:pPr/>
+            <a:fld id="{86CB4B4D-7CA3-9044-876B-883B54F8677D}" type="slidenum"/>
           </a:p>
         </p:txBody>
       </p:sp>
@@ -1104,12 +1209,12 @@
   <p:clrMapOvr>
     <a:masterClrMapping/>
   </p:clrMapOvr>
-  <p:transition spd="med"/>
+  <p:transition xmlns:p14="http://schemas.microsoft.com/office/powerpoint/2010/main" spd="med" advClick="1"/>
 </p:sldLayout>
 </file>
 
 <file path=ppt/slideLayouts/slideLayout2.xml><?xml version="1.0" encoding="utf-8"?>
-<p:sldLayout xmlns:a="http://schemas.openxmlformats.org/drawingml/2006/main" xmlns:r="http://schemas.openxmlformats.org/officeDocument/2006/relationships" xmlns:p="http://schemas.openxmlformats.org/presentationml/2006/main" type="tx">
+<p:sldLayout xmlns:a="http://schemas.openxmlformats.org/drawingml/2006/main" xmlns:r="http://schemas.openxmlformats.org/officeDocument/2006/relationships" xmlns:p="http://schemas.openxmlformats.org/presentationml/2006/main" xmlns:m="http://schemas.openxmlformats.org/officeDocument/2006/math" xmlns:a14="http://schemas.microsoft.com/office/drawing/2010/main" type="tx" showMasterSp="0" showMasterPhAnim="1">
   <p:cSld name="Title and Content">
     <p:spTree>
       <p:nvGrpSpPr>
@@ -1127,23 +1232,134 @@
       </p:grpSpPr>
       <p:sp>
         <p:nvSpPr>
+          <p:cNvPr id="23" name="Rectangle 6"/>
+          <p:cNvSpPr/>
+          <p:nvPr/>
+        </p:nvSpPr>
+        <p:spPr>
+          <a:xfrm>
+            <a:off x="3175" y="6400800"/>
+            <a:ext cx="12188825" cy="457200"/>
+          </a:xfrm>
+          <a:prstGeom prst="rect">
+            <a:avLst/>
+          </a:prstGeom>
+          <a:solidFill>
+            <a:schemeClr val="accent2"/>
+          </a:solidFill>
+          <a:ln w="12700">
+            <a:miter lim="400000"/>
+          </a:ln>
+        </p:spPr>
+        <p:txBody>
+          <a:bodyPr lIns="45718" tIns="45718" rIns="45718" bIns="45718"/>
+          <a:lstStyle/>
+          <a:p>
+            <a:pPr>
+              <a:defRPr>
+                <a:latin typeface="+mn-lt"/>
+                <a:ea typeface="+mn-ea"/>
+                <a:cs typeface="+mn-cs"/>
+                <a:sym typeface="Calibri"/>
+              </a:defRPr>
+            </a:pPr>
+          </a:p>
+        </p:txBody>
+      </p:sp>
+      <p:sp>
+        <p:nvSpPr>
+          <p:cNvPr id="24" name="Rectangle 8"/>
+          <p:cNvSpPr/>
+          <p:nvPr/>
+        </p:nvSpPr>
+        <p:spPr>
+          <a:xfrm>
+            <a:off x="13" y="6334316"/>
+            <a:ext cx="12188828" cy="64010"/>
+          </a:xfrm>
+          <a:prstGeom prst="rect">
+            <a:avLst/>
+          </a:prstGeom>
+          <a:solidFill>
+            <a:schemeClr val="accent1"/>
+          </a:solidFill>
+          <a:ln w="12700">
+            <a:miter lim="400000"/>
+          </a:ln>
+        </p:spPr>
+        <p:txBody>
+          <a:bodyPr lIns="45718" tIns="45718" rIns="45718" bIns="45718"/>
+          <a:lstStyle/>
+          <a:p>
+            <a:pPr>
+              <a:defRPr>
+                <a:latin typeface="+mn-lt"/>
+                <a:ea typeface="+mn-ea"/>
+                <a:cs typeface="+mn-cs"/>
+                <a:sym typeface="Calibri"/>
+              </a:defRPr>
+            </a:pPr>
+          </a:p>
+        </p:txBody>
+      </p:sp>
+      <p:sp>
+        <p:nvSpPr>
+          <p:cNvPr id="25" name="Straight Connector 9"/>
+          <p:cNvSpPr/>
+          <p:nvPr/>
+        </p:nvSpPr>
+        <p:spPr>
+          <a:xfrm>
+            <a:off x="1193532" y="1737845"/>
+            <a:ext cx="9966961" cy="1"/>
+          </a:xfrm>
+          <a:prstGeom prst="line">
+            <a:avLst/>
+          </a:prstGeom>
+          <a:ln w="6350">
+            <a:solidFill>
+              <a:srgbClr val="808080"/>
+            </a:solidFill>
+          </a:ln>
+        </p:spPr>
+        <p:txBody>
+          <a:bodyPr lIns="45718" tIns="45718" rIns="45718" bIns="45718"/>
+          <a:lstStyle/>
+          <a:p>
+            <a:pPr/>
+          </a:p>
+        </p:txBody>
+      </p:sp>
+      <p:sp>
+        <p:nvSpPr>
           <p:cNvPr id="26" name="Title Text"/>
-          <p:cNvSpPr txBox="1">
-            <a:spLocks noGrp="1"/>
-          </p:cNvSpPr>
+          <p:cNvSpPr txBox="1"/>
           <p:nvPr>
             <p:ph type="title"/>
           </p:nvPr>
         </p:nvSpPr>
         <p:spPr>
+          <a:xfrm>
+            <a:off x="1097280" y="286603"/>
+            <a:ext cx="10058401" cy="1450757"/>
+          </a:xfrm>
           <a:prstGeom prst="rect">
             <a:avLst/>
           </a:prstGeom>
         </p:spPr>
         <p:txBody>
           <a:bodyPr/>
-          <a:lstStyle/>
-          <a:p>
+          <a:lstStyle>
+            <a:lvl1pPr>
+              <a:defRPr sz="4800">
+                <a:solidFill>
+                  <a:srgbClr val="404040"/>
+                </a:solidFill>
+              </a:defRPr>
+            </a:lvl1pPr>
+          </a:lstStyle>
+          <a:p>
+            <a:pPr/>
             <a:r>
               <a:t>Title Text</a:t>
             </a:r>
@@ -1153,9 +1369,7 @@
       <p:sp>
         <p:nvSpPr>
           <p:cNvPr id="27" name="Body Level One…"/>
-          <p:cNvSpPr txBox="1">
-            <a:spLocks noGrp="1"/>
-          </p:cNvSpPr>
+          <p:cNvSpPr txBox="1"/>
           <p:nvPr>
             <p:ph type="body" idx="1"/>
           </p:nvPr>
@@ -1170,9 +1384,96 @@
           </a:prstGeom>
         </p:spPr>
         <p:txBody>
-          <a:bodyPr/>
-          <a:lstStyle/>
-          <a:p>
+          <a:bodyPr lIns="0" tIns="0" rIns="0" bIns="0"/>
+          <a:lstStyle>
+            <a:lvl1pPr marL="91438" indent="-91438">
+              <a:buClr>
+                <a:schemeClr val="accent1"/>
+              </a:buClr>
+              <a:buSzPct val="100000"/>
+              <a:buFont typeface="Trebuchet MS"/>
+              <a:buChar char=" "/>
+              <a:defRPr cap="none" spc="0" sz="2000">
+                <a:solidFill>
+                  <a:srgbClr val="404040"/>
+                </a:solidFill>
+                <a:latin typeface="+mn-lt"/>
+                <a:ea typeface="+mn-ea"/>
+                <a:cs typeface="+mn-cs"/>
+                <a:sym typeface="Calibri"/>
+              </a:defRPr>
+            </a:lvl1pPr>
+            <a:lvl2pPr marL="404368" indent="-203200">
+              <a:buClr>
+                <a:schemeClr val="accent1"/>
+              </a:buClr>
+              <a:buSzPct val="100000"/>
+              <a:buFont typeface="Trebuchet MS"/>
+              <a:buChar char="◦"/>
+              <a:defRPr cap="none" spc="0" sz="2000">
+                <a:solidFill>
+                  <a:srgbClr val="404040"/>
+                </a:solidFill>
+                <a:latin typeface="+mn-lt"/>
+                <a:ea typeface="+mn-ea"/>
+                <a:cs typeface="+mn-cs"/>
+                <a:sym typeface="Calibri"/>
+              </a:defRPr>
+            </a:lvl2pPr>
+            <a:lvl3pPr marL="645304" indent="-261256">
+              <a:buClr>
+                <a:schemeClr val="accent1"/>
+              </a:buClr>
+              <a:buSzPct val="100000"/>
+              <a:buFont typeface="Trebuchet MS"/>
+              <a:buChar char="◦"/>
+              <a:defRPr cap="none" spc="0" sz="2000">
+                <a:solidFill>
+                  <a:srgbClr val="404040"/>
+                </a:solidFill>
+                <a:latin typeface="+mn-lt"/>
+                <a:ea typeface="+mn-ea"/>
+                <a:cs typeface="+mn-cs"/>
+                <a:sym typeface="Calibri"/>
+              </a:defRPr>
+            </a:lvl3pPr>
+            <a:lvl4pPr marL="828185" indent="-261257">
+              <a:buClr>
+                <a:schemeClr val="accent1"/>
+              </a:buClr>
+              <a:buSzPct val="100000"/>
+              <a:buFont typeface="Trebuchet MS"/>
+              <a:buChar char="◦"/>
+              <a:defRPr cap="none" spc="0" sz="2000">
+                <a:solidFill>
+                  <a:srgbClr val="404040"/>
+                </a:solidFill>
+                <a:latin typeface="+mn-lt"/>
+                <a:ea typeface="+mn-ea"/>
+                <a:cs typeface="+mn-cs"/>
+                <a:sym typeface="Calibri"/>
+              </a:defRPr>
+            </a:lvl4pPr>
+            <a:lvl5pPr marL="1011065" indent="-261257">
+              <a:buClr>
+                <a:schemeClr val="accent1"/>
+              </a:buClr>
+              <a:buSzPct val="100000"/>
+              <a:buFont typeface="Trebuchet MS"/>
+              <a:buChar char="◦"/>
+              <a:defRPr cap="none" spc="0" sz="2000">
+                <a:solidFill>
+                  <a:srgbClr val="404040"/>
+                </a:solidFill>
+                <a:latin typeface="+mn-lt"/>
+                <a:ea typeface="+mn-ea"/>
+                <a:cs typeface="+mn-cs"/>
+                <a:sym typeface="Calibri"/>
+              </a:defRPr>
+            </a:lvl5pPr>
+          </a:lstStyle>
+          <a:p>
+            <a:pPr/>
             <a:r>
               <a:t>Body Level One</a:t>
             </a:r>
@@ -1206,9 +1507,7 @@
       <p:sp>
         <p:nvSpPr>
           <p:cNvPr id="28" name="Slide Number"/>
-          <p:cNvSpPr txBox="1">
-            <a:spLocks noGrp="1"/>
-          </p:cNvSpPr>
+          <p:cNvSpPr txBox="1"/>
           <p:nvPr>
             <p:ph type="sldNum" sz="quarter" idx="2"/>
           </p:nvPr>
@@ -1222,10 +1521,8 @@
           <a:bodyPr/>
           <a:lstStyle/>
           <a:p>
-            <a:fld id="{86CB4B4D-7CA3-9044-876B-883B54F8677D}" type="slidenum">
-              <a:t>‹#›</a:t>
-            </a:fld>
-            <a:endParaRPr/>
+            <a:pPr/>
+            <a:fld id="{86CB4B4D-7CA3-9044-876B-883B54F8677D}" type="slidenum"/>
           </a:p>
         </p:txBody>
       </p:sp>
@@ -1234,12 +1531,12 @@
   <p:clrMapOvr>
     <a:masterClrMapping/>
   </p:clrMapOvr>
-  <p:transition spd="med"/>
+  <p:transition xmlns:p14="http://schemas.microsoft.com/office/powerpoint/2010/main" spd="med" advClick="1"/>
 </p:sldLayout>
 </file>
 
 <file path=ppt/slideLayouts/slideLayout3.xml><?xml version="1.0" encoding="utf-8"?>
-<p:sldLayout xmlns:a="http://schemas.openxmlformats.org/drawingml/2006/main" xmlns:r="http://schemas.openxmlformats.org/officeDocument/2006/relationships" xmlns:p="http://schemas.openxmlformats.org/presentationml/2006/main" showMasterSp="0" type="tx">
+<p:sldLayout xmlns:a="http://schemas.openxmlformats.org/drawingml/2006/main" xmlns:r="http://schemas.openxmlformats.org/officeDocument/2006/relationships" xmlns:p="http://schemas.openxmlformats.org/presentationml/2006/main" xmlns:m="http://schemas.openxmlformats.org/officeDocument/2006/math" xmlns:a14="http://schemas.microsoft.com/office/drawing/2010/main" type="tx" showMasterSp="0" showMasterPhAnim="1">
   <p:cSld name="Section Header">
     <p:spTree>
       <p:nvGrpSpPr>
@@ -1277,10 +1574,17 @@
           </a:ln>
         </p:spPr>
         <p:txBody>
-          <a:bodyPr lIns="45719" rIns="45719"/>
+          <a:bodyPr lIns="45718" tIns="45718" rIns="45718" bIns="45718"/>
           <a:lstStyle/>
           <a:p>
-            <a:endParaRPr/>
+            <a:pPr>
+              <a:defRPr>
+                <a:latin typeface="+mn-lt"/>
+                <a:ea typeface="+mn-ea"/>
+                <a:cs typeface="+mn-cs"/>
+                <a:sym typeface="Calibri"/>
+              </a:defRPr>
+            </a:pPr>
           </a:p>
         </p:txBody>
       </p:sp>
@@ -1292,8 +1596,8 @@
         </p:nvSpPr>
         <p:spPr>
           <a:xfrm>
-            <a:off x="14" y="6334316"/>
-            <a:ext cx="12188826" cy="64009"/>
+            <a:off x="13" y="6334316"/>
+            <a:ext cx="12188828" cy="64010"/>
           </a:xfrm>
           <a:prstGeom prst="rect">
             <a:avLst/>
@@ -1306,44 +1610,38 @@
           </a:ln>
         </p:spPr>
         <p:txBody>
-          <a:bodyPr lIns="45719" rIns="45719"/>
+          <a:bodyPr lIns="45718" tIns="45718" rIns="45718" bIns="45718"/>
           <a:lstStyle/>
           <a:p>
-            <a:endParaRPr/>
+            <a:pPr>
+              <a:defRPr>
+                <a:latin typeface="+mn-lt"/>
+                <a:ea typeface="+mn-ea"/>
+                <a:cs typeface="+mn-cs"/>
+                <a:sym typeface="Calibri"/>
+              </a:defRPr>
+            </a:pPr>
           </a:p>
         </p:txBody>
       </p:sp>
       <p:sp>
         <p:nvSpPr>
           <p:cNvPr id="37" name="Title Text"/>
-          <p:cNvSpPr txBox="1">
-            <a:spLocks noGrp="1"/>
-          </p:cNvSpPr>
+          <p:cNvSpPr txBox="1"/>
           <p:nvPr>
             <p:ph type="title"/>
           </p:nvPr>
         </p:nvSpPr>
         <p:spPr>
-          <a:xfrm>
-            <a:off x="1097280" y="758951"/>
-            <a:ext cx="10058401" cy="3566161"/>
-          </a:xfrm>
           <a:prstGeom prst="rect">
             <a:avLst/>
           </a:prstGeom>
         </p:spPr>
         <p:txBody>
           <a:bodyPr/>
-          <a:lstStyle>
-            <a:lvl1pPr>
-              <a:defRPr sz="8000">
-                <a:solidFill>
-                  <a:srgbClr val="262626"/>
-                </a:solidFill>
-              </a:defRPr>
-            </a:lvl1pPr>
-          </a:lstStyle>
-          <a:p>
+          <a:lstStyle/>
+          <a:p>
+            <a:pPr/>
             <a:r>
               <a:t>Title Text</a:t>
             </a:r>
@@ -1353,9 +1651,7 @@
       <p:sp>
         <p:nvSpPr>
           <p:cNvPr id="38" name="Body Level One…"/>
-          <p:cNvSpPr txBox="1">
-            <a:spLocks noGrp="1"/>
-          </p:cNvSpPr>
+          <p:cNvSpPr txBox="1"/>
           <p:nvPr>
             <p:ph type="body" sz="quarter" idx="1"/>
           </p:nvPr>
@@ -1363,92 +1659,17 @@
         <p:spPr>
           <a:xfrm>
             <a:off x="1097280" y="4453128"/>
-            <a:ext cx="10058401" cy="1143001"/>
+            <a:ext cx="10058401" cy="1143002"/>
           </a:xfrm>
           <a:prstGeom prst="rect">
             <a:avLst/>
           </a:prstGeom>
         </p:spPr>
         <p:txBody>
-          <a:bodyPr lIns="45719" tIns="45719" rIns="45719" bIns="45719"/>
-          <a:lstStyle>
-            <a:lvl1pPr marL="0" indent="0">
-              <a:buClrTx/>
-              <a:buSzTx/>
-              <a:buFontTx/>
-              <a:buNone/>
-              <a:defRPr sz="2400" cap="all" spc="200">
-                <a:solidFill>
-                  <a:srgbClr val="344068"/>
-                </a:solidFill>
-                <a:latin typeface="Calibri Light"/>
-                <a:ea typeface="Calibri Light"/>
-                <a:cs typeface="Calibri Light"/>
-                <a:sym typeface="Calibri Light"/>
-              </a:defRPr>
-            </a:lvl1pPr>
-            <a:lvl2pPr marL="0" indent="457200">
-              <a:buClrTx/>
-              <a:buSzTx/>
-              <a:buFontTx/>
-              <a:buNone/>
-              <a:defRPr sz="2400" cap="all" spc="200">
-                <a:solidFill>
-                  <a:srgbClr val="344068"/>
-                </a:solidFill>
-                <a:latin typeface="Calibri Light"/>
-                <a:ea typeface="Calibri Light"/>
-                <a:cs typeface="Calibri Light"/>
-                <a:sym typeface="Calibri Light"/>
-              </a:defRPr>
-            </a:lvl2pPr>
-            <a:lvl3pPr marL="0" indent="914400">
-              <a:buClrTx/>
-              <a:buSzTx/>
-              <a:buFontTx/>
-              <a:buNone/>
-              <a:defRPr sz="2400" cap="all" spc="200">
-                <a:solidFill>
-                  <a:srgbClr val="344068"/>
-                </a:solidFill>
-                <a:latin typeface="Calibri Light"/>
-                <a:ea typeface="Calibri Light"/>
-                <a:cs typeface="Calibri Light"/>
-                <a:sym typeface="Calibri Light"/>
-              </a:defRPr>
-            </a:lvl3pPr>
-            <a:lvl4pPr marL="0" indent="1371600">
-              <a:buClrTx/>
-              <a:buSzTx/>
-              <a:buFontTx/>
-              <a:buNone/>
-              <a:defRPr sz="2400" cap="all" spc="200">
-                <a:solidFill>
-                  <a:srgbClr val="344068"/>
-                </a:solidFill>
-                <a:latin typeface="Calibri Light"/>
-                <a:ea typeface="Calibri Light"/>
-                <a:cs typeface="Calibri Light"/>
-                <a:sym typeface="Calibri Light"/>
-              </a:defRPr>
-            </a:lvl4pPr>
-            <a:lvl5pPr marL="0" indent="1828800">
-              <a:buClrTx/>
-              <a:buSzTx/>
-              <a:buFontTx/>
-              <a:buNone/>
-              <a:defRPr sz="2400" cap="all" spc="200">
-                <a:solidFill>
-                  <a:srgbClr val="344068"/>
-                </a:solidFill>
-                <a:latin typeface="Calibri Light"/>
-                <a:ea typeface="Calibri Light"/>
-                <a:cs typeface="Calibri Light"/>
-                <a:sym typeface="Calibri Light"/>
-              </a:defRPr>
-            </a:lvl5pPr>
-          </a:lstStyle>
-          <a:p>
+          <a:bodyPr/>
+          <a:lstStyle/>
+          <a:p>
+            <a:pPr/>
             <a:r>
               <a:t>Body Level One</a:t>
             </a:r>
@@ -1487,8 +1708,8 @@
         </p:nvSpPr>
         <p:spPr>
           <a:xfrm>
-            <a:off x="1207657" y="4343400"/>
-            <a:ext cx="9875521" cy="0"/>
+            <a:off x="1207656" y="4343400"/>
+            <a:ext cx="9875523" cy="0"/>
           </a:xfrm>
           <a:prstGeom prst="line">
             <a:avLst/>
@@ -1500,19 +1721,17 @@
           </a:ln>
         </p:spPr>
         <p:txBody>
-          <a:bodyPr lIns="45719" rIns="45719"/>
+          <a:bodyPr lIns="45718" tIns="45718" rIns="45718" bIns="45718"/>
           <a:lstStyle/>
           <a:p>
-            <a:endParaRPr/>
+            <a:pPr/>
           </a:p>
         </p:txBody>
       </p:sp>
       <p:sp>
         <p:nvSpPr>
           <p:cNvPr id="40" name="Slide Number"/>
-          <p:cNvSpPr txBox="1">
-            <a:spLocks noGrp="1"/>
-          </p:cNvSpPr>
+          <p:cNvSpPr txBox="1"/>
           <p:nvPr>
             <p:ph type="sldNum" sz="quarter" idx="2"/>
           </p:nvPr>
@@ -1526,10 +1745,8 @@
           <a:bodyPr/>
           <a:lstStyle/>
           <a:p>
-            <a:fld id="{86CB4B4D-7CA3-9044-876B-883B54F8677D}" type="slidenum">
-              <a:t>‹#›</a:t>
-            </a:fld>
-            <a:endParaRPr/>
+            <a:pPr/>
+            <a:fld id="{86CB4B4D-7CA3-9044-876B-883B54F8677D}" type="slidenum"/>
           </a:p>
         </p:txBody>
       </p:sp>
@@ -1538,12 +1755,12 @@
   <p:clrMapOvr>
     <a:masterClrMapping/>
   </p:clrMapOvr>
-  <p:transition spd="med"/>
+  <p:transition xmlns:p14="http://schemas.microsoft.com/office/powerpoint/2010/main" spd="med" advClick="1"/>
 </p:sldLayout>
 </file>
 
 <file path=ppt/slideLayouts/slideLayout4.xml><?xml version="1.0" encoding="utf-8"?>
-<p:sldLayout xmlns:a="http://schemas.openxmlformats.org/drawingml/2006/main" xmlns:r="http://schemas.openxmlformats.org/officeDocument/2006/relationships" xmlns:p="http://schemas.openxmlformats.org/presentationml/2006/main" type="tx">
+<p:sldLayout xmlns:a="http://schemas.openxmlformats.org/drawingml/2006/main" xmlns:r="http://schemas.openxmlformats.org/officeDocument/2006/relationships" xmlns:p="http://schemas.openxmlformats.org/presentationml/2006/main" xmlns:m="http://schemas.openxmlformats.org/officeDocument/2006/math" xmlns:a14="http://schemas.microsoft.com/office/drawing/2010/main" type="tx" showMasterSp="0" showMasterPhAnim="1">
   <p:cSld name="Two Content">
     <p:spTree>
       <p:nvGrpSpPr>
@@ -1561,23 +1778,134 @@
       </p:grpSpPr>
       <p:sp>
         <p:nvSpPr>
-          <p:cNvPr id="47" name="Title Text"/>
-          <p:cNvSpPr txBox="1">
-            <a:spLocks noGrp="1"/>
-          </p:cNvSpPr>
+          <p:cNvPr id="47" name="Rectangle 6"/>
+          <p:cNvSpPr/>
+          <p:nvPr/>
+        </p:nvSpPr>
+        <p:spPr>
+          <a:xfrm>
+            <a:off x="3175" y="6400800"/>
+            <a:ext cx="12188825" cy="457200"/>
+          </a:xfrm>
+          <a:prstGeom prst="rect">
+            <a:avLst/>
+          </a:prstGeom>
+          <a:solidFill>
+            <a:schemeClr val="accent2"/>
+          </a:solidFill>
+          <a:ln w="12700">
+            <a:miter lim="400000"/>
+          </a:ln>
+        </p:spPr>
+        <p:txBody>
+          <a:bodyPr lIns="45718" tIns="45718" rIns="45718" bIns="45718"/>
+          <a:lstStyle/>
+          <a:p>
+            <a:pPr>
+              <a:defRPr>
+                <a:latin typeface="+mn-lt"/>
+                <a:ea typeface="+mn-ea"/>
+                <a:cs typeface="+mn-cs"/>
+                <a:sym typeface="Calibri"/>
+              </a:defRPr>
+            </a:pPr>
+          </a:p>
+        </p:txBody>
+      </p:sp>
+      <p:sp>
+        <p:nvSpPr>
+          <p:cNvPr id="48" name="Rectangle 8"/>
+          <p:cNvSpPr/>
+          <p:nvPr/>
+        </p:nvSpPr>
+        <p:spPr>
+          <a:xfrm>
+            <a:off x="13" y="6334316"/>
+            <a:ext cx="12188828" cy="64010"/>
+          </a:xfrm>
+          <a:prstGeom prst="rect">
+            <a:avLst/>
+          </a:prstGeom>
+          <a:solidFill>
+            <a:schemeClr val="accent1"/>
+          </a:solidFill>
+          <a:ln w="12700">
+            <a:miter lim="400000"/>
+          </a:ln>
+        </p:spPr>
+        <p:txBody>
+          <a:bodyPr lIns="45718" tIns="45718" rIns="45718" bIns="45718"/>
+          <a:lstStyle/>
+          <a:p>
+            <a:pPr>
+              <a:defRPr>
+                <a:latin typeface="+mn-lt"/>
+                <a:ea typeface="+mn-ea"/>
+                <a:cs typeface="+mn-cs"/>
+                <a:sym typeface="Calibri"/>
+              </a:defRPr>
+            </a:pPr>
+          </a:p>
+        </p:txBody>
+      </p:sp>
+      <p:sp>
+        <p:nvSpPr>
+          <p:cNvPr id="49" name="Straight Connector 9"/>
+          <p:cNvSpPr/>
+          <p:nvPr/>
+        </p:nvSpPr>
+        <p:spPr>
+          <a:xfrm>
+            <a:off x="1193532" y="1737845"/>
+            <a:ext cx="9966961" cy="1"/>
+          </a:xfrm>
+          <a:prstGeom prst="line">
+            <a:avLst/>
+          </a:prstGeom>
+          <a:ln w="6350">
+            <a:solidFill>
+              <a:srgbClr val="808080"/>
+            </a:solidFill>
+          </a:ln>
+        </p:spPr>
+        <p:txBody>
+          <a:bodyPr lIns="45718" tIns="45718" rIns="45718" bIns="45718"/>
+          <a:lstStyle/>
+          <a:p>
+            <a:pPr/>
+          </a:p>
+        </p:txBody>
+      </p:sp>
+      <p:sp>
+        <p:nvSpPr>
+          <p:cNvPr id="50" name="Title Text"/>
+          <p:cNvSpPr txBox="1"/>
           <p:nvPr>
             <p:ph type="title"/>
           </p:nvPr>
         </p:nvSpPr>
         <p:spPr>
+          <a:xfrm>
+            <a:off x="1097280" y="286603"/>
+            <a:ext cx="10058401" cy="1450757"/>
+          </a:xfrm>
           <a:prstGeom prst="rect">
             <a:avLst/>
           </a:prstGeom>
         </p:spPr>
         <p:txBody>
           <a:bodyPr/>
-          <a:lstStyle/>
-          <a:p>
+          <a:lstStyle>
+            <a:lvl1pPr>
+              <a:defRPr sz="4800">
+                <a:solidFill>
+                  <a:srgbClr val="404040"/>
+                </a:solidFill>
+              </a:defRPr>
+            </a:lvl1pPr>
+          </a:lstStyle>
+          <a:p>
+            <a:pPr/>
             <a:r>
               <a:t>Title Text</a:t>
             </a:r>
@@ -1586,10 +1914,8 @@
       </p:sp>
       <p:sp>
         <p:nvSpPr>
-          <p:cNvPr id="48" name="Body Level One…"/>
-          <p:cNvSpPr txBox="1">
-            <a:spLocks noGrp="1"/>
-          </p:cNvSpPr>
+          <p:cNvPr id="51" name="Body Level One…"/>
+          <p:cNvSpPr txBox="1"/>
           <p:nvPr>
             <p:ph type="body" sz="half" idx="1"/>
           </p:nvPr>
@@ -1604,9 +1930,96 @@
           </a:prstGeom>
         </p:spPr>
         <p:txBody>
-          <a:bodyPr/>
-          <a:lstStyle/>
-          <a:p>
+          <a:bodyPr lIns="0" tIns="0" rIns="0" bIns="0"/>
+          <a:lstStyle>
+            <a:lvl1pPr marL="91438" indent="-91438">
+              <a:buClr>
+                <a:schemeClr val="accent1"/>
+              </a:buClr>
+              <a:buSzPct val="100000"/>
+              <a:buFont typeface="Trebuchet MS"/>
+              <a:buChar char=" "/>
+              <a:defRPr cap="none" spc="0" sz="2000">
+                <a:solidFill>
+                  <a:srgbClr val="404040"/>
+                </a:solidFill>
+                <a:latin typeface="+mn-lt"/>
+                <a:ea typeface="+mn-ea"/>
+                <a:cs typeface="+mn-cs"/>
+                <a:sym typeface="Calibri"/>
+              </a:defRPr>
+            </a:lvl1pPr>
+            <a:lvl2pPr marL="404368" indent="-203200">
+              <a:buClr>
+                <a:schemeClr val="accent1"/>
+              </a:buClr>
+              <a:buSzPct val="100000"/>
+              <a:buFont typeface="Trebuchet MS"/>
+              <a:buChar char="◦"/>
+              <a:defRPr cap="none" spc="0" sz="2000">
+                <a:solidFill>
+                  <a:srgbClr val="404040"/>
+                </a:solidFill>
+                <a:latin typeface="+mn-lt"/>
+                <a:ea typeface="+mn-ea"/>
+                <a:cs typeface="+mn-cs"/>
+                <a:sym typeface="Calibri"/>
+              </a:defRPr>
+            </a:lvl2pPr>
+            <a:lvl3pPr marL="645304" indent="-261256">
+              <a:buClr>
+                <a:schemeClr val="accent1"/>
+              </a:buClr>
+              <a:buSzPct val="100000"/>
+              <a:buFont typeface="Trebuchet MS"/>
+              <a:buChar char="◦"/>
+              <a:defRPr cap="none" spc="0" sz="2000">
+                <a:solidFill>
+                  <a:srgbClr val="404040"/>
+                </a:solidFill>
+                <a:latin typeface="+mn-lt"/>
+                <a:ea typeface="+mn-ea"/>
+                <a:cs typeface="+mn-cs"/>
+                <a:sym typeface="Calibri"/>
+              </a:defRPr>
+            </a:lvl3pPr>
+            <a:lvl4pPr marL="828185" indent="-261257">
+              <a:buClr>
+                <a:schemeClr val="accent1"/>
+              </a:buClr>
+              <a:buSzPct val="100000"/>
+              <a:buFont typeface="Trebuchet MS"/>
+              <a:buChar char="◦"/>
+              <a:defRPr cap="none" spc="0" sz="2000">
+                <a:solidFill>
+                  <a:srgbClr val="404040"/>
+                </a:solidFill>
+                <a:latin typeface="+mn-lt"/>
+                <a:ea typeface="+mn-ea"/>
+                <a:cs typeface="+mn-cs"/>
+                <a:sym typeface="Calibri"/>
+              </a:defRPr>
+            </a:lvl4pPr>
+            <a:lvl5pPr marL="1011065" indent="-261257">
+              <a:buClr>
+                <a:schemeClr val="accent1"/>
+              </a:buClr>
+              <a:buSzPct val="100000"/>
+              <a:buFont typeface="Trebuchet MS"/>
+              <a:buChar char="◦"/>
+              <a:defRPr cap="none" spc="0" sz="2000">
+                <a:solidFill>
+                  <a:srgbClr val="404040"/>
+                </a:solidFill>
+                <a:latin typeface="+mn-lt"/>
+                <a:ea typeface="+mn-ea"/>
+                <a:cs typeface="+mn-cs"/>
+                <a:sym typeface="Calibri"/>
+              </a:defRPr>
+            </a:lvl5pPr>
+          </a:lstStyle>
+          <a:p>
+            <a:pPr/>
             <a:r>
               <a:t>Body Level One</a:t>
             </a:r>
@@ -1639,10 +2052,8 @@
       </p:sp>
       <p:sp>
         <p:nvSpPr>
-          <p:cNvPr id="49" name="Slide Number"/>
-          <p:cNvSpPr txBox="1">
-            <a:spLocks noGrp="1"/>
-          </p:cNvSpPr>
+          <p:cNvPr id="52" name="Slide Number"/>
+          <p:cNvSpPr txBox="1"/>
           <p:nvPr>
             <p:ph type="sldNum" sz="quarter" idx="2"/>
           </p:nvPr>
@@ -1656,10 +2067,8 @@
           <a:bodyPr/>
           <a:lstStyle/>
           <a:p>
-            <a:fld id="{86CB4B4D-7CA3-9044-876B-883B54F8677D}" type="slidenum">
-              <a:t>‹#›</a:t>
-            </a:fld>
-            <a:endParaRPr/>
+            <a:pPr/>
+            <a:fld id="{86CB4B4D-7CA3-9044-876B-883B54F8677D}" type="slidenum"/>
           </a:p>
         </p:txBody>
       </p:sp>
@@ -1668,12 +2077,12 @@
   <p:clrMapOvr>
     <a:masterClrMapping/>
   </p:clrMapOvr>
-  <p:transition spd="med"/>
+  <p:transition xmlns:p14="http://schemas.microsoft.com/office/powerpoint/2010/main" spd="med" advClick="1"/>
 </p:sldLayout>
 </file>
 
 <file path=ppt/slideLayouts/slideLayout5.xml><?xml version="1.0" encoding="utf-8"?>
-<p:sldLayout xmlns:a="http://schemas.openxmlformats.org/drawingml/2006/main" xmlns:r="http://schemas.openxmlformats.org/officeDocument/2006/relationships" xmlns:p="http://schemas.openxmlformats.org/presentationml/2006/main" type="tx">
+<p:sldLayout xmlns:a="http://schemas.openxmlformats.org/drawingml/2006/main" xmlns:r="http://schemas.openxmlformats.org/officeDocument/2006/relationships" xmlns:p="http://schemas.openxmlformats.org/presentationml/2006/main" xmlns:m="http://schemas.openxmlformats.org/officeDocument/2006/math" xmlns:a14="http://schemas.microsoft.com/office/drawing/2010/main" type="tx" showMasterSp="0" showMasterPhAnim="1">
   <p:cSld name="Comparison">
     <p:spTree>
       <p:nvGrpSpPr>
@@ -1691,23 +2100,134 @@
       </p:grpSpPr>
       <p:sp>
         <p:nvSpPr>
-          <p:cNvPr id="56" name="Title Text"/>
-          <p:cNvSpPr txBox="1">
-            <a:spLocks noGrp="1"/>
-          </p:cNvSpPr>
+          <p:cNvPr id="59" name="Rectangle 6"/>
+          <p:cNvSpPr/>
+          <p:nvPr/>
+        </p:nvSpPr>
+        <p:spPr>
+          <a:xfrm>
+            <a:off x="3175" y="6400800"/>
+            <a:ext cx="12188825" cy="457200"/>
+          </a:xfrm>
+          <a:prstGeom prst="rect">
+            <a:avLst/>
+          </a:prstGeom>
+          <a:solidFill>
+            <a:schemeClr val="accent2"/>
+          </a:solidFill>
+          <a:ln w="12700">
+            <a:miter lim="400000"/>
+          </a:ln>
+        </p:spPr>
+        <p:txBody>
+          <a:bodyPr lIns="45718" tIns="45718" rIns="45718" bIns="45718"/>
+          <a:lstStyle/>
+          <a:p>
+            <a:pPr>
+              <a:defRPr>
+                <a:latin typeface="+mn-lt"/>
+                <a:ea typeface="+mn-ea"/>
+                <a:cs typeface="+mn-cs"/>
+                <a:sym typeface="Calibri"/>
+              </a:defRPr>
+            </a:pPr>
+          </a:p>
+        </p:txBody>
+      </p:sp>
+      <p:sp>
+        <p:nvSpPr>
+          <p:cNvPr id="60" name="Rectangle 8"/>
+          <p:cNvSpPr/>
+          <p:nvPr/>
+        </p:nvSpPr>
+        <p:spPr>
+          <a:xfrm>
+            <a:off x="13" y="6334316"/>
+            <a:ext cx="12188828" cy="64010"/>
+          </a:xfrm>
+          <a:prstGeom prst="rect">
+            <a:avLst/>
+          </a:prstGeom>
+          <a:solidFill>
+            <a:schemeClr val="accent1"/>
+          </a:solidFill>
+          <a:ln w="12700">
+            <a:miter lim="400000"/>
+          </a:ln>
+        </p:spPr>
+        <p:txBody>
+          <a:bodyPr lIns="45718" tIns="45718" rIns="45718" bIns="45718"/>
+          <a:lstStyle/>
+          <a:p>
+            <a:pPr>
+              <a:defRPr>
+                <a:latin typeface="+mn-lt"/>
+                <a:ea typeface="+mn-ea"/>
+                <a:cs typeface="+mn-cs"/>
+                <a:sym typeface="Calibri"/>
+              </a:defRPr>
+            </a:pPr>
+          </a:p>
+        </p:txBody>
+      </p:sp>
+      <p:sp>
+        <p:nvSpPr>
+          <p:cNvPr id="61" name="Straight Connector 9"/>
+          <p:cNvSpPr/>
+          <p:nvPr/>
+        </p:nvSpPr>
+        <p:spPr>
+          <a:xfrm>
+            <a:off x="1193532" y="1737845"/>
+            <a:ext cx="9966961" cy="1"/>
+          </a:xfrm>
+          <a:prstGeom prst="line">
+            <a:avLst/>
+          </a:prstGeom>
+          <a:ln w="6350">
+            <a:solidFill>
+              <a:srgbClr val="808080"/>
+            </a:solidFill>
+          </a:ln>
+        </p:spPr>
+        <p:txBody>
+          <a:bodyPr lIns="45718" tIns="45718" rIns="45718" bIns="45718"/>
+          <a:lstStyle/>
+          <a:p>
+            <a:pPr/>
+          </a:p>
+        </p:txBody>
+      </p:sp>
+      <p:sp>
+        <p:nvSpPr>
+          <p:cNvPr id="62" name="Title Text"/>
+          <p:cNvSpPr txBox="1"/>
           <p:nvPr>
             <p:ph type="title"/>
           </p:nvPr>
         </p:nvSpPr>
         <p:spPr>
+          <a:xfrm>
+            <a:off x="1097280" y="286603"/>
+            <a:ext cx="10058401" cy="1450757"/>
+          </a:xfrm>
           <a:prstGeom prst="rect">
             <a:avLst/>
           </a:prstGeom>
         </p:spPr>
         <p:txBody>
           <a:bodyPr/>
-          <a:lstStyle/>
-          <a:p>
+          <a:lstStyle>
+            <a:lvl1pPr>
+              <a:defRPr sz="4800">
+                <a:solidFill>
+                  <a:srgbClr val="404040"/>
+                </a:solidFill>
+              </a:defRPr>
+            </a:lvl1pPr>
+          </a:lstStyle>
+          <a:p>
+            <a:pPr/>
             <a:r>
               <a:t>Title Text</a:t>
             </a:r>
@@ -1716,10 +2236,8 @@
       </p:sp>
       <p:sp>
         <p:nvSpPr>
-          <p:cNvPr id="57" name="Body Level One…"/>
-          <p:cNvSpPr txBox="1">
-            <a:spLocks noGrp="1"/>
-          </p:cNvSpPr>
+          <p:cNvPr id="63" name="Body Level One…"/>
+          <p:cNvSpPr txBox="1"/>
           <p:nvPr>
             <p:ph type="body" sz="quarter" idx="1"/>
           </p:nvPr>
@@ -1727,72 +2245,58 @@
         <p:spPr>
           <a:xfrm>
             <a:off x="1097280" y="1846052"/>
-            <a:ext cx="4937760" cy="736283"/>
+            <a:ext cx="4937760" cy="736284"/>
           </a:xfrm>
           <a:prstGeom prst="rect">
             <a:avLst/>
           </a:prstGeom>
         </p:spPr>
         <p:txBody>
-          <a:bodyPr lIns="45719" tIns="45719" rIns="45719" bIns="45719" anchor="ctr"/>
+          <a:bodyPr anchor="ctr"/>
           <a:lstStyle>
-            <a:lvl1pPr marL="0" indent="0">
-              <a:buClrTx/>
-              <a:buSzTx/>
-              <a:buFontTx/>
-              <a:buNone/>
-              <a:defRPr cap="all">
-                <a:solidFill>
-                  <a:srgbClr val="344068"/>
-                </a:solidFill>
+            <a:lvl1pPr>
+              <a:defRPr spc="0" sz="2000">
+                <a:latin typeface="+mn-lt"/>
+                <a:ea typeface="+mn-ea"/>
+                <a:cs typeface="+mn-cs"/>
+                <a:sym typeface="Calibri"/>
               </a:defRPr>
             </a:lvl1pPr>
-            <a:lvl2pPr marL="0" indent="457200">
-              <a:buClrTx/>
-              <a:buSzTx/>
-              <a:buFontTx/>
-              <a:buNone/>
-              <a:defRPr cap="all">
-                <a:solidFill>
-                  <a:srgbClr val="344068"/>
-                </a:solidFill>
+            <a:lvl2pPr>
+              <a:defRPr spc="0" sz="2000">
+                <a:latin typeface="+mn-lt"/>
+                <a:ea typeface="+mn-ea"/>
+                <a:cs typeface="+mn-cs"/>
+                <a:sym typeface="Calibri"/>
               </a:defRPr>
             </a:lvl2pPr>
-            <a:lvl3pPr marL="0" indent="914400">
-              <a:buClrTx/>
-              <a:buSzTx/>
-              <a:buFontTx/>
-              <a:buNone/>
-              <a:defRPr cap="all">
-                <a:solidFill>
-                  <a:srgbClr val="344068"/>
-                </a:solidFill>
+            <a:lvl3pPr>
+              <a:defRPr spc="0" sz="2000">
+                <a:latin typeface="+mn-lt"/>
+                <a:ea typeface="+mn-ea"/>
+                <a:cs typeface="+mn-cs"/>
+                <a:sym typeface="Calibri"/>
               </a:defRPr>
             </a:lvl3pPr>
-            <a:lvl4pPr marL="0" indent="1371600">
-              <a:buClrTx/>
-              <a:buSzTx/>
-              <a:buFontTx/>
-              <a:buNone/>
-              <a:defRPr cap="all">
-                <a:solidFill>
-                  <a:srgbClr val="344068"/>
-                </a:solidFill>
+            <a:lvl4pPr>
+              <a:defRPr spc="0" sz="2000">
+                <a:latin typeface="+mn-lt"/>
+                <a:ea typeface="+mn-ea"/>
+                <a:cs typeface="+mn-cs"/>
+                <a:sym typeface="Calibri"/>
               </a:defRPr>
             </a:lvl4pPr>
-            <a:lvl5pPr marL="0" indent="1828800">
-              <a:buClrTx/>
-              <a:buSzTx/>
-              <a:buFontTx/>
-              <a:buNone/>
-              <a:defRPr cap="all">
-                <a:solidFill>
-                  <a:srgbClr val="344068"/>
-                </a:solidFill>
+            <a:lvl5pPr>
+              <a:defRPr spc="0" sz="2000">
+                <a:latin typeface="+mn-lt"/>
+                <a:ea typeface="+mn-ea"/>
+                <a:cs typeface="+mn-cs"/>
+                <a:sym typeface="Calibri"/>
               </a:defRPr>
             </a:lvl5pPr>
           </a:lstStyle>
           <a:p>
+            <a:pPr/>
             <a:r>
               <a:t>Body Level One</a:t>
             </a:r>
@@ -1825,48 +2329,49 @@
       </p:sp>
       <p:sp>
         <p:nvSpPr>
-          <p:cNvPr id="58" name="Text Placeholder 4"/>
-          <p:cNvSpPr>
-            <a:spLocks noGrp="1"/>
-          </p:cNvSpPr>
+          <p:cNvPr id="64" name="Text Placeholder 4"/>
+          <p:cNvSpPr/>
           <p:nvPr>
             <p:ph type="body" sz="quarter" idx="13"/>
           </p:nvPr>
         </p:nvSpPr>
         <p:spPr>
           <a:xfrm>
-            <a:off x="6217919" y="1846052"/>
-            <a:ext cx="4937762" cy="736283"/>
+            <a:off x="6217918" y="1846052"/>
+            <a:ext cx="4937764" cy="736284"/>
           </a:xfrm>
           <a:prstGeom prst="rect">
             <a:avLst/>
           </a:prstGeom>
         </p:spPr>
         <p:txBody>
-          <a:bodyPr lIns="45719" tIns="45719" rIns="45719" bIns="45719" anchor="ctr"/>
+          <a:bodyPr anchor="ctr"/>
           <a:lstStyle/>
           <a:p>
-            <a:pPr marL="0" indent="0">
-              <a:buClrTx/>
-              <a:buSzTx/>
-              <a:buFontTx/>
-              <a:buNone/>
-              <a:defRPr cap="all">
+            <a:pPr marL="91438" indent="-91438">
+              <a:buClr>
+                <a:schemeClr val="accent1"/>
+              </a:buClr>
+              <a:buSzPct val="100000"/>
+              <a:buFont typeface="Trebuchet MS"/>
+              <a:buChar char=" "/>
+              <a:defRPr cap="none" spc="0" sz="2000">
                 <a:solidFill>
-                  <a:srgbClr val="344068"/>
+                  <a:srgbClr val="404040"/>
                 </a:solidFill>
+                <a:latin typeface="+mn-lt"/>
+                <a:ea typeface="+mn-ea"/>
+                <a:cs typeface="+mn-cs"/>
+                <a:sym typeface="Calibri"/>
               </a:defRPr>
             </a:pPr>
-            <a:endParaRPr/>
-          </a:p>
-        </p:txBody>
-      </p:sp>
-      <p:sp>
-        <p:nvSpPr>
-          <p:cNvPr id="59" name="Slide Number"/>
-          <p:cNvSpPr txBox="1">
-            <a:spLocks noGrp="1"/>
-          </p:cNvSpPr>
+          </a:p>
+        </p:txBody>
+      </p:sp>
+      <p:sp>
+        <p:nvSpPr>
+          <p:cNvPr id="65" name="Slide Number"/>
+          <p:cNvSpPr txBox="1"/>
           <p:nvPr>
             <p:ph type="sldNum" sz="quarter" idx="2"/>
           </p:nvPr>
@@ -1880,10 +2385,8 @@
           <a:bodyPr/>
           <a:lstStyle/>
           <a:p>
-            <a:fld id="{86CB4B4D-7CA3-9044-876B-883B54F8677D}" type="slidenum">
-              <a:t>‹#›</a:t>
-            </a:fld>
-            <a:endParaRPr/>
+            <a:pPr/>
+            <a:fld id="{86CB4B4D-7CA3-9044-876B-883B54F8677D}" type="slidenum"/>
           </a:p>
         </p:txBody>
       </p:sp>
@@ -1892,12 +2395,12 @@
   <p:clrMapOvr>
     <a:masterClrMapping/>
   </p:clrMapOvr>
-  <p:transition spd="med"/>
+  <p:transition xmlns:p14="http://schemas.microsoft.com/office/powerpoint/2010/main" spd="med" advClick="1"/>
 </p:sldLayout>
 </file>
 
 <file path=ppt/slideLayouts/slideLayout6.xml><?xml version="1.0" encoding="utf-8"?>
-<p:sldLayout xmlns:a="http://schemas.openxmlformats.org/drawingml/2006/main" xmlns:r="http://schemas.openxmlformats.org/officeDocument/2006/relationships" xmlns:p="http://schemas.openxmlformats.org/presentationml/2006/main" type="tx">
+<p:sldLayout xmlns:a="http://schemas.openxmlformats.org/drawingml/2006/main" xmlns:r="http://schemas.openxmlformats.org/officeDocument/2006/relationships" xmlns:p="http://schemas.openxmlformats.org/presentationml/2006/main" xmlns:m="http://schemas.openxmlformats.org/officeDocument/2006/math" xmlns:a14="http://schemas.microsoft.com/office/drawing/2010/main" type="tx" showMasterSp="0" showMasterPhAnim="1">
   <p:cSld name="Title Only">
     <p:spTree>
       <p:nvGrpSpPr>
@@ -1915,23 +2418,134 @@
       </p:grpSpPr>
       <p:sp>
         <p:nvSpPr>
-          <p:cNvPr id="66" name="Title Text"/>
-          <p:cNvSpPr txBox="1">
-            <a:spLocks noGrp="1"/>
-          </p:cNvSpPr>
+          <p:cNvPr id="72" name="Rectangle 6"/>
+          <p:cNvSpPr/>
+          <p:nvPr/>
+        </p:nvSpPr>
+        <p:spPr>
+          <a:xfrm>
+            <a:off x="3175" y="6400800"/>
+            <a:ext cx="12188825" cy="457200"/>
+          </a:xfrm>
+          <a:prstGeom prst="rect">
+            <a:avLst/>
+          </a:prstGeom>
+          <a:solidFill>
+            <a:schemeClr val="accent2"/>
+          </a:solidFill>
+          <a:ln w="12700">
+            <a:miter lim="400000"/>
+          </a:ln>
+        </p:spPr>
+        <p:txBody>
+          <a:bodyPr lIns="45718" tIns="45718" rIns="45718" bIns="45718"/>
+          <a:lstStyle/>
+          <a:p>
+            <a:pPr>
+              <a:defRPr>
+                <a:latin typeface="+mn-lt"/>
+                <a:ea typeface="+mn-ea"/>
+                <a:cs typeface="+mn-cs"/>
+                <a:sym typeface="Calibri"/>
+              </a:defRPr>
+            </a:pPr>
+          </a:p>
+        </p:txBody>
+      </p:sp>
+      <p:sp>
+        <p:nvSpPr>
+          <p:cNvPr id="73" name="Rectangle 8"/>
+          <p:cNvSpPr/>
+          <p:nvPr/>
+        </p:nvSpPr>
+        <p:spPr>
+          <a:xfrm>
+            <a:off x="13" y="6334316"/>
+            <a:ext cx="12188828" cy="64010"/>
+          </a:xfrm>
+          <a:prstGeom prst="rect">
+            <a:avLst/>
+          </a:prstGeom>
+          <a:solidFill>
+            <a:schemeClr val="accent1"/>
+          </a:solidFill>
+          <a:ln w="12700">
+            <a:miter lim="400000"/>
+          </a:ln>
+        </p:spPr>
+        <p:txBody>
+          <a:bodyPr lIns="45718" tIns="45718" rIns="45718" bIns="45718"/>
+          <a:lstStyle/>
+          <a:p>
+            <a:pPr>
+              <a:defRPr>
+                <a:latin typeface="+mn-lt"/>
+                <a:ea typeface="+mn-ea"/>
+                <a:cs typeface="+mn-cs"/>
+                <a:sym typeface="Calibri"/>
+              </a:defRPr>
+            </a:pPr>
+          </a:p>
+        </p:txBody>
+      </p:sp>
+      <p:sp>
+        <p:nvSpPr>
+          <p:cNvPr id="74" name="Straight Connector 9"/>
+          <p:cNvSpPr/>
+          <p:nvPr/>
+        </p:nvSpPr>
+        <p:spPr>
+          <a:xfrm>
+            <a:off x="1193532" y="1737845"/>
+            <a:ext cx="9966961" cy="1"/>
+          </a:xfrm>
+          <a:prstGeom prst="line">
+            <a:avLst/>
+          </a:prstGeom>
+          <a:ln w="6350">
+            <a:solidFill>
+              <a:srgbClr val="808080"/>
+            </a:solidFill>
+          </a:ln>
+        </p:spPr>
+        <p:txBody>
+          <a:bodyPr lIns="45718" tIns="45718" rIns="45718" bIns="45718"/>
+          <a:lstStyle/>
+          <a:p>
+            <a:pPr/>
+          </a:p>
+        </p:txBody>
+      </p:sp>
+      <p:sp>
+        <p:nvSpPr>
+          <p:cNvPr id="75" name="Title Text"/>
+          <p:cNvSpPr txBox="1"/>
           <p:nvPr>
             <p:ph type="title"/>
           </p:nvPr>
         </p:nvSpPr>
         <p:spPr>
+          <a:xfrm>
+            <a:off x="1097280" y="286603"/>
+            <a:ext cx="10058401" cy="1450757"/>
+          </a:xfrm>
           <a:prstGeom prst="rect">
             <a:avLst/>
           </a:prstGeom>
         </p:spPr>
         <p:txBody>
           <a:bodyPr/>
-          <a:lstStyle/>
-          <a:p>
+          <a:lstStyle>
+            <a:lvl1pPr>
+              <a:defRPr sz="4800">
+                <a:solidFill>
+                  <a:srgbClr val="404040"/>
+                </a:solidFill>
+              </a:defRPr>
+            </a:lvl1pPr>
+          </a:lstStyle>
+          <a:p>
+            <a:pPr/>
             <a:r>
               <a:t>Title Text</a:t>
             </a:r>
@@ -1940,10 +2554,8 @@
       </p:sp>
       <p:sp>
         <p:nvSpPr>
-          <p:cNvPr id="67" name="Slide Number"/>
-          <p:cNvSpPr txBox="1">
-            <a:spLocks noGrp="1"/>
-          </p:cNvSpPr>
+          <p:cNvPr id="76" name="Slide Number"/>
+          <p:cNvSpPr txBox="1"/>
           <p:nvPr>
             <p:ph type="sldNum" sz="quarter" idx="2"/>
           </p:nvPr>
@@ -1957,10 +2569,8 @@
           <a:bodyPr/>
           <a:lstStyle/>
           <a:p>
-            <a:fld id="{86CB4B4D-7CA3-9044-876B-883B54F8677D}" type="slidenum">
-              <a:t>‹#›</a:t>
-            </a:fld>
-            <a:endParaRPr/>
+            <a:pPr/>
+            <a:fld id="{86CB4B4D-7CA3-9044-876B-883B54F8677D}" type="slidenum"/>
           </a:p>
         </p:txBody>
       </p:sp>
@@ -1969,12 +2579,12 @@
   <p:clrMapOvr>
     <a:masterClrMapping/>
   </p:clrMapOvr>
-  <p:transition spd="med"/>
+  <p:transition xmlns:p14="http://schemas.microsoft.com/office/powerpoint/2010/main" spd="med" advClick="1"/>
 </p:sldLayout>
 </file>
 
 <file path=ppt/slideLayouts/slideLayout7.xml><?xml version="1.0" encoding="utf-8"?>
-<p:sldLayout xmlns:a="http://schemas.openxmlformats.org/drawingml/2006/main" xmlns:r="http://schemas.openxmlformats.org/officeDocument/2006/relationships" xmlns:p="http://schemas.openxmlformats.org/presentationml/2006/main" showMasterSp="0" type="tx">
+<p:sldLayout xmlns:a="http://schemas.openxmlformats.org/drawingml/2006/main" xmlns:r="http://schemas.openxmlformats.org/officeDocument/2006/relationships" xmlns:p="http://schemas.openxmlformats.org/presentationml/2006/main" xmlns:m="http://schemas.openxmlformats.org/officeDocument/2006/math" xmlns:a14="http://schemas.microsoft.com/office/drawing/2010/main" type="tx" showMasterSp="0" showMasterPhAnim="1">
   <p:cSld name="Blank">
     <p:spTree>
       <p:nvGrpSpPr>
@@ -1992,7 +2602,7 @@
       </p:grpSpPr>
       <p:sp>
         <p:nvSpPr>
-          <p:cNvPr id="74" name="Rectangle 4"/>
+          <p:cNvPr id="83" name="Rectangle 4"/>
           <p:cNvSpPr/>
           <p:nvPr/>
         </p:nvSpPr>
@@ -2012,23 +2622,30 @@
           </a:ln>
         </p:spPr>
         <p:txBody>
-          <a:bodyPr lIns="45719" rIns="45719"/>
+          <a:bodyPr lIns="45718" tIns="45718" rIns="45718" bIns="45718"/>
           <a:lstStyle/>
           <a:p>
-            <a:endParaRPr/>
-          </a:p>
-        </p:txBody>
-      </p:sp>
-      <p:sp>
-        <p:nvSpPr>
-          <p:cNvPr id="75" name="Rectangle 5"/>
+            <a:pPr>
+              <a:defRPr>
+                <a:latin typeface="+mn-lt"/>
+                <a:ea typeface="+mn-ea"/>
+                <a:cs typeface="+mn-cs"/>
+                <a:sym typeface="Calibri"/>
+              </a:defRPr>
+            </a:pPr>
+          </a:p>
+        </p:txBody>
+      </p:sp>
+      <p:sp>
+        <p:nvSpPr>
+          <p:cNvPr id="84" name="Rectangle 5"/>
           <p:cNvSpPr/>
           <p:nvPr/>
         </p:nvSpPr>
         <p:spPr>
           <a:xfrm>
-            <a:off x="14" y="6334316"/>
-            <a:ext cx="12188826" cy="64009"/>
+            <a:off x="13" y="6334316"/>
+            <a:ext cx="12188828" cy="64010"/>
           </a:xfrm>
           <a:prstGeom prst="rect">
             <a:avLst/>
@@ -2041,19 +2658,24 @@
           </a:ln>
         </p:spPr>
         <p:txBody>
-          <a:bodyPr lIns="45719" rIns="45719"/>
+          <a:bodyPr lIns="45718" tIns="45718" rIns="45718" bIns="45718"/>
           <a:lstStyle/>
           <a:p>
-            <a:endParaRPr/>
-          </a:p>
-        </p:txBody>
-      </p:sp>
-      <p:sp>
-        <p:nvSpPr>
-          <p:cNvPr id="76" name="Slide Number"/>
-          <p:cNvSpPr txBox="1">
-            <a:spLocks noGrp="1"/>
-          </p:cNvSpPr>
+            <a:pPr>
+              <a:defRPr>
+                <a:latin typeface="+mn-lt"/>
+                <a:ea typeface="+mn-ea"/>
+                <a:cs typeface="+mn-cs"/>
+                <a:sym typeface="Calibri"/>
+              </a:defRPr>
+            </a:pPr>
+          </a:p>
+        </p:txBody>
+      </p:sp>
+      <p:sp>
+        <p:nvSpPr>
+          <p:cNvPr id="85" name="Slide Number"/>
+          <p:cNvSpPr txBox="1"/>
           <p:nvPr>
             <p:ph type="sldNum" sz="quarter" idx="2"/>
           </p:nvPr>
@@ -2067,10 +2689,8 @@
           <a:bodyPr/>
           <a:lstStyle/>
           <a:p>
-            <a:fld id="{86CB4B4D-7CA3-9044-876B-883B54F8677D}" type="slidenum">
-              <a:t>‹#›</a:t>
-            </a:fld>
-            <a:endParaRPr/>
+            <a:pPr/>
+            <a:fld id="{86CB4B4D-7CA3-9044-876B-883B54F8677D}" type="slidenum"/>
           </a:p>
         </p:txBody>
       </p:sp>
@@ -2079,12 +2699,12 @@
   <p:clrMapOvr>
     <a:masterClrMapping/>
   </p:clrMapOvr>
-  <p:transition spd="med"/>
+  <p:transition xmlns:p14="http://schemas.microsoft.com/office/powerpoint/2010/main" spd="med" advClick="1"/>
 </p:sldLayout>
 </file>
 
 <file path=ppt/slideLayouts/slideLayout8.xml><?xml version="1.0" encoding="utf-8"?>
-<p:sldLayout xmlns:a="http://schemas.openxmlformats.org/drawingml/2006/main" xmlns:r="http://schemas.openxmlformats.org/officeDocument/2006/relationships" xmlns:p="http://schemas.openxmlformats.org/presentationml/2006/main" showMasterSp="0" type="tx">
+<p:sldLayout xmlns:a="http://schemas.openxmlformats.org/drawingml/2006/main" xmlns:r="http://schemas.openxmlformats.org/officeDocument/2006/relationships" xmlns:p="http://schemas.openxmlformats.org/presentationml/2006/main" xmlns:m="http://schemas.openxmlformats.org/officeDocument/2006/math" xmlns:a14="http://schemas.microsoft.com/office/drawing/2010/main" type="tx" showMasterSp="0" showMasterPhAnim="1">
   <p:cSld name="Content with Caption">
     <p:spTree>
       <p:nvGrpSpPr>
@@ -2102,14 +2722,14 @@
       </p:grpSpPr>
       <p:sp>
         <p:nvSpPr>
-          <p:cNvPr id="83" name="Rectangle 7"/>
+          <p:cNvPr id="92" name="Rectangle 7"/>
           <p:cNvSpPr/>
           <p:nvPr/>
         </p:nvSpPr>
         <p:spPr>
           <a:xfrm>
-            <a:off x="15" y="0"/>
-            <a:ext cx="4050793" cy="6858000"/>
+            <a:off x="14" y="0"/>
+            <a:ext cx="4050795" cy="6858000"/>
           </a:xfrm>
           <a:prstGeom prst="rect">
             <a:avLst/>
@@ -2122,23 +2742,30 @@
           </a:ln>
         </p:spPr>
         <p:txBody>
-          <a:bodyPr lIns="45719" rIns="45719"/>
+          <a:bodyPr lIns="45718" tIns="45718" rIns="45718" bIns="45718"/>
           <a:lstStyle/>
           <a:p>
-            <a:endParaRPr/>
-          </a:p>
-        </p:txBody>
-      </p:sp>
-      <p:sp>
-        <p:nvSpPr>
-          <p:cNvPr id="84" name="Rectangle 8"/>
+            <a:pPr>
+              <a:defRPr>
+                <a:latin typeface="+mn-lt"/>
+                <a:ea typeface="+mn-ea"/>
+                <a:cs typeface="+mn-cs"/>
+                <a:sym typeface="Calibri"/>
+              </a:defRPr>
+            </a:pPr>
+          </a:p>
+        </p:txBody>
+      </p:sp>
+      <p:sp>
+        <p:nvSpPr>
+          <p:cNvPr id="93" name="Rectangle 8"/>
           <p:cNvSpPr/>
           <p:nvPr/>
         </p:nvSpPr>
         <p:spPr>
           <a:xfrm>
             <a:off x="4040070" y="0"/>
-            <a:ext cx="64009" cy="6858000"/>
+            <a:ext cx="64010" cy="6858000"/>
           </a:xfrm>
           <a:prstGeom prst="rect">
             <a:avLst/>
@@ -2151,19 +2778,24 @@
           </a:ln>
         </p:spPr>
         <p:txBody>
-          <a:bodyPr lIns="45719" rIns="45719"/>
+          <a:bodyPr lIns="45718" tIns="45718" rIns="45718" bIns="45718"/>
           <a:lstStyle/>
           <a:p>
-            <a:endParaRPr/>
-          </a:p>
-        </p:txBody>
-      </p:sp>
-      <p:sp>
-        <p:nvSpPr>
-          <p:cNvPr id="85" name="Title Text"/>
-          <p:cNvSpPr txBox="1">
-            <a:spLocks noGrp="1"/>
-          </p:cNvSpPr>
+            <a:pPr>
+              <a:defRPr>
+                <a:latin typeface="+mn-lt"/>
+                <a:ea typeface="+mn-ea"/>
+                <a:cs typeface="+mn-cs"/>
+                <a:sym typeface="Calibri"/>
+              </a:defRPr>
+            </a:pPr>
+          </a:p>
+        </p:txBody>
+      </p:sp>
+      <p:sp>
+        <p:nvSpPr>
+          <p:cNvPr id="94" name="Title Text"/>
+          <p:cNvSpPr txBox="1"/>
           <p:nvPr>
             <p:ph type="title"/>
           </p:nvPr>
@@ -2189,6 +2821,7 @@
             </a:lvl1pPr>
           </a:lstStyle>
           <a:p>
+            <a:pPr/>
             <a:r>
               <a:t>Title Text</a:t>
             </a:r>
@@ -2197,10 +2830,8 @@
       </p:sp>
       <p:sp>
         <p:nvSpPr>
-          <p:cNvPr id="86" name="Body Level One…"/>
-          <p:cNvSpPr txBox="1">
-            <a:spLocks noGrp="1"/>
-          </p:cNvSpPr>
+          <p:cNvPr id="95" name="Body Level One…"/>
+          <p:cNvSpPr txBox="1"/>
           <p:nvPr>
             <p:ph type="body" idx="1"/>
           </p:nvPr>
@@ -2208,16 +2839,103 @@
         <p:spPr>
           <a:xfrm>
             <a:off x="4800600" y="731519"/>
-            <a:ext cx="6492241" cy="5257801"/>
+            <a:ext cx="6492241" cy="5257802"/>
           </a:xfrm>
           <a:prstGeom prst="rect">
             <a:avLst/>
           </a:prstGeom>
         </p:spPr>
         <p:txBody>
-          <a:bodyPr/>
-          <a:lstStyle/>
-          <a:p>
+          <a:bodyPr lIns="0" tIns="0" rIns="0" bIns="0"/>
+          <a:lstStyle>
+            <a:lvl1pPr marL="91438" indent="-91438">
+              <a:buClr>
+                <a:schemeClr val="accent1"/>
+              </a:buClr>
+              <a:buSzPct val="100000"/>
+              <a:buFont typeface="Trebuchet MS"/>
+              <a:buChar char=" "/>
+              <a:defRPr cap="none" spc="0" sz="2000">
+                <a:solidFill>
+                  <a:srgbClr val="404040"/>
+                </a:solidFill>
+                <a:latin typeface="+mn-lt"/>
+                <a:ea typeface="+mn-ea"/>
+                <a:cs typeface="+mn-cs"/>
+                <a:sym typeface="Calibri"/>
+              </a:defRPr>
+            </a:lvl1pPr>
+            <a:lvl2pPr marL="404368" indent="-203200">
+              <a:buClr>
+                <a:schemeClr val="accent1"/>
+              </a:buClr>
+              <a:buSzPct val="100000"/>
+              <a:buFont typeface="Trebuchet MS"/>
+              <a:buChar char="◦"/>
+              <a:defRPr cap="none" spc="0" sz="2000">
+                <a:solidFill>
+                  <a:srgbClr val="404040"/>
+                </a:solidFill>
+                <a:latin typeface="+mn-lt"/>
+                <a:ea typeface="+mn-ea"/>
+                <a:cs typeface="+mn-cs"/>
+                <a:sym typeface="Calibri"/>
+              </a:defRPr>
+            </a:lvl2pPr>
+            <a:lvl3pPr marL="645304" indent="-261256">
+              <a:buClr>
+                <a:schemeClr val="accent1"/>
+              </a:buClr>
+              <a:buSzPct val="100000"/>
+              <a:buFont typeface="Trebuchet MS"/>
+              <a:buChar char="◦"/>
+              <a:defRPr cap="none" spc="0" sz="2000">
+                <a:solidFill>
+                  <a:srgbClr val="404040"/>
+                </a:solidFill>
+                <a:latin typeface="+mn-lt"/>
+                <a:ea typeface="+mn-ea"/>
+                <a:cs typeface="+mn-cs"/>
+                <a:sym typeface="Calibri"/>
+              </a:defRPr>
+            </a:lvl3pPr>
+            <a:lvl4pPr marL="828185" indent="-261257">
+              <a:buClr>
+                <a:schemeClr val="accent1"/>
+              </a:buClr>
+              <a:buSzPct val="100000"/>
+              <a:buFont typeface="Trebuchet MS"/>
+              <a:buChar char="◦"/>
+              <a:defRPr cap="none" spc="0" sz="2000">
+                <a:solidFill>
+                  <a:srgbClr val="404040"/>
+                </a:solidFill>
+                <a:latin typeface="+mn-lt"/>
+                <a:ea typeface="+mn-ea"/>
+                <a:cs typeface="+mn-cs"/>
+                <a:sym typeface="Calibri"/>
+              </a:defRPr>
+            </a:lvl4pPr>
+            <a:lvl5pPr marL="1011065" indent="-261257">
+              <a:buClr>
+                <a:schemeClr val="accent1"/>
+              </a:buClr>
+              <a:buSzPct val="100000"/>
+              <a:buFont typeface="Trebuchet MS"/>
+              <a:buChar char="◦"/>
+              <a:defRPr cap="none" spc="0" sz="2000">
+                <a:solidFill>
+                  <a:srgbClr val="404040"/>
+                </a:solidFill>
+                <a:latin typeface="+mn-lt"/>
+                <a:ea typeface="+mn-ea"/>
+                <a:cs typeface="+mn-cs"/>
+                <a:sym typeface="Calibri"/>
+              </a:defRPr>
+            </a:lvl5pPr>
+          </a:lstStyle>
+          <a:p>
+            <a:pPr/>
             <a:r>
               <a:t>Body Level One</a:t>
             </a:r>
@@ -2250,10 +2968,8 @@
       </p:sp>
       <p:sp>
         <p:nvSpPr>
-          <p:cNvPr id="87" name="Text Placeholder 3"/>
-          <p:cNvSpPr>
-            <a:spLocks noGrp="1"/>
-          </p:cNvSpPr>
+          <p:cNvPr id="96" name="Text Placeholder 3"/>
+          <p:cNvSpPr/>
           <p:nvPr>
             <p:ph type="body" sz="quarter" idx="13"/>
           </p:nvPr>
@@ -2268,30 +2984,33 @@
           </a:prstGeom>
         </p:spPr>
         <p:txBody>
-          <a:bodyPr lIns="45719" tIns="45719" rIns="45719" bIns="45719"/>
+          <a:bodyPr/>
           <a:lstStyle/>
           <a:p>
-            <a:pPr marL="0" indent="0">
-              <a:buClrTx/>
-              <a:buSzTx/>
-              <a:buFontTx/>
-              <a:buNone/>
-              <a:defRPr sz="1500">
+            <a:pPr marL="91438" indent="-91438">
+              <a:buClr>
+                <a:schemeClr val="accent1"/>
+              </a:buClr>
+              <a:buSzPct val="100000"/>
+              <a:buFont typeface="Trebuchet MS"/>
+              <a:buChar char=" "/>
+              <a:defRPr cap="none" spc="0" sz="2000">
                 <a:solidFill>
-                  <a:srgbClr val="FFFFFF"/>
+                  <a:srgbClr val="404040"/>
                 </a:solidFill>
+                <a:latin typeface="+mn-lt"/>
+                <a:ea typeface="+mn-ea"/>
+                <a:cs typeface="+mn-cs"/>
+                <a:sym typeface="Calibri"/>
               </a:defRPr>
             </a:pPr>
-            <a:endParaRPr/>
-          </a:p>
-        </p:txBody>
-      </p:sp>
-      <p:sp>
-        <p:nvSpPr>
-          <p:cNvPr id="88" name="Slide Number"/>
-          <p:cNvSpPr txBox="1">
-            <a:spLocks noGrp="1"/>
-          </p:cNvSpPr>
+          </a:p>
+        </p:txBody>
+      </p:sp>
+      <p:sp>
+        <p:nvSpPr>
+          <p:cNvPr id="97" name="Slide Number"/>
+          <p:cNvSpPr txBox="1"/>
           <p:nvPr>
             <p:ph type="sldNum" sz="quarter" idx="2"/>
           </p:nvPr>
@@ -2313,10 +3032,8 @@
             </a:lvl1pPr>
           </a:lstStyle>
           <a:p>
-            <a:fld id="{86CB4B4D-7CA3-9044-876B-883B54F8677D}" type="slidenum">
-              <a:t>‹#›</a:t>
-            </a:fld>
-            <a:endParaRPr/>
+            <a:pPr/>
+            <a:fld id="{86CB4B4D-7CA3-9044-876B-883B54F8677D}" type="slidenum"/>
           </a:p>
         </p:txBody>
       </p:sp>
@@ -2325,12 +3042,12 @@
   <p:clrMapOvr>
     <a:masterClrMapping/>
   </p:clrMapOvr>
-  <p:transition spd="med"/>
+  <p:transition xmlns:p14="http://schemas.microsoft.com/office/powerpoint/2010/main" spd="med" advClick="1"/>
 </p:sldLayout>
 </file>
 
 <file path=ppt/slideLayouts/slideLayout9.xml><?xml version="1.0" encoding="utf-8"?>
-<p:sldLayout xmlns:a="http://schemas.openxmlformats.org/drawingml/2006/main" xmlns:r="http://schemas.openxmlformats.org/officeDocument/2006/relationships" xmlns:p="http://schemas.openxmlformats.org/presentationml/2006/main" showMasterSp="0" type="tx">
+<p:sldLayout xmlns:a="http://schemas.openxmlformats.org/drawingml/2006/main" xmlns:r="http://schemas.openxmlformats.org/officeDocument/2006/relationships" xmlns:p="http://schemas.openxmlformats.org/presentationml/2006/main" xmlns:m="http://schemas.openxmlformats.org/officeDocument/2006/math" xmlns:a14="http://schemas.microsoft.com/office/drawing/2010/main" type="tx" showMasterSp="0" showMasterPhAnim="1">
   <p:cSld name="Picture with Caption">
     <p:spTree>
       <p:nvGrpSpPr>
@@ -2348,7 +3065,7 @@
       </p:grpSpPr>
       <p:sp>
         <p:nvSpPr>
-          <p:cNvPr id="95" name="Rectangle 7"/>
+          <p:cNvPr id="104" name="Rectangle 7"/>
           <p:cNvSpPr/>
           <p:nvPr/>
         </p:nvSpPr>
@@ -2368,23 +3085,30 @@
           </a:ln>
         </p:spPr>
         <p:txBody>
-          <a:bodyPr lIns="45719" rIns="45719"/>
+          <a:bodyPr lIns="45718" tIns="45718" rIns="45718" bIns="45718"/>
           <a:lstStyle/>
           <a:p>
-            <a:endParaRPr/>
-          </a:p>
-        </p:txBody>
-      </p:sp>
-      <p:sp>
-        <p:nvSpPr>
-          <p:cNvPr id="96" name="Rectangle 8"/>
+            <a:pPr>
+              <a:defRPr>
+                <a:latin typeface="+mn-lt"/>
+                <a:ea typeface="+mn-ea"/>
+                <a:cs typeface="+mn-cs"/>
+                <a:sym typeface="Calibri"/>
+              </a:defRPr>
+            </a:pPr>
+          </a:p>
+        </p:txBody>
+      </p:sp>
+      <p:sp>
+        <p:nvSpPr>
+          <p:cNvPr id="105" name="Rectangle 8"/>
           <p:cNvSpPr/>
           <p:nvPr/>
         </p:nvSpPr>
         <p:spPr>
           <a:xfrm>
-            <a:off x="14" y="4915075"/>
-            <a:ext cx="12188826" cy="64009"/>
+            <a:off x="13" y="4915075"/>
+            <a:ext cx="12188828" cy="64010"/>
           </a:xfrm>
           <a:prstGeom prst="rect">
             <a:avLst/>
@@ -2397,19 +3121,24 @@
           </a:ln>
         </p:spPr>
         <p:txBody>
-          <a:bodyPr lIns="45719" rIns="45719"/>
+          <a:bodyPr lIns="45718" tIns="45718" rIns="45718" bIns="45718"/>
           <a:lstStyle/>
           <a:p>
-            <a:endParaRPr/>
-          </a:p>
-        </p:txBody>
-      </p:sp>
-      <p:sp>
-        <p:nvSpPr>
-          <p:cNvPr id="97" name="Title Text"/>
-          <p:cNvSpPr txBox="1">
-            <a:spLocks noGrp="1"/>
-          </p:cNvSpPr>
+            <a:pPr>
+              <a:defRPr>
+                <a:latin typeface="+mn-lt"/>
+                <a:ea typeface="+mn-ea"/>
+                <a:cs typeface="+mn-cs"/>
+                <a:sym typeface="Calibri"/>
+              </a:defRPr>
+            </a:pPr>
+          </a:p>
+        </p:txBody>
+      </p:sp>
+      <p:sp>
+        <p:nvSpPr>
+          <p:cNvPr id="106" name="Title Text"/>
+          <p:cNvSpPr txBox="1"/>
           <p:nvPr>
             <p:ph type="title"/>
           </p:nvPr>
@@ -2417,7 +3146,7 @@
         <p:spPr>
           <a:xfrm>
             <a:off x="1097280" y="5074920"/>
-            <a:ext cx="10113645" cy="822961"/>
+            <a:ext cx="10113645" cy="822962"/>
           </a:xfrm>
           <a:prstGeom prst="rect">
             <a:avLst/>
@@ -2435,6 +3164,7 @@
             </a:lvl1pPr>
           </a:lstStyle>
           <a:p>
+            <a:pPr/>
             <a:r>
               <a:t>Title Text</a:t>
             </a:r>
@@ -2443,18 +3173,16 @@
       </p:sp>
       <p:sp>
         <p:nvSpPr>
-          <p:cNvPr id="98" name="Picture Placeholder 2"/>
-          <p:cNvSpPr>
-            <a:spLocks noGrp="1"/>
-          </p:cNvSpPr>
+          <p:cNvPr id="107" name="Picture Placeholder 2"/>
+          <p:cNvSpPr/>
           <p:nvPr>
             <p:ph type="pic" idx="13"/>
           </p:nvPr>
         </p:nvSpPr>
         <p:spPr>
           <a:xfrm>
-            <a:off x="14" y="0"/>
-            <a:ext cx="12191987" cy="4915076"/>
+            <a:off x="13" y="0"/>
+            <a:ext cx="12191988" cy="4915076"/>
           </a:xfrm>
           <a:prstGeom prst="rect">
             <a:avLst/>
@@ -2466,16 +3194,14 @@
           </a:bodyPr>
           <a:lstStyle/>
           <a:p>
-            <a:endParaRPr/>
-          </a:p>
-        </p:txBody>
-      </p:sp>
-      <p:sp>
-        <p:nvSpPr>
-          <p:cNvPr id="99" name="Body Level One…"/>
-          <p:cNvSpPr txBox="1">
-            <a:spLocks noGrp="1"/>
-          </p:cNvSpPr>
+            <a:pPr/>
+          </a:p>
+        </p:txBody>
+      </p:sp>
+      <p:sp>
+        <p:nvSpPr>
+          <p:cNvPr id="108" name="Body Level One…"/>
+          <p:cNvSpPr txBox="1"/>
           <p:nvPr>
             <p:ph type="body" sz="quarter" idx="1"/>
           </p:nvPr>
@@ -2483,87 +3209,88 @@
         <p:spPr>
           <a:xfrm>
             <a:off x="1097280" y="5907023"/>
-            <a:ext cx="10113265" cy="594361"/>
+            <a:ext cx="10113265" cy="594362"/>
           </a:xfrm>
           <a:prstGeom prst="rect">
             <a:avLst/>
           </a:prstGeom>
         </p:spPr>
         <p:txBody>
-          <a:bodyPr/>
+          <a:bodyPr lIns="0" tIns="0" rIns="0" bIns="0"/>
           <a:lstStyle>
-            <a:lvl1pPr marL="0" indent="0">
+            <a:lvl1pPr>
               <a:spcBef>
                 <a:spcPts val="600"/>
               </a:spcBef>
-              <a:buClrTx/>
-              <a:buSzTx/>
-              <a:buFontTx/>
-              <a:buNone/>
-              <a:defRPr sz="1500">
+              <a:defRPr cap="none" spc="0" sz="1500">
                 <a:solidFill>
                   <a:srgbClr val="FFFFFF"/>
                 </a:solidFill>
+                <a:latin typeface="+mn-lt"/>
+                <a:ea typeface="+mn-ea"/>
+                <a:cs typeface="+mn-cs"/>
+                <a:sym typeface="Calibri"/>
               </a:defRPr>
             </a:lvl1pPr>
-            <a:lvl2pPr marL="0" indent="457200">
+            <a:lvl2pPr>
               <a:spcBef>
                 <a:spcPts val="600"/>
               </a:spcBef>
-              <a:buClrTx/>
-              <a:buSzTx/>
-              <a:buFontTx/>
-              <a:buNone/>
-              <a:defRPr sz="1500">
+              <a:defRPr cap="none" spc="0" sz="1500">
                 <a:solidFill>
                   <a:srgbClr val="FFFFFF"/>
                 </a:solidFill>
+                <a:latin typeface="+mn-lt"/>
+                <a:ea typeface="+mn-ea"/>
+                <a:cs typeface="+mn-cs"/>
+                <a:sym typeface="Calibri"/>
               </a:defRPr>
             </a:lvl2pPr>
-            <a:lvl3pPr marL="0" indent="914400">
+            <a:lvl3pPr>
               <a:spcBef>
                 <a:spcPts val="600"/>
               </a:spcBef>
-              <a:buClrTx/>
-              <a:buSzTx/>
-              <a:buFontTx/>
-              <a:buNone/>
-              <a:defRPr sz="1500">
+              <a:defRPr cap="none" spc="0" sz="1500">
                 <a:solidFill>
                   <a:srgbClr val="FFFFFF"/>
                 </a:solidFill>
+                <a:latin typeface="+mn-lt"/>
+                <a:ea typeface="+mn-ea"/>
+                <a:cs typeface="+mn-cs"/>
+                <a:sym typeface="Calibri"/>
               </a:defRPr>
             </a:lvl3pPr>
-            <a:lvl4pPr marL="0" indent="1371600">
+            <a:lvl4pPr>
               <a:spcBef>
                 <a:spcPts val="600"/>
               </a:spcBef>
-              <a:buClrTx/>
-              <a:buSzTx/>
-              <a:buFontTx/>
-              <a:buNone/>
-              <a:defRPr sz="1500">
+              <a:defRPr cap="none" spc="0" sz="1500">
                 <a:solidFill>
                   <a:srgbClr val="FFFFFF"/>
                 </a:solidFill>
+                <a:latin typeface="+mn-lt"/>
+                <a:ea typeface="+mn-ea"/>
+                <a:cs typeface="+mn-cs"/>
+                <a:sym typeface="Calibri"/>
               </a:defRPr>
             </a:lvl4pPr>
-            <a:lvl5pPr marL="0" indent="1828800">
+            <a:lvl5pPr>
               <a:spcBef>
                 <a:spcPts val="600"/>
               </a:spcBef>
-              <a:buClrTx/>
-              <a:buSzTx/>
-              <a:buFontTx/>
-              <a:buNone/>
-              <a:defRPr sz="1500">
+              <a:defRPr cap="none" spc="0" sz="1500">
                 <a:solidFill>
                   <a:srgbClr val="FFFFFF"/>
                 </a:solidFill>
+                <a:latin typeface="+mn-lt"/>
+                <a:ea typeface="+mn-ea"/>
+                <a:cs typeface="+mn-cs"/>
+                <a:sym typeface="Calibri"/>
               </a:defRPr>
             </a:lvl5pPr>
           </a:lstStyle>
           <a:p>
+            <a:pPr/>
             <a:r>
               <a:t>Body Level One</a:t>
             </a:r>
@@ -2596,10 +3323,8 @@
       </p:sp>
       <p:sp>
         <p:nvSpPr>
-          <p:cNvPr id="100" name="Slide Number"/>
-          <p:cNvSpPr txBox="1">
-            <a:spLocks noGrp="1"/>
-          </p:cNvSpPr>
+          <p:cNvPr id="109" name="Slide Number"/>
+          <p:cNvSpPr txBox="1"/>
           <p:nvPr>
             <p:ph type="sldNum" sz="quarter" idx="2"/>
           </p:nvPr>
@@ -2613,10 +3338,8 @@
           <a:bodyPr/>
           <a:lstStyle/>
           <a:p>
-            <a:fld id="{86CB4B4D-7CA3-9044-876B-883B54F8677D}" type="slidenum">
-              <a:t>‹#›</a:t>
-            </a:fld>
-            <a:endParaRPr/>
+            <a:pPr/>
+            <a:fld id="{86CB4B4D-7CA3-9044-876B-883B54F8677D}" type="slidenum"/>
           </a:p>
         </p:txBody>
       </p:sp>
@@ -2625,19 +3348,18 @@
   <p:clrMapOvr>
     <a:masterClrMapping/>
   </p:clrMapOvr>
-  <p:transition spd="med"/>
+  <p:transition xmlns:p14="http://schemas.microsoft.com/office/powerpoint/2010/main" spd="med" advClick="1"/>
 </p:sldLayout>
 </file>
 
 <file path=ppt/slideMasters/slideMaster1.xml><?xml version="1.0" encoding="utf-8"?>
-<p:sldMaster xmlns:a="http://schemas.openxmlformats.org/drawingml/2006/main" xmlns:r="http://schemas.openxmlformats.org/officeDocument/2006/relationships" xmlns:p="http://schemas.openxmlformats.org/presentationml/2006/main">
+<p:sldMaster xmlns:a="http://schemas.openxmlformats.org/drawingml/2006/main" xmlns:r="http://schemas.openxmlformats.org/officeDocument/2006/relationships" xmlns:p="http://schemas.openxmlformats.org/presentationml/2006/main" xmlns:m="http://schemas.openxmlformats.org/officeDocument/2006/math" xmlns:a14="http://schemas.microsoft.com/office/drawing/2010/main">
   <p:cSld>
     <p:bg>
       <p:bgPr>
         <a:solidFill>
           <a:srgbClr val="FFFFFF"/>
         </a:solidFill>
-        <a:effectLst/>
       </p:bgPr>
     </p:bg>
     <p:spTree>
@@ -2662,8 +3384,8 @@
         </p:nvSpPr>
         <p:spPr>
           <a:xfrm>
-            <a:off x="3175" y="6400800"/>
-            <a:ext cx="12188825" cy="457200"/>
+            <a:off x="0" y="6400800"/>
+            <a:ext cx="12192003" cy="457200"/>
           </a:xfrm>
           <a:prstGeom prst="rect">
             <a:avLst/>
@@ -2676,23 +3398,30 @@
           </a:ln>
         </p:spPr>
         <p:txBody>
-          <a:bodyPr lIns="45719" rIns="45719"/>
+          <a:bodyPr lIns="45718" tIns="45718" rIns="45718" bIns="45718"/>
           <a:lstStyle/>
           <a:p>
-            <a:endParaRPr/>
-          </a:p>
-        </p:txBody>
-      </p:sp>
-      <p:sp>
-        <p:nvSpPr>
-          <p:cNvPr id="3" name="Rectangle 8"/>
+            <a:pPr>
+              <a:defRPr>
+                <a:latin typeface="+mn-lt"/>
+                <a:ea typeface="+mn-ea"/>
+                <a:cs typeface="+mn-cs"/>
+                <a:sym typeface="Calibri"/>
+              </a:defRPr>
+            </a:pPr>
+          </a:p>
+        </p:txBody>
+      </p:sp>
+      <p:sp>
+        <p:nvSpPr>
+          <p:cNvPr id="3" name="Rectangle 7"/>
           <p:cNvSpPr/>
           <p:nvPr/>
         </p:nvSpPr>
         <p:spPr>
           <a:xfrm>
-            <a:off x="14" y="6334316"/>
-            <a:ext cx="12188826" cy="64009"/>
+            <a:off x="0" y="6334316"/>
+            <a:ext cx="12192003" cy="66486"/>
           </a:xfrm>
           <a:prstGeom prst="rect">
             <a:avLst/>
@@ -2705,23 +3434,130 @@
           </a:ln>
         </p:spPr>
         <p:txBody>
-          <a:bodyPr lIns="45719" rIns="45719"/>
+          <a:bodyPr lIns="45718" tIns="45718" rIns="45718" bIns="45718"/>
           <a:lstStyle/>
           <a:p>
-            <a:endParaRPr/>
-          </a:p>
-        </p:txBody>
-      </p:sp>
-      <p:sp>
-        <p:nvSpPr>
-          <p:cNvPr id="4" name="Straight Connector 9"/>
+            <a:pPr>
+              <a:defRPr>
+                <a:latin typeface="+mn-lt"/>
+                <a:ea typeface="+mn-ea"/>
+                <a:cs typeface="+mn-cs"/>
+                <a:sym typeface="Calibri"/>
+              </a:defRPr>
+            </a:pPr>
+          </a:p>
+        </p:txBody>
+      </p:sp>
+      <p:sp>
+        <p:nvSpPr>
+          <p:cNvPr id="4" name="Title Text"/>
+          <p:cNvSpPr txBox="1"/>
+          <p:nvPr>
+            <p:ph type="title"/>
+          </p:nvPr>
+        </p:nvSpPr>
+        <p:spPr>
+          <a:xfrm>
+            <a:off x="1097280" y="758951"/>
+            <a:ext cx="10058401" cy="3566162"/>
+          </a:xfrm>
+          <a:prstGeom prst="rect">
+            <a:avLst/>
+          </a:prstGeom>
+          <a:ln w="12700">
+            <a:miter lim="400000"/>
+          </a:ln>
+          <a:extLst>
+            <a:ext uri="{C572A759-6A51-4108-AA02-DFA0A04FC94B}">
+              <ma14:wrappingTextBoxFlag xmlns:ma14="http://schemas.microsoft.com/office/mac/drawingml/2011/main" val="1"/>
+            </a:ext>
+          </a:extLst>
+        </p:spPr>
+        <p:txBody>
+          <a:bodyPr lIns="45718" tIns="45718" rIns="45718" bIns="45718" anchor="b">
+            <a:normAutofit fontScale="100000" lnSpcReduction="0"/>
+          </a:bodyPr>
+          <a:lstStyle/>
+          <a:p>
+            <a:pPr/>
+            <a:r>
+              <a:t>Title Text</a:t>
+            </a:r>
+          </a:p>
+        </p:txBody>
+      </p:sp>
+      <p:sp>
+        <p:nvSpPr>
+          <p:cNvPr id="5" name="Body Level One…"/>
+          <p:cNvSpPr txBox="1"/>
+          <p:nvPr>
+            <p:ph type="body" idx="1"/>
+          </p:nvPr>
+        </p:nvSpPr>
+        <p:spPr>
+          <a:xfrm>
+            <a:off x="1100050" y="4455621"/>
+            <a:ext cx="10058401" cy="1143002"/>
+          </a:xfrm>
+          <a:prstGeom prst="rect">
+            <a:avLst/>
+          </a:prstGeom>
+          <a:ln w="12700">
+            <a:miter lim="400000"/>
+          </a:ln>
+          <a:extLst>
+            <a:ext uri="{C572A759-6A51-4108-AA02-DFA0A04FC94B}">
+              <ma14:wrappingTextBoxFlag xmlns:ma14="http://schemas.microsoft.com/office/mac/drawingml/2011/main" val="1"/>
+            </a:ext>
+          </a:extLst>
+        </p:spPr>
+        <p:txBody>
+          <a:bodyPr lIns="45718" tIns="45718" rIns="45718" bIns="45718">
+            <a:normAutofit fontScale="100000" lnSpcReduction="0"/>
+          </a:bodyPr>
+          <a:lstStyle/>
+          <a:p>
+            <a:pPr/>
+            <a:r>
+              <a:t>Body Level One</a:t>
+            </a:r>
+          </a:p>
+          <a:p>
+            <a:pPr lvl="1"/>
+            <a:r>
+              <a:t>Body Level Two</a:t>
+            </a:r>
+          </a:p>
+          <a:p>
+            <a:pPr lvl="2"/>
+            <a:r>
+              <a:t>Body Level Three</a:t>
+            </a:r>
+          </a:p>
+          <a:p>
+            <a:pPr lvl="3"/>
+            <a:r>
+              <a:t>Body Level Four</a:t>
+            </a:r>
+          </a:p>
+          <a:p>
+            <a:pPr lvl="4"/>
+            <a:r>
+              <a:t>Body Level Five</a:t>
+            </a:r>
+          </a:p>
+        </p:txBody>
+      </p:sp>
+      <p:sp>
+        <p:nvSpPr>
+          <p:cNvPr id="6" name="Straight Connector 8"/>
           <p:cNvSpPr/>
           <p:nvPr/>
         </p:nvSpPr>
         <p:spPr>
           <a:xfrm>
-            <a:off x="1193532" y="1737845"/>
-            <a:ext cx="9966961" cy="1"/>
+            <a:off x="1207656" y="4343400"/>
+            <a:ext cx="9875523" cy="0"/>
           </a:xfrm>
           <a:prstGeom prst="line">
             <a:avLst/>
@@ -2733,27 +3569,25 @@
           </a:ln>
         </p:spPr>
         <p:txBody>
-          <a:bodyPr lIns="45719" rIns="45719"/>
+          <a:bodyPr lIns="45718" tIns="45718" rIns="45718" bIns="45718"/>
           <a:lstStyle/>
           <a:p>
-            <a:endParaRPr/>
-          </a:p>
-        </p:txBody>
-      </p:sp>
-      <p:sp>
-        <p:nvSpPr>
-          <p:cNvPr id="5" name="Title Text"/>
-          <p:cNvSpPr txBox="1">
-            <a:spLocks noGrp="1"/>
-          </p:cNvSpPr>
+            <a:pPr/>
+          </a:p>
+        </p:txBody>
+      </p:sp>
+      <p:sp>
+        <p:nvSpPr>
+          <p:cNvPr id="7" name="Slide Number"/>
+          <p:cNvSpPr txBox="1"/>
           <p:nvPr>
-            <p:ph type="title"/>
+            <p:ph type="sldNum" sz="quarter" idx="2"/>
           </p:nvPr>
         </p:nvSpPr>
         <p:spPr>
           <a:xfrm>
-            <a:off x="1097280" y="286603"/>
-            <a:ext cx="10058401" cy="1450757"/>
+            <a:off x="10975143" y="6526778"/>
+            <a:ext cx="237341" cy="231139"/>
           </a:xfrm>
           <a:prstGeom prst="rect">
             <a:avLst/>
@@ -2761,111 +3595,9 @@
           <a:ln w="12700">
             <a:miter lim="400000"/>
           </a:ln>
-          <a:extLst>
-            <a:ext uri="{C572A759-6A51-4108-AA02-DFA0A04FC94B}">
-              <ma14:wrappingTextBoxFlag xmlns:ma14="http://schemas.microsoft.com/office/mac/drawingml/2011/main" xmlns:a14="http://schemas.microsoft.com/office/drawing/2010/main" xmlns:m="http://schemas.openxmlformats.org/officeDocument/2006/math" xmlns="" val="1"/>
-            </a:ext>
-          </a:extLst>
-        </p:spPr>
-        <p:txBody>
-          <a:bodyPr lIns="45719" rIns="45719" anchor="b">
-            <a:normAutofit/>
-          </a:bodyPr>
-          <a:lstStyle/>
-          <a:p>
-            <a:r>
-              <a:t>Title Text</a:t>
-            </a:r>
-          </a:p>
-        </p:txBody>
-      </p:sp>
-      <p:sp>
-        <p:nvSpPr>
-          <p:cNvPr id="6" name="Body Level One…"/>
-          <p:cNvSpPr txBox="1">
-            <a:spLocks noGrp="1"/>
-          </p:cNvSpPr>
-          <p:nvPr>
-            <p:ph type="body" idx="1"/>
-          </p:nvPr>
-        </p:nvSpPr>
-        <p:spPr>
-          <a:xfrm>
-            <a:off x="609600" y="1600200"/>
-            <a:ext cx="10972800" cy="4525963"/>
-          </a:xfrm>
-          <a:prstGeom prst="rect">
-            <a:avLst/>
-          </a:prstGeom>
-          <a:ln w="12700">
-            <a:miter lim="400000"/>
-          </a:ln>
-          <a:extLst>
-            <a:ext uri="{C572A759-6A51-4108-AA02-DFA0A04FC94B}">
-              <ma14:wrappingTextBoxFlag xmlns:ma14="http://schemas.microsoft.com/office/mac/drawingml/2011/main" xmlns:a14="http://schemas.microsoft.com/office/drawing/2010/main" xmlns:m="http://schemas.openxmlformats.org/officeDocument/2006/math" xmlns="" val="1"/>
-            </a:ext>
-          </a:extLst>
-        </p:spPr>
-        <p:txBody>
-          <a:bodyPr lIns="0" tIns="0" rIns="0" bIns="0">
-            <a:normAutofit/>
-          </a:bodyPr>
-          <a:lstStyle/>
-          <a:p>
-            <a:r>
-              <a:t>Body Level One</a:t>
-            </a:r>
-          </a:p>
-          <a:p>
-            <a:pPr lvl="1"/>
-            <a:r>
-              <a:t>Body Level Two</a:t>
-            </a:r>
-          </a:p>
-          <a:p>
-            <a:pPr lvl="2"/>
-            <a:r>
-              <a:t>Body Level Three</a:t>
-            </a:r>
-          </a:p>
-          <a:p>
-            <a:pPr lvl="3"/>
-            <a:r>
-              <a:t>Body Level Four</a:t>
-            </a:r>
-          </a:p>
-          <a:p>
-            <a:pPr lvl="4"/>
-            <a:r>
-              <a:t>Body Level Five</a:t>
-            </a:r>
-          </a:p>
-        </p:txBody>
-      </p:sp>
-      <p:sp>
-        <p:nvSpPr>
-          <p:cNvPr id="7" name="Slide Number"/>
-          <p:cNvSpPr txBox="1">
-            <a:spLocks noGrp="1"/>
-          </p:cNvSpPr>
-          <p:nvPr>
-            <p:ph type="sldNum" sz="quarter" idx="2"/>
-          </p:nvPr>
-        </p:nvSpPr>
-        <p:spPr>
-          <a:xfrm>
-            <a:off x="10975141" y="6526777"/>
-            <a:ext cx="237342" cy="231141"/>
-          </a:xfrm>
-          <a:prstGeom prst="rect">
-            <a:avLst/>
-          </a:prstGeom>
-          <a:ln w="12700">
-            <a:miter lim="400000"/>
-          </a:ln>
-        </p:spPr>
-        <p:txBody>
-          <a:bodyPr wrap="none" lIns="45719" rIns="45719" anchor="ctr">
+        </p:spPr>
+        <p:txBody>
+          <a:bodyPr wrap="none" lIns="45718" tIns="45718" rIns="45718" bIns="45718" anchor="ctr">
             <a:spAutoFit/>
           </a:bodyPr>
           <a:lstStyle>
@@ -2874,14 +3606,16 @@
                 <a:solidFill>
                   <a:srgbClr val="FFFFFF"/>
                 </a:solidFill>
+                <a:latin typeface="+mn-lt"/>
+                <a:ea typeface="+mn-ea"/>
+                <a:cs typeface="+mn-cs"/>
+                <a:sym typeface="Calibri"/>
               </a:defRPr>
             </a:lvl1pPr>
           </a:lstStyle>
           <a:p>
-            <a:fld id="{86CB4B4D-7CA3-9044-876B-883B54F8677D}" type="slidenum">
-              <a:t>‹#›</a:t>
-            </a:fld>
-            <a:endParaRPr/>
+            <a:pPr/>
+            <a:fld id="{86CB4B4D-7CA3-9044-876B-883B54F8677D}" type="slidenum"/>
           </a:p>
         </p:txBody>
       </p:sp>
@@ -2889,19 +3623,19 @@
   </p:cSld>
   <p:clrMap bg1="lt1" tx1="dk1" bg2="lt2" tx2="dk2" accent1="accent1" accent2="accent2" accent3="accent3" accent4="accent4" accent5="accent5" accent6="accent6" hlink="hlink" folHlink="folHlink"/>
   <p:sldLayoutIdLst>
-    <p:sldLayoutId id="2147483649" r:id="rId1"/>
-    <p:sldLayoutId id="2147483650" r:id="rId2"/>
-    <p:sldLayoutId id="2147483651" r:id="rId3"/>
-    <p:sldLayoutId id="2147483652" r:id="rId4"/>
-    <p:sldLayoutId id="2147483653" r:id="rId5"/>
-    <p:sldLayoutId id="2147483654" r:id="rId6"/>
-    <p:sldLayoutId id="2147483655" r:id="rId7"/>
-    <p:sldLayoutId id="2147483656" r:id="rId8"/>
-    <p:sldLayoutId id="2147483657" r:id="rId9"/>
-    <p:sldLayoutId id="2147483658" r:id="rId10"/>
-    <p:sldLayoutId id="2147483659" r:id="rId11"/>
+    <p:sldLayoutId id="2147483649" r:id="rId2"/>
+    <p:sldLayoutId id="2147483650" r:id="rId3"/>
+    <p:sldLayoutId id="2147483651" r:id="rId4"/>
+    <p:sldLayoutId id="2147483652" r:id="rId5"/>
+    <p:sldLayoutId id="2147483653" r:id="rId6"/>
+    <p:sldLayoutId id="2147483654" r:id="rId7"/>
+    <p:sldLayoutId id="2147483655" r:id="rId8"/>
+    <p:sldLayoutId id="2147483656" r:id="rId9"/>
+    <p:sldLayoutId id="2147483657" r:id="rId10"/>
+    <p:sldLayoutId id="2147483658" r:id="rId11"/>
+    <p:sldLayoutId id="2147483659" r:id="rId12"/>
   </p:sldLayoutIdLst>
-  <p:transition spd="med"/>
+  <p:transition xmlns:p14="http://schemas.microsoft.com/office/powerpoint/2010/main" spd="med" advClick="1"/>
   <p:txStyles>
     <p:titleStyle>
       <a:lvl1pPr marL="0" marR="0" indent="0" algn="l" defTabSz="914400" rtl="0" latinLnBrk="0">
@@ -2919,12 +3653,12 @@
         <a:buFontTx/>
         <a:buNone/>
         <a:tabLst/>
-        <a:defRPr sz="4800" b="0" i="0" u="none" strike="noStrike" cap="none" spc="-50" baseline="0">
+        <a:defRPr b="0" baseline="0" cap="none" i="0" spc="-50" strike="noStrike" sz="8000" u="none">
           <a:ln>
             <a:noFill/>
           </a:ln>
           <a:solidFill>
-            <a:srgbClr val="404040"/>
+            <a:srgbClr val="262626"/>
           </a:solidFill>
           <a:uFillTx/>
           <a:latin typeface="Calibri Light"/>
@@ -2948,12 +3682,12 @@
         <a:buFontTx/>
         <a:buNone/>
         <a:tabLst/>
-        <a:defRPr sz="4800" b="0" i="0" u="none" strike="noStrike" cap="none" spc="-50" baseline="0">
+        <a:defRPr b="0" baseline="0" cap="none" i="0" spc="-50" strike="noStrike" sz="8000" u="none">
           <a:ln>
             <a:noFill/>
           </a:ln>
           <a:solidFill>
-            <a:srgbClr val="404040"/>
+            <a:srgbClr val="262626"/>
           </a:solidFill>
           <a:uFillTx/>
           <a:latin typeface="Calibri Light"/>
@@ -2977,12 +3711,12 @@
         <a:buFontTx/>
         <a:buNone/>
         <a:tabLst/>
-        <a:defRPr sz="4800" b="0" i="0" u="none" strike="noStrike" cap="none" spc="-50" baseline="0">
+        <a:defRPr b="0" baseline="0" cap="none" i="0" spc="-50" strike="noStrike" sz="8000" u="none">
           <a:ln>
             <a:noFill/>
           </a:ln>
           <a:solidFill>
-            <a:srgbClr val="404040"/>
+            <a:srgbClr val="262626"/>
           </a:solidFill>
           <a:uFillTx/>
           <a:latin typeface="Calibri Light"/>
@@ -3006,12 +3740,12 @@
         <a:buFontTx/>
         <a:buNone/>
         <a:tabLst/>
-        <a:defRPr sz="4800" b="0" i="0" u="none" strike="noStrike" cap="none" spc="-50" baseline="0">
+        <a:defRPr b="0" baseline="0" cap="none" i="0" spc="-50" strike="noStrike" sz="8000" u="none">
           <a:ln>
             <a:noFill/>
           </a:ln>
           <a:solidFill>
-            <a:srgbClr val="404040"/>
+            <a:srgbClr val="262626"/>
           </a:solidFill>
           <a:uFillTx/>
           <a:latin typeface="Calibri Light"/>
@@ -3035,12 +3769,12 @@
         <a:buFontTx/>
         <a:buNone/>
         <a:tabLst/>
-        <a:defRPr sz="4800" b="0" i="0" u="none" strike="noStrike" cap="none" spc="-50" baseline="0">
+        <a:defRPr b="0" baseline="0" cap="none" i="0" spc="-50" strike="noStrike" sz="8000" u="none">
           <a:ln>
             <a:noFill/>
           </a:ln>
           <a:solidFill>
-            <a:srgbClr val="404040"/>
+            <a:srgbClr val="262626"/>
           </a:solidFill>
           <a:uFillTx/>
           <a:latin typeface="Calibri Light"/>
@@ -3064,12 +3798,12 @@
         <a:buFontTx/>
         <a:buNone/>
         <a:tabLst/>
-        <a:defRPr sz="4800" b="0" i="0" u="none" strike="noStrike" cap="none" spc="-50" baseline="0">
+        <a:defRPr b="0" baseline="0" cap="none" i="0" spc="-50" strike="noStrike" sz="8000" u="none">
           <a:ln>
             <a:noFill/>
           </a:ln>
           <a:solidFill>
-            <a:srgbClr val="404040"/>
+            <a:srgbClr val="262626"/>
           </a:solidFill>
           <a:uFillTx/>
           <a:latin typeface="Calibri Light"/>
@@ -3093,12 +3827,12 @@
         <a:buFontTx/>
         <a:buNone/>
         <a:tabLst/>
-        <a:defRPr sz="4800" b="0" i="0" u="none" strike="noStrike" cap="none" spc="-50" baseline="0">
+        <a:defRPr b="0" baseline="0" cap="none" i="0" spc="-50" strike="noStrike" sz="8000" u="none">
           <a:ln>
             <a:noFill/>
           </a:ln>
           <a:solidFill>
-            <a:srgbClr val="404040"/>
+            <a:srgbClr val="262626"/>
           </a:solidFill>
           <a:uFillTx/>
           <a:latin typeface="Calibri Light"/>
@@ -3122,12 +3856,12 @@
         <a:buFontTx/>
         <a:buNone/>
         <a:tabLst/>
-        <a:defRPr sz="4800" b="0" i="0" u="none" strike="noStrike" cap="none" spc="-50" baseline="0">
+        <a:defRPr b="0" baseline="0" cap="none" i="0" spc="-50" strike="noStrike" sz="8000" u="none">
           <a:ln>
             <a:noFill/>
           </a:ln>
           <a:solidFill>
-            <a:srgbClr val="404040"/>
+            <a:srgbClr val="262626"/>
           </a:solidFill>
           <a:uFillTx/>
           <a:latin typeface="Calibri Light"/>
@@ -3151,12 +3885,12 @@
         <a:buFontTx/>
         <a:buNone/>
         <a:tabLst/>
-        <a:defRPr sz="4800" b="0" i="0" u="none" strike="noStrike" cap="none" spc="-50" baseline="0">
+        <a:defRPr b="0" baseline="0" cap="none" i="0" spc="-50" strike="noStrike" sz="8000" u="none">
           <a:ln>
             <a:noFill/>
           </a:ln>
           <a:solidFill>
-            <a:srgbClr val="404040"/>
+            <a:srgbClr val="262626"/>
           </a:solidFill>
           <a:uFillTx/>
           <a:latin typeface="Calibri Light"/>
@@ -3167,7 +3901,7 @@
       </a:lvl9pPr>
     </p:titleStyle>
     <p:bodyStyle>
-      <a:lvl1pPr marL="91439" marR="0" indent="-91439" algn="l" defTabSz="914400" rtl="0" latinLnBrk="0">
+      <a:lvl1pPr marL="0" marR="0" indent="0" algn="l" defTabSz="914400" rtl="0" latinLnBrk="0">
         <a:lnSpc>
           <a:spcPct val="90000"/>
         </a:lnSpc>
@@ -3177,28 +3911,26 @@
         <a:spcAft>
           <a:spcPts val="0"/>
         </a:spcAft>
-        <a:buClr>
-          <a:schemeClr val="accent1"/>
-        </a:buClr>
-        <a:buSzPct val="100000"/>
-        <a:buFont typeface="Trebuchet MS"/>
-        <a:buChar char=" "/>
+        <a:buClrTx/>
+        <a:buSzTx/>
+        <a:buFontTx/>
+        <a:buNone/>
         <a:tabLst/>
-        <a:defRPr sz="2000" b="0" i="0" u="none" strike="noStrike" cap="none" spc="0" baseline="0">
+        <a:defRPr b="0" baseline="0" cap="all" i="0" spc="200" strike="noStrike" sz="2400" u="none">
           <a:ln>
             <a:noFill/>
           </a:ln>
           <a:solidFill>
-            <a:srgbClr val="404040"/>
+            <a:srgbClr val="344068"/>
           </a:solidFill>
           <a:uFillTx/>
-          <a:latin typeface="+mj-lt"/>
-          <a:ea typeface="+mj-ea"/>
-          <a:cs typeface="+mj-cs"/>
-          <a:sym typeface="Calibri"/>
+          <a:latin typeface="Calibri Light"/>
+          <a:ea typeface="Calibri Light"/>
+          <a:cs typeface="Calibri Light"/>
+          <a:sym typeface="Calibri Light"/>
         </a:defRPr>
       </a:lvl1pPr>
-      <a:lvl2pPr marL="404368" marR="0" indent="-203200" algn="l" defTabSz="914400" rtl="0" latinLnBrk="0">
+      <a:lvl2pPr marL="0" marR="0" indent="0" algn="l" defTabSz="914400" rtl="0" latinLnBrk="0">
         <a:lnSpc>
           <a:spcPct val="90000"/>
         </a:lnSpc>
@@ -3208,28 +3940,26 @@
         <a:spcAft>
           <a:spcPts val="0"/>
         </a:spcAft>
-        <a:buClr>
-          <a:schemeClr val="accent1"/>
-        </a:buClr>
-        <a:buSzPct val="100000"/>
-        <a:buFont typeface="Trebuchet MS"/>
-        <a:buChar char="◦"/>
+        <a:buClrTx/>
+        <a:buSzTx/>
+        <a:buFontTx/>
+        <a:buNone/>
         <a:tabLst/>
-        <a:defRPr sz="2000" b="0" i="0" u="none" strike="noStrike" cap="none" spc="0" baseline="0">
+        <a:defRPr b="0" baseline="0" cap="all" i="0" spc="200" strike="noStrike" sz="2400" u="none">
           <a:ln>
             <a:noFill/>
           </a:ln>
           <a:solidFill>
-            <a:srgbClr val="404040"/>
+            <a:srgbClr val="344068"/>
           </a:solidFill>
           <a:uFillTx/>
-          <a:latin typeface="+mj-lt"/>
-          <a:ea typeface="+mj-ea"/>
-          <a:cs typeface="+mj-cs"/>
-          <a:sym typeface="Calibri"/>
+          <a:latin typeface="Calibri Light"/>
+          <a:ea typeface="Calibri Light"/>
+          <a:cs typeface="Calibri Light"/>
+          <a:sym typeface="Calibri Light"/>
         </a:defRPr>
       </a:lvl2pPr>
-      <a:lvl3pPr marL="645305" marR="0" indent="-261257" algn="l" defTabSz="914400" rtl="0" latinLnBrk="0">
+      <a:lvl3pPr marL="0" marR="0" indent="0" algn="l" defTabSz="914400" rtl="0" latinLnBrk="0">
         <a:lnSpc>
           <a:spcPct val="90000"/>
         </a:lnSpc>
@@ -3239,28 +3969,26 @@
         <a:spcAft>
           <a:spcPts val="0"/>
         </a:spcAft>
-        <a:buClr>
-          <a:schemeClr val="accent1"/>
-        </a:buClr>
-        <a:buSzPct val="100000"/>
-        <a:buFont typeface="Trebuchet MS"/>
-        <a:buChar char="◦"/>
+        <a:buClrTx/>
+        <a:buSzTx/>
+        <a:buFontTx/>
+        <a:buNone/>
         <a:tabLst/>
-        <a:defRPr sz="2000" b="0" i="0" u="none" strike="noStrike" cap="none" spc="0" baseline="0">
+        <a:defRPr b="0" baseline="0" cap="all" i="0" spc="200" strike="noStrike" sz="2400" u="none">
           <a:ln>
             <a:noFill/>
           </a:ln>
           <a:solidFill>
-            <a:srgbClr val="404040"/>
+            <a:srgbClr val="344068"/>
           </a:solidFill>
           <a:uFillTx/>
-          <a:latin typeface="+mj-lt"/>
-          <a:ea typeface="+mj-ea"/>
-          <a:cs typeface="+mj-cs"/>
-          <a:sym typeface="Calibri"/>
+          <a:latin typeface="Calibri Light"/>
+          <a:ea typeface="Calibri Light"/>
+          <a:cs typeface="Calibri Light"/>
+          <a:sym typeface="Calibri Light"/>
         </a:defRPr>
       </a:lvl3pPr>
-      <a:lvl4pPr marL="828185" marR="0" indent="-261257" algn="l" defTabSz="914400" rtl="0" latinLnBrk="0">
+      <a:lvl4pPr marL="0" marR="0" indent="0" algn="l" defTabSz="914400" rtl="0" latinLnBrk="0">
         <a:lnSpc>
           <a:spcPct val="90000"/>
         </a:lnSpc>
@@ -3270,28 +3998,26 @@
         <a:spcAft>
           <a:spcPts val="0"/>
         </a:spcAft>
-        <a:buClr>
-          <a:schemeClr val="accent1"/>
-        </a:buClr>
-        <a:buSzPct val="100000"/>
-        <a:buFont typeface="Trebuchet MS"/>
-        <a:buChar char="◦"/>
+        <a:buClrTx/>
+        <a:buSzTx/>
+        <a:buFontTx/>
+        <a:buNone/>
         <a:tabLst/>
-        <a:defRPr sz="2000" b="0" i="0" u="none" strike="noStrike" cap="none" spc="0" baseline="0">
+        <a:defRPr b="0" baseline="0" cap="all" i="0" spc="200" strike="noStrike" sz="2400" u="none">
           <a:ln>
             <a:noFill/>
           </a:ln>
           <a:solidFill>
-            <a:srgbClr val="404040"/>
+            <a:srgbClr val="344068"/>
           </a:solidFill>
           <a:uFillTx/>
-          <a:latin typeface="+mj-lt"/>
-          <a:ea typeface="+mj-ea"/>
-          <a:cs typeface="+mj-cs"/>
-          <a:sym typeface="Calibri"/>
+          <a:latin typeface="Calibri Light"/>
+          <a:ea typeface="Calibri Light"/>
+          <a:cs typeface="Calibri Light"/>
+          <a:sym typeface="Calibri Light"/>
         </a:defRPr>
       </a:lvl4pPr>
-      <a:lvl5pPr marL="1011065" marR="0" indent="-261257" algn="l" defTabSz="914400" rtl="0" latinLnBrk="0">
+      <a:lvl5pPr marL="0" marR="0" indent="0" algn="l" defTabSz="914400" rtl="0" latinLnBrk="0">
         <a:lnSpc>
           <a:spcPct val="90000"/>
         </a:lnSpc>
@@ -3301,28 +4027,26 @@
         <a:spcAft>
           <a:spcPts val="0"/>
         </a:spcAft>
-        <a:buClr>
-          <a:schemeClr val="accent1"/>
-        </a:buClr>
-        <a:buSzPct val="100000"/>
-        <a:buFont typeface="Trebuchet MS"/>
-        <a:buChar char="◦"/>
+        <a:buClrTx/>
+        <a:buSzTx/>
+        <a:buFontTx/>
+        <a:buNone/>
         <a:tabLst/>
-        <a:defRPr sz="2000" b="0" i="0" u="none" strike="noStrike" cap="none" spc="0" baseline="0">
+        <a:defRPr b="0" baseline="0" cap="all" i="0" spc="200" strike="noStrike" sz="2400" u="none">
           <a:ln>
             <a:noFill/>
           </a:ln>
           <a:solidFill>
-            <a:srgbClr val="404040"/>
+            <a:srgbClr val="344068"/>
           </a:solidFill>
           <a:uFillTx/>
-          <a:latin typeface="+mj-lt"/>
-          <a:ea typeface="+mj-ea"/>
-          <a:cs typeface="+mj-cs"/>
-          <a:sym typeface="Calibri"/>
+          <a:latin typeface="Calibri Light"/>
+          <a:ea typeface="Calibri Light"/>
+          <a:cs typeface="Calibri Light"/>
+          <a:sym typeface="Calibri Light"/>
         </a:defRPr>
       </a:lvl5pPr>
-      <a:lvl6pPr marL="1197971" marR="0" indent="-326571" algn="l" defTabSz="914400" rtl="0" latinLnBrk="0">
+      <a:lvl6pPr marL="1263285" marR="0" indent="-391885" algn="l" defTabSz="914400" rtl="0" latinLnBrk="0">
         <a:lnSpc>
           <a:spcPct val="90000"/>
         </a:lnSpc>
@@ -3332,28 +4056,26 @@
         <a:spcAft>
           <a:spcPts val="0"/>
         </a:spcAft>
-        <a:buClr>
-          <a:schemeClr val="accent1"/>
-        </a:buClr>
+        <a:buClrTx/>
         <a:buSzPct val="100000"/>
-        <a:buFont typeface="Trebuchet MS"/>
+        <a:buFontTx/>
         <a:buChar char="◦"/>
         <a:tabLst/>
-        <a:defRPr sz="2000" b="0" i="0" u="none" strike="noStrike" cap="none" spc="0" baseline="0">
+        <a:defRPr b="0" baseline="0" cap="all" i="0" spc="200" strike="noStrike" sz="2400" u="none">
           <a:ln>
             <a:noFill/>
           </a:ln>
           <a:solidFill>
-            <a:srgbClr val="404040"/>
+            <a:srgbClr val="344068"/>
           </a:solidFill>
           <a:uFillTx/>
-          <a:latin typeface="+mj-lt"/>
-          <a:ea typeface="+mj-ea"/>
-          <a:cs typeface="+mj-cs"/>
-          <a:sym typeface="Calibri"/>
+          <a:latin typeface="Calibri Light"/>
+          <a:ea typeface="Calibri Light"/>
+          <a:cs typeface="Calibri Light"/>
+          <a:sym typeface="Calibri Light"/>
         </a:defRPr>
       </a:lvl6pPr>
-      <a:lvl7pPr marL="1397971" marR="0" indent="-326571" algn="l" defTabSz="914400" rtl="0" latinLnBrk="0">
+      <a:lvl7pPr marL="1463285" marR="0" indent="-391885" algn="l" defTabSz="914400" rtl="0" latinLnBrk="0">
         <a:lnSpc>
           <a:spcPct val="90000"/>
         </a:lnSpc>
@@ -3363,28 +4085,26 @@
         <a:spcAft>
           <a:spcPts val="0"/>
         </a:spcAft>
-        <a:buClr>
-          <a:schemeClr val="accent1"/>
-        </a:buClr>
+        <a:buClrTx/>
         <a:buSzPct val="100000"/>
-        <a:buFont typeface="Trebuchet MS"/>
+        <a:buFontTx/>
         <a:buChar char="◦"/>
         <a:tabLst/>
-        <a:defRPr sz="2000" b="0" i="0" u="none" strike="noStrike" cap="none" spc="0" baseline="0">
+        <a:defRPr b="0" baseline="0" cap="all" i="0" spc="200" strike="noStrike" sz="2400" u="none">
           <a:ln>
             <a:noFill/>
           </a:ln>
           <a:solidFill>
-            <a:srgbClr val="404040"/>
+            <a:srgbClr val="344068"/>
           </a:solidFill>
           <a:uFillTx/>
-          <a:latin typeface="+mj-lt"/>
-          <a:ea typeface="+mj-ea"/>
-          <a:cs typeface="+mj-cs"/>
-          <a:sym typeface="Calibri"/>
+          <a:latin typeface="Calibri Light"/>
+          <a:ea typeface="Calibri Light"/>
+          <a:cs typeface="Calibri Light"/>
+          <a:sym typeface="Calibri Light"/>
         </a:defRPr>
       </a:lvl7pPr>
-      <a:lvl8pPr marL="1597971" marR="0" indent="-326571" algn="l" defTabSz="914400" rtl="0" latinLnBrk="0">
+      <a:lvl8pPr marL="1663285" marR="0" indent="-391885" algn="l" defTabSz="914400" rtl="0" latinLnBrk="0">
         <a:lnSpc>
           <a:spcPct val="90000"/>
         </a:lnSpc>
@@ -3394,28 +4114,26 @@
         <a:spcAft>
           <a:spcPts val="0"/>
         </a:spcAft>
-        <a:buClr>
-          <a:schemeClr val="accent1"/>
-        </a:buClr>
+        <a:buClrTx/>
         <a:buSzPct val="100000"/>
-        <a:buFont typeface="Trebuchet MS"/>
+        <a:buFontTx/>
         <a:buChar char="◦"/>
         <a:tabLst/>
-        <a:defRPr sz="2000" b="0" i="0" u="none" strike="noStrike" cap="none" spc="0" baseline="0">
+        <a:defRPr b="0" baseline="0" cap="all" i="0" spc="200" strike="noStrike" sz="2400" u="none">
           <a:ln>
             <a:noFill/>
           </a:ln>
           <a:solidFill>
-            <a:srgbClr val="404040"/>
+            <a:srgbClr val="344068"/>
           </a:solidFill>
           <a:uFillTx/>
-          <a:latin typeface="+mj-lt"/>
-          <a:ea typeface="+mj-ea"/>
-          <a:cs typeface="+mj-cs"/>
-          <a:sym typeface="Calibri"/>
+          <a:latin typeface="Calibri Light"/>
+          <a:ea typeface="Calibri Light"/>
+          <a:cs typeface="Calibri Light"/>
+          <a:sym typeface="Calibri Light"/>
         </a:defRPr>
       </a:lvl8pPr>
-      <a:lvl9pPr marL="1797971" marR="0" indent="-326571" algn="l" defTabSz="914400" rtl="0" latinLnBrk="0">
+      <a:lvl9pPr marL="1863285" marR="0" indent="-391885" algn="l" defTabSz="914400" rtl="0" latinLnBrk="0">
         <a:lnSpc>
           <a:spcPct val="90000"/>
         </a:lnSpc>
@@ -3425,25 +4143,23 @@
         <a:spcAft>
           <a:spcPts val="0"/>
         </a:spcAft>
-        <a:buClr>
-          <a:schemeClr val="accent1"/>
-        </a:buClr>
+        <a:buClrTx/>
         <a:buSzPct val="100000"/>
-        <a:buFont typeface="Trebuchet MS"/>
+        <a:buFontTx/>
         <a:buChar char="◦"/>
         <a:tabLst/>
-        <a:defRPr sz="2000" b="0" i="0" u="none" strike="noStrike" cap="none" spc="0" baseline="0">
+        <a:defRPr b="0" baseline="0" cap="all" i="0" spc="200" strike="noStrike" sz="2400" u="none">
           <a:ln>
             <a:noFill/>
           </a:ln>
           <a:solidFill>
-            <a:srgbClr val="404040"/>
+            <a:srgbClr val="344068"/>
           </a:solidFill>
           <a:uFillTx/>
-          <a:latin typeface="+mj-lt"/>
-          <a:ea typeface="+mj-ea"/>
-          <a:cs typeface="+mj-cs"/>
-          <a:sym typeface="Calibri"/>
+          <a:latin typeface="Calibri Light"/>
+          <a:ea typeface="Calibri Light"/>
+          <a:cs typeface="Calibri Light"/>
+          <a:sym typeface="Calibri Light"/>
         </a:defRPr>
       </a:lvl9pPr>
     </p:bodyStyle>
@@ -3463,7 +4179,7 @@
         <a:buFontTx/>
         <a:buNone/>
         <a:tabLst/>
-        <a:defRPr sz="1000" b="0" i="0" u="none" strike="noStrike" cap="none" spc="0" baseline="0">
+        <a:defRPr b="0" baseline="0" cap="none" i="0" spc="0" strike="noStrike" sz="1000" u="none">
           <a:ln>
             <a:noFill/>
           </a:ln>
@@ -3477,7 +4193,7 @@
           <a:sym typeface="Calibri"/>
         </a:defRPr>
       </a:lvl1pPr>
-      <a:lvl2pPr marL="0" marR="0" indent="457200" algn="r" defTabSz="457200" rtl="0" latinLnBrk="0">
+      <a:lvl2pPr marL="0" marR="0" indent="0" algn="r" defTabSz="457200" rtl="0" latinLnBrk="0">
         <a:lnSpc>
           <a:spcPct val="100000"/>
         </a:lnSpc>
@@ -3492,7 +4208,7 @@
         <a:buFontTx/>
         <a:buNone/>
         <a:tabLst/>
-        <a:defRPr sz="1000" b="0" i="0" u="none" strike="noStrike" cap="none" spc="0" baseline="0">
+        <a:defRPr b="0" baseline="0" cap="none" i="0" spc="0" strike="noStrike" sz="1000" u="none">
           <a:ln>
             <a:noFill/>
           </a:ln>
@@ -3506,7 +4222,7 @@
           <a:sym typeface="Calibri"/>
         </a:defRPr>
       </a:lvl2pPr>
-      <a:lvl3pPr marL="0" marR="0" indent="914400" algn="r" defTabSz="457200" rtl="0" latinLnBrk="0">
+      <a:lvl3pPr marL="0" marR="0" indent="0" algn="r" defTabSz="457200" rtl="0" latinLnBrk="0">
         <a:lnSpc>
           <a:spcPct val="100000"/>
         </a:lnSpc>
@@ -3521,7 +4237,7 @@
         <a:buFontTx/>
         <a:buNone/>
         <a:tabLst/>
-        <a:defRPr sz="1000" b="0" i="0" u="none" strike="noStrike" cap="none" spc="0" baseline="0">
+        <a:defRPr b="0" baseline="0" cap="none" i="0" spc="0" strike="noStrike" sz="1000" u="none">
           <a:ln>
             <a:noFill/>
           </a:ln>
@@ -3535,7 +4251,7 @@
           <a:sym typeface="Calibri"/>
         </a:defRPr>
       </a:lvl3pPr>
-      <a:lvl4pPr marL="0" marR="0" indent="1371600" algn="r" defTabSz="457200" rtl="0" latinLnBrk="0">
+      <a:lvl4pPr marL="0" marR="0" indent="0" algn="r" defTabSz="457200" rtl="0" latinLnBrk="0">
         <a:lnSpc>
           <a:spcPct val="100000"/>
         </a:lnSpc>
@@ -3550,7 +4266,7 @@
         <a:buFontTx/>
         <a:buNone/>
         <a:tabLst/>
-        <a:defRPr sz="1000" b="0" i="0" u="none" strike="noStrike" cap="none" spc="0" baseline="0">
+        <a:defRPr b="0" baseline="0" cap="none" i="0" spc="0" strike="noStrike" sz="1000" u="none">
           <a:ln>
             <a:noFill/>
           </a:ln>
@@ -3564,7 +4280,7 @@
           <a:sym typeface="Calibri"/>
         </a:defRPr>
       </a:lvl4pPr>
-      <a:lvl5pPr marL="0" marR="0" indent="1828800" algn="r" defTabSz="457200" rtl="0" latinLnBrk="0">
+      <a:lvl5pPr marL="0" marR="0" indent="0" algn="r" defTabSz="457200" rtl="0" latinLnBrk="0">
         <a:lnSpc>
           <a:spcPct val="100000"/>
         </a:lnSpc>
@@ -3579,7 +4295,7 @@
         <a:buFontTx/>
         <a:buNone/>
         <a:tabLst/>
-        <a:defRPr sz="1000" b="0" i="0" u="none" strike="noStrike" cap="none" spc="0" baseline="0">
+        <a:defRPr b="0" baseline="0" cap="none" i="0" spc="0" strike="noStrike" sz="1000" u="none">
           <a:ln>
             <a:noFill/>
           </a:ln>
@@ -3593,7 +4309,7 @@
           <a:sym typeface="Calibri"/>
         </a:defRPr>
       </a:lvl5pPr>
-      <a:lvl6pPr marL="0" marR="0" indent="2286000" algn="r" defTabSz="457200" rtl="0" latinLnBrk="0">
+      <a:lvl6pPr marL="0" marR="0" indent="0" algn="r" defTabSz="457200" rtl="0" latinLnBrk="0">
         <a:lnSpc>
           <a:spcPct val="100000"/>
         </a:lnSpc>
@@ -3608,7 +4324,7 @@
         <a:buFontTx/>
         <a:buNone/>
         <a:tabLst/>
-        <a:defRPr sz="1000" b="0" i="0" u="none" strike="noStrike" cap="none" spc="0" baseline="0">
+        <a:defRPr b="0" baseline="0" cap="none" i="0" spc="0" strike="noStrike" sz="1000" u="none">
           <a:ln>
             <a:noFill/>
           </a:ln>
@@ -3622,7 +4338,7 @@
           <a:sym typeface="Calibri"/>
         </a:defRPr>
       </a:lvl6pPr>
-      <a:lvl7pPr marL="0" marR="0" indent="2743200" algn="r" defTabSz="457200" rtl="0" latinLnBrk="0">
+      <a:lvl7pPr marL="0" marR="0" indent="0" algn="r" defTabSz="457200" rtl="0" latinLnBrk="0">
         <a:lnSpc>
           <a:spcPct val="100000"/>
         </a:lnSpc>
@@ -3637,7 +4353,7 @@
         <a:buFontTx/>
         <a:buNone/>
         <a:tabLst/>
-        <a:defRPr sz="1000" b="0" i="0" u="none" strike="noStrike" cap="none" spc="0" baseline="0">
+        <a:defRPr b="0" baseline="0" cap="none" i="0" spc="0" strike="noStrike" sz="1000" u="none">
           <a:ln>
             <a:noFill/>
           </a:ln>
@@ -3651,7 +4367,7 @@
           <a:sym typeface="Calibri"/>
         </a:defRPr>
       </a:lvl7pPr>
-      <a:lvl8pPr marL="0" marR="0" indent="3200400" algn="r" defTabSz="457200" rtl="0" latinLnBrk="0">
+      <a:lvl8pPr marL="0" marR="0" indent="0" algn="r" defTabSz="457200" rtl="0" latinLnBrk="0">
         <a:lnSpc>
           <a:spcPct val="100000"/>
         </a:lnSpc>
@@ -3666,7 +4382,7 @@
         <a:buFontTx/>
         <a:buNone/>
         <a:tabLst/>
-        <a:defRPr sz="1000" b="0" i="0" u="none" strike="noStrike" cap="none" spc="0" baseline="0">
+        <a:defRPr b="0" baseline="0" cap="none" i="0" spc="0" strike="noStrike" sz="1000" u="none">
           <a:ln>
             <a:noFill/>
           </a:ln>
@@ -3680,7 +4396,7 @@
           <a:sym typeface="Calibri"/>
         </a:defRPr>
       </a:lvl8pPr>
-      <a:lvl9pPr marL="0" marR="0" indent="3657600" algn="r" defTabSz="457200" rtl="0" latinLnBrk="0">
+      <a:lvl9pPr marL="0" marR="0" indent="0" algn="r" defTabSz="457200" rtl="0" latinLnBrk="0">
         <a:lnSpc>
           <a:spcPct val="100000"/>
         </a:lnSpc>
@@ -3695,7 +4411,7 @@
         <a:buFontTx/>
         <a:buNone/>
         <a:tabLst/>
-        <a:defRPr sz="1000" b="0" i="0" u="none" strike="noStrike" cap="none" spc="0" baseline="0">
+        <a:defRPr b="0" baseline="0" cap="none" i="0" spc="0" strike="noStrike" sz="1000" u="none">
           <a:ln>
             <a:noFill/>
           </a:ln>
@@ -3715,7 +4431,7 @@
 </file>
 
 <file path=ppt/slides/slide1.xml><?xml version="1.0" encoding="utf-8"?>
-<p:sld xmlns:a="http://schemas.openxmlformats.org/drawingml/2006/main" xmlns:r="http://schemas.openxmlformats.org/officeDocument/2006/relationships" xmlns:p="http://schemas.openxmlformats.org/presentationml/2006/main">
+<p:sld xmlns:a="http://schemas.openxmlformats.org/drawingml/2006/main" xmlns:r="http://schemas.openxmlformats.org/officeDocument/2006/relationships" xmlns:p="http://schemas.openxmlformats.org/presentationml/2006/main" xmlns:m="http://schemas.openxmlformats.org/officeDocument/2006/math" xmlns:a14="http://schemas.microsoft.com/office/drawing/2010/main" showMasterSp="1" showMasterPhAnim="1">
   <p:cSld>
     <p:spTree>
       <p:nvGrpSpPr>
@@ -3733,10 +4449,8 @@
       </p:grpSpPr>
       <p:sp>
         <p:nvSpPr>
-          <p:cNvPr id="129" name="Title 1"/>
-          <p:cNvSpPr txBox="1">
-            <a:spLocks noGrp="1"/>
-          </p:cNvSpPr>
+          <p:cNvPr id="141" name="Title 1"/>
+          <p:cNvSpPr txBox="1"/>
           <p:nvPr>
             <p:ph type="ctrTitle"/>
           </p:nvPr>
@@ -3744,7 +4458,7 @@
         <p:spPr>
           <a:xfrm>
             <a:off x="1097280" y="758951"/>
-            <a:ext cx="10058401" cy="3566161"/>
+            <a:ext cx="10058401" cy="3566162"/>
           </a:xfrm>
           <a:prstGeom prst="rect">
             <a:avLst/>
@@ -3754,10 +4468,11 @@
           <a:bodyPr/>
           <a:lstStyle>
             <a:lvl1pPr>
-              <a:defRPr sz="6600" spc="-100"/>
+              <a:defRPr spc="-100" sz="6600"/>
             </a:lvl1pPr>
           </a:lstStyle>
           <a:p>
+            <a:pPr/>
             <a:r>
               <a:t>Assisted Living Recommender</a:t>
             </a:r>
@@ -3766,15 +4481,17 @@
       </p:sp>
       <p:sp>
         <p:nvSpPr>
-          <p:cNvPr id="130" name="Subtitle 2"/>
-          <p:cNvSpPr txBox="1">
-            <a:spLocks noGrp="1"/>
-          </p:cNvSpPr>
+          <p:cNvPr id="142" name="Subtitle 2"/>
+          <p:cNvSpPr txBox="1"/>
           <p:nvPr>
             <p:ph type="subTitle" sz="quarter" idx="1"/>
           </p:nvPr>
         </p:nvSpPr>
         <p:spPr>
+          <a:xfrm>
+            <a:off x="1100050" y="4455621"/>
+            <a:ext cx="10058401" cy="1143002"/>
+          </a:xfrm>
           <a:prstGeom prst="rect">
             <a:avLst/>
           </a:prstGeom>
@@ -3783,8 +4500,9 @@
           <a:bodyPr/>
           <a:lstStyle/>
           <a:p>
-            <a:r>
-              <a:t>Team: Alli, deb, &amp; sam</a:t>
+            <a:pPr/>
+            <a:r>
+              <a:t>Alli Vaughn | deb Steinman | sam Bender</a:t>
             </a:r>
           </a:p>
         </p:txBody>
@@ -3794,12 +4512,12 @@
   <p:clrMapOvr>
     <a:masterClrMapping/>
   </p:clrMapOvr>
-  <p:transition spd="med"/>
+  <p:transition xmlns:p14="http://schemas.microsoft.com/office/powerpoint/2010/main" spd="med" advClick="1"/>
 </p:sld>
 </file>
 
 <file path=ppt/slides/slide10.xml><?xml version="1.0" encoding="utf-8"?>
-<p:sld xmlns:a="http://schemas.openxmlformats.org/drawingml/2006/main" xmlns:r="http://schemas.openxmlformats.org/officeDocument/2006/relationships" xmlns:p="http://schemas.openxmlformats.org/presentationml/2006/main">
+<p:sld xmlns:a="http://schemas.openxmlformats.org/drawingml/2006/main" xmlns:r="http://schemas.openxmlformats.org/officeDocument/2006/relationships" xmlns:p="http://schemas.openxmlformats.org/presentationml/2006/main" xmlns:m="http://schemas.openxmlformats.org/officeDocument/2006/math" xmlns:a14="http://schemas.microsoft.com/office/drawing/2010/main" showMasterSp="1" showMasterPhAnim="1">
   <p:cSld>
     <p:spTree>
       <p:nvGrpSpPr>
@@ -3817,10 +4535,8 @@
       </p:grpSpPr>
       <p:sp>
         <p:nvSpPr>
-          <p:cNvPr id="202" name="Title 1"/>
-          <p:cNvSpPr txBox="1">
-            <a:spLocks noGrp="1"/>
-          </p:cNvSpPr>
+          <p:cNvPr id="214" name="Title 1"/>
+          <p:cNvSpPr txBox="1"/>
           <p:nvPr>
             <p:ph type="title"/>
           </p:nvPr>
@@ -3842,6 +4558,7 @@
             </a:lvl1pPr>
           </a:lstStyle>
           <a:p>
+            <a:pPr/>
             <a:r>
               <a:t>Southern Zone* </a:t>
             </a:r>
@@ -3850,18 +4567,16 @@
       </p:sp>
       <p:sp>
         <p:nvSpPr>
-          <p:cNvPr id="203" name="Text Placeholder 2"/>
-          <p:cNvSpPr txBox="1">
-            <a:spLocks noGrp="1"/>
-          </p:cNvSpPr>
+          <p:cNvPr id="215" name="Text Placeholder 2"/>
+          <p:cNvSpPr txBox="1"/>
           <p:nvPr>
             <p:ph type="body" sz="quarter" idx="1"/>
           </p:nvPr>
         </p:nvSpPr>
         <p:spPr>
           <a:xfrm>
-            <a:off x="1097279" y="1846052"/>
-            <a:ext cx="4937762" cy="736283"/>
+            <a:off x="1097278" y="1846052"/>
+            <a:ext cx="4937764" cy="736284"/>
           </a:xfrm>
           <a:prstGeom prst="rect">
             <a:avLst/>
@@ -3871,28 +4586,30 @@
           <a:bodyPr/>
           <a:lstStyle/>
           <a:p>
-            <a:endParaRPr/>
+            <a:pPr/>
           </a:p>
         </p:txBody>
       </p:sp>
       <p:pic>
         <p:nvPicPr>
-          <p:cNvPr id="204" name="Content Placeholder 6" descr="Content Placeholder 6"/>
+          <p:cNvPr id="216" name="Content Placeholder 6" descr="Content Placeholder 6"/>
           <p:cNvPicPr>
             <a:picLocks noChangeAspect="1"/>
           </p:cNvPicPr>
           <p:nvPr/>
         </p:nvPicPr>
         <p:blipFill>
-          <a:blip r:embed="rId2"/>
+          <a:blip r:embed="rId2">
+            <a:extLst/>
+          </a:blip>
           <a:stretch>
             <a:fillRect/>
           </a:stretch>
         </p:blipFill>
         <p:spPr>
           <a:xfrm>
-            <a:off x="367047" y="2977455"/>
-            <a:ext cx="5914010" cy="2453261"/>
+            <a:off x="367046" y="2977455"/>
+            <a:ext cx="5914011" cy="2453261"/>
           </a:xfrm>
           <a:prstGeom prst="rect">
             <a:avLst/>
@@ -3904,10 +4621,8 @@
       </p:pic>
       <p:sp>
         <p:nvSpPr>
-          <p:cNvPr id="205" name="Text Placeholder 3"/>
-          <p:cNvSpPr>
-            <a:spLocks noGrp="1"/>
-          </p:cNvSpPr>
+          <p:cNvPr id="217" name="Text Placeholder 3"/>
+          <p:cNvSpPr/>
           <p:nvPr>
             <p:ph type="body" idx="13"/>
           </p:nvPr>
@@ -3921,31 +4636,33 @@
           <a:bodyPr/>
           <a:lstStyle/>
           <a:p>
-            <a:pPr marL="0" indent="0">
-              <a:buClrTx/>
-              <a:buSzTx/>
-              <a:buFontTx/>
-              <a:buNone/>
-              <a:defRPr cap="all">
-                <a:solidFill>
-                  <a:srgbClr val="344068"/>
-                </a:solidFill>
+            <a:pPr>
+              <a:buClr>
+                <a:schemeClr val="accent1"/>
+              </a:buClr>
+              <a:buFont typeface="Trebuchet MS"/>
+              <a:defRPr spc="0" sz="2000">
+                <a:latin typeface="+mn-lt"/>
+                <a:ea typeface="+mn-ea"/>
+                <a:cs typeface="+mn-cs"/>
+                <a:sym typeface="Calibri"/>
               </a:defRPr>
             </a:pPr>
-            <a:endParaRPr/>
           </a:p>
         </p:txBody>
       </p:sp>
       <p:pic>
         <p:nvPicPr>
-          <p:cNvPr id="206" name="Content Placeholder 9" descr="Content Placeholder 9"/>
+          <p:cNvPr id="218" name="Content Placeholder 9" descr="Content Placeholder 9"/>
           <p:cNvPicPr>
             <a:picLocks noChangeAspect="1"/>
           </p:cNvPicPr>
           <p:nvPr/>
         </p:nvPicPr>
         <p:blipFill>
-          <a:blip r:embed="rId3"/>
+          <a:blip r:embed="rId3">
+            <a:extLst/>
+          </a:blip>
           <a:stretch>
             <a:fillRect/>
           </a:stretch>
@@ -3953,7 +4670,7 @@
         <p:spPr>
           <a:xfrm>
             <a:off x="6096000" y="3061907"/>
-            <a:ext cx="5938285" cy="2284357"/>
+            <a:ext cx="5938285" cy="2284358"/>
           </a:xfrm>
           <a:prstGeom prst="rect">
             <a:avLst/>
@@ -3968,12 +4685,12 @@
   <p:clrMapOvr>
     <a:masterClrMapping/>
   </p:clrMapOvr>
-  <p:transition spd="med"/>
+  <p:transition xmlns:p14="http://schemas.microsoft.com/office/powerpoint/2010/main" spd="med" advClick="1"/>
 </p:sld>
 </file>
 
 <file path=ppt/slides/slide11.xml><?xml version="1.0" encoding="utf-8"?>
-<p:sld xmlns:a="http://schemas.openxmlformats.org/drawingml/2006/main" xmlns:r="http://schemas.openxmlformats.org/officeDocument/2006/relationships" xmlns:p="http://schemas.openxmlformats.org/presentationml/2006/main">
+<p:sld xmlns:a="http://schemas.openxmlformats.org/drawingml/2006/main" xmlns:r="http://schemas.openxmlformats.org/officeDocument/2006/relationships" xmlns:p="http://schemas.openxmlformats.org/presentationml/2006/main" xmlns:m="http://schemas.openxmlformats.org/officeDocument/2006/math" xmlns:a14="http://schemas.microsoft.com/office/drawing/2010/main" showMasterSp="1" showMasterPhAnim="1">
   <p:cSld>
     <p:spTree>
       <p:nvGrpSpPr>
@@ -3991,10 +4708,8 @@
       </p:grpSpPr>
       <p:sp>
         <p:nvSpPr>
-          <p:cNvPr id="208" name="Title 1"/>
-          <p:cNvSpPr txBox="1">
-            <a:spLocks noGrp="1"/>
-          </p:cNvSpPr>
+          <p:cNvPr id="220" name="Title 1"/>
+          <p:cNvSpPr txBox="1"/>
           <p:nvPr>
             <p:ph type="title"/>
           </p:nvPr>
@@ -4010,30 +4725,24 @@
         </p:spPr>
         <p:txBody>
           <a:bodyPr/>
-          <a:lstStyle>
-            <a:lvl1pPr>
+          <a:lstStyle/>
+          <a:p>
+            <a:pPr>
               <a:defRPr spc="-100"/>
-            </a:lvl1pPr>
-          </a:lstStyle>
-          <a:p>
-            <a:r>
-              <a:rPr dirty="0"/>
+            </a:pPr>
+            <a:r>
               <a:t>Overview</a:t>
             </a:r>
             <a:r>
-              <a:rPr lang="en-US" dirty="0"/>
               <a:t> </a:t>
             </a:r>
             <a:r>
-              <a:rPr dirty="0"/>
               <a:t>- </a:t>
             </a:r>
             <a:r>
-              <a:rPr lang="en-US" dirty="0"/>
               <a:t>A</a:t>
             </a:r>
             <a:r>
-              <a:rPr dirty="0"/>
               <a:t>ll zones</a:t>
             </a:r>
           </a:p>
@@ -4041,18 +4750,16 @@
       </p:sp>
       <p:sp>
         <p:nvSpPr>
-          <p:cNvPr id="209" name="Text Placeholder 2"/>
-          <p:cNvSpPr txBox="1">
-            <a:spLocks noGrp="1"/>
-          </p:cNvSpPr>
+          <p:cNvPr id="221" name="Text Placeholder 2"/>
+          <p:cNvSpPr txBox="1"/>
           <p:nvPr>
             <p:ph type="body" sz="quarter" idx="1"/>
           </p:nvPr>
         </p:nvSpPr>
         <p:spPr>
           <a:xfrm>
-            <a:off x="1097279" y="1846052"/>
-            <a:ext cx="4937762" cy="736283"/>
+            <a:off x="1097278" y="1846052"/>
+            <a:ext cx="4937764" cy="736284"/>
           </a:xfrm>
           <a:prstGeom prst="rect">
             <a:avLst/>
@@ -4062,16 +4769,14 @@
           <a:bodyPr/>
           <a:lstStyle/>
           <a:p>
-            <a:endParaRPr/>
-          </a:p>
-        </p:txBody>
-      </p:sp>
-      <p:sp>
-        <p:nvSpPr>
-          <p:cNvPr id="210" name="Text Placeholder 3"/>
-          <p:cNvSpPr>
-            <a:spLocks noGrp="1"/>
-          </p:cNvSpPr>
+            <a:pPr/>
+          </a:p>
+        </p:txBody>
+      </p:sp>
+      <p:sp>
+        <p:nvSpPr>
+          <p:cNvPr id="222" name="Text Placeholder 3"/>
+          <p:cNvSpPr/>
           <p:nvPr>
             <p:ph type="body" idx="13"/>
           </p:nvPr>
@@ -4085,39 +4790,41 @@
           <a:bodyPr/>
           <a:lstStyle/>
           <a:p>
-            <a:pPr marL="0" indent="0">
-              <a:buClrTx/>
-              <a:buSzTx/>
-              <a:buFontTx/>
-              <a:buNone/>
-              <a:defRPr cap="all">
-                <a:solidFill>
-                  <a:srgbClr val="344068"/>
-                </a:solidFill>
+            <a:pPr>
+              <a:buClr>
+                <a:schemeClr val="accent1"/>
+              </a:buClr>
+              <a:buFont typeface="Trebuchet MS"/>
+              <a:defRPr spc="0" sz="2000">
+                <a:latin typeface="+mn-lt"/>
+                <a:ea typeface="+mn-ea"/>
+                <a:cs typeface="+mn-cs"/>
+                <a:sym typeface="Calibri"/>
               </a:defRPr>
             </a:pPr>
-            <a:endParaRPr/>
           </a:p>
         </p:txBody>
       </p:sp>
       <p:pic>
         <p:nvPicPr>
-          <p:cNvPr id="211" name="Content Placeholder 11" descr="Content Placeholder 11"/>
+          <p:cNvPr id="223" name="Content Placeholder 11" descr="Content Placeholder 11"/>
           <p:cNvPicPr>
             <a:picLocks noChangeAspect="1"/>
           </p:cNvPicPr>
           <p:nvPr/>
         </p:nvPicPr>
         <p:blipFill>
-          <a:blip r:embed="rId2"/>
+          <a:blip r:embed="rId2">
+            <a:extLst/>
+          </a:blip>
           <a:stretch>
             <a:fillRect/>
           </a:stretch>
         </p:blipFill>
         <p:spPr>
           <a:xfrm>
-            <a:off x="693662" y="3166336"/>
-            <a:ext cx="5744996" cy="2119178"/>
+            <a:off x="693662" y="3166335"/>
+            <a:ext cx="5744996" cy="2119180"/>
           </a:xfrm>
           <a:prstGeom prst="rect">
             <a:avLst/>
@@ -4129,22 +4836,24 @@
       </p:pic>
       <p:pic>
         <p:nvPicPr>
-          <p:cNvPr id="212" name="Content Placeholder 15" descr="Content Placeholder 15"/>
+          <p:cNvPr id="224" name="Content Placeholder 15" descr="Content Placeholder 15"/>
           <p:cNvPicPr>
             <a:picLocks noChangeAspect="1"/>
           </p:cNvPicPr>
           <p:nvPr/>
         </p:nvPicPr>
         <p:blipFill>
-          <a:blip r:embed="rId3"/>
+          <a:blip r:embed="rId3">
+            <a:extLst/>
+          </a:blip>
           <a:stretch>
             <a:fillRect/>
           </a:stretch>
         </p:blipFill>
         <p:spPr>
           <a:xfrm>
-            <a:off x="6370637" y="3202415"/>
-            <a:ext cx="5473030" cy="2047018"/>
+            <a:off x="6370637" y="3202414"/>
+            <a:ext cx="5473030" cy="2047020"/>
           </a:xfrm>
           <a:prstGeom prst="rect">
             <a:avLst/>
@@ -4159,12 +4868,12 @@
   <p:clrMapOvr>
     <a:masterClrMapping/>
   </p:clrMapOvr>
-  <p:transition spd="med"/>
+  <p:transition xmlns:p14="http://schemas.microsoft.com/office/powerpoint/2010/main" spd="med" advClick="1"/>
 </p:sld>
 </file>
 
 <file path=ppt/slides/slide12.xml><?xml version="1.0" encoding="utf-8"?>
-<p:sld xmlns:a="http://schemas.openxmlformats.org/drawingml/2006/main" xmlns:r="http://schemas.openxmlformats.org/officeDocument/2006/relationships" xmlns:p="http://schemas.openxmlformats.org/presentationml/2006/main">
+<p:sld xmlns:a="http://schemas.openxmlformats.org/drawingml/2006/main" xmlns:r="http://schemas.openxmlformats.org/officeDocument/2006/relationships" xmlns:p="http://schemas.openxmlformats.org/presentationml/2006/main" xmlns:m="http://schemas.openxmlformats.org/officeDocument/2006/math" xmlns:a14="http://schemas.microsoft.com/office/drawing/2010/main" showMasterSp="1" showMasterPhAnim="1">
   <p:cSld>
     <p:spTree>
       <p:nvGrpSpPr>
@@ -4182,10 +4891,8 @@
       </p:grpSpPr>
       <p:sp>
         <p:nvSpPr>
-          <p:cNvPr id="214" name="Title 1"/>
-          <p:cNvSpPr txBox="1">
-            <a:spLocks noGrp="1"/>
-          </p:cNvSpPr>
+          <p:cNvPr id="226" name="Title 1"/>
+          <p:cNvSpPr txBox="1"/>
           <p:nvPr>
             <p:ph type="title"/>
           </p:nvPr>
@@ -4207,6 +4914,7 @@
             </a:lvl1pPr>
           </a:lstStyle>
           <a:p>
+            <a:pPr/>
             <a:r>
               <a:t>Total Zone Comparison</a:t>
             </a:r>
@@ -4215,14 +4923,16 @@
       </p:sp>
       <p:pic>
         <p:nvPicPr>
-          <p:cNvPr id="215" name="Content Placeholder 3" descr="Content Placeholder 3"/>
+          <p:cNvPr id="227" name="Content Placeholder 3" descr="Content Placeholder 3"/>
           <p:cNvPicPr>
             <a:picLocks noChangeAspect="1"/>
           </p:cNvPicPr>
           <p:nvPr/>
         </p:nvPicPr>
         <p:blipFill>
-          <a:blip r:embed="rId2"/>
+          <a:blip r:embed="rId2">
+            <a:extLst/>
+          </a:blip>
           <a:stretch>
             <a:fillRect/>
           </a:stretch>
@@ -4230,7 +4940,7 @@
         <p:spPr>
           <a:xfrm>
             <a:off x="3954274" y="2405888"/>
-            <a:ext cx="4343777" cy="2903474"/>
+            <a:ext cx="4343778" cy="2903474"/>
           </a:xfrm>
           <a:prstGeom prst="rect">
             <a:avLst/>
@@ -4245,12 +4955,12 @@
   <p:clrMapOvr>
     <a:masterClrMapping/>
   </p:clrMapOvr>
-  <p:transition spd="med"/>
+  <p:transition xmlns:p14="http://schemas.microsoft.com/office/powerpoint/2010/main" spd="med" advClick="1"/>
 </p:sld>
 </file>
 
 <file path=ppt/slides/slide13.xml><?xml version="1.0" encoding="utf-8"?>
-<p:sld xmlns:a="http://schemas.openxmlformats.org/drawingml/2006/main" xmlns:r="http://schemas.openxmlformats.org/officeDocument/2006/relationships" xmlns:p="http://schemas.openxmlformats.org/presentationml/2006/main">
+<p:sld xmlns:a="http://schemas.openxmlformats.org/drawingml/2006/main" xmlns:r="http://schemas.openxmlformats.org/officeDocument/2006/relationships" xmlns:p="http://schemas.openxmlformats.org/presentationml/2006/main" xmlns:m="http://schemas.openxmlformats.org/officeDocument/2006/math" xmlns:a14="http://schemas.microsoft.com/office/drawing/2010/main" showMasterSp="1" showMasterPhAnim="1">
   <p:cSld>
     <p:spTree>
       <p:nvGrpSpPr>
@@ -4268,91 +4978,13 @@
       </p:grpSpPr>
       <p:sp>
         <p:nvSpPr>
-          <p:cNvPr id="217" name="Rectangle 7"/>
-          <p:cNvSpPr/>
-          <p:nvPr/>
-        </p:nvSpPr>
-        <p:spPr>
-          <a:xfrm>
-            <a:off x="-1" y="0"/>
-            <a:ext cx="12188954" cy="6858000"/>
-          </a:xfrm>
-          <a:prstGeom prst="rect">
-            <a:avLst/>
-          </a:prstGeom>
-          <a:solidFill>
-            <a:srgbClr val="FFFFFF"/>
-          </a:solidFill>
-          <a:ln w="12700">
-            <a:miter lim="400000"/>
-          </a:ln>
-        </p:spPr>
-        <p:txBody>
-          <a:bodyPr lIns="45719" rIns="45719" anchor="ctr"/>
-          <a:lstStyle/>
-          <a:p>
-            <a:pPr algn="ctr">
-              <a:defRPr>
-                <a:solidFill>
-                  <a:srgbClr val="FFFFFF"/>
-                </a:solidFill>
-              </a:defRPr>
-            </a:pPr>
-            <a:endParaRPr/>
-          </a:p>
-        </p:txBody>
-      </p:sp>
-      <p:sp>
-        <p:nvSpPr>
-          <p:cNvPr id="218" name="Rectangle 9"/>
-          <p:cNvSpPr/>
-          <p:nvPr/>
-        </p:nvSpPr>
-        <p:spPr>
-          <a:xfrm>
-            <a:off x="321564" y="320039"/>
-            <a:ext cx="11548872" cy="6217922"/>
-          </a:xfrm>
-          <a:prstGeom prst="rect">
-            <a:avLst/>
-          </a:prstGeom>
-          <a:solidFill>
-            <a:srgbClr val="D9E0E6"/>
-          </a:solidFill>
-          <a:ln w="12700">
-            <a:miter lim="400000"/>
-          </a:ln>
-        </p:spPr>
-        <p:txBody>
-          <a:bodyPr lIns="45719" rIns="45719" anchor="ctr"/>
-          <a:lstStyle/>
-          <a:p>
-            <a:pPr algn="ctr">
-              <a:defRPr>
-                <a:solidFill>
-                  <a:srgbClr val="FFFFFF"/>
-                </a:solidFill>
-              </a:defRPr>
-            </a:pPr>
-            <a:endParaRPr/>
-          </a:p>
-        </p:txBody>
-      </p:sp>
-      <p:sp>
-        <p:nvSpPr>
-          <p:cNvPr id="219" name="Title 1"/>
-          <p:cNvSpPr txBox="1">
-            <a:spLocks noGrp="1"/>
-          </p:cNvSpPr>
+          <p:cNvPr id="229" name="Major Findings"/>
+          <p:cNvSpPr txBox="1"/>
           <p:nvPr>
             <p:ph type="title"/>
           </p:nvPr>
         </p:nvSpPr>
         <p:spPr>
-          <a:xfrm>
-            <a:off x="965029" y="963996"/>
-            <a:ext cx="3254692" cy="4938362"/>
-          </a:xfrm>
           <a:prstGeom prst="rect">
             <a:avLst/>
           </a:prstGeom>
@@ -4360,165 +4992,310 @@
         <p:txBody>
           <a:bodyPr anchor="ctr"/>
           <a:lstStyle>
-            <a:lvl1pPr algn="r">
-              <a:defRPr sz="4400" spc="-100"/>
+            <a:lvl1pPr algn="ctr" defTabSz="457200">
+              <a:lnSpc>
+                <a:spcPct val="107916"/>
+              </a:lnSpc>
+              <a:spcBef>
+                <a:spcPts val="800"/>
+              </a:spcBef>
+              <a:defRPr b="1" spc="0" sz="2400">
+                <a:uFill>
+                  <a:solidFill>
+                    <a:srgbClr val="000000"/>
+                  </a:solidFill>
+                </a:uFill>
+                <a:latin typeface="Verdana"/>
+                <a:ea typeface="Verdana"/>
+                <a:cs typeface="Verdana"/>
+                <a:sym typeface="Verdana"/>
+              </a:defRPr>
             </a:lvl1pPr>
           </a:lstStyle>
           <a:p>
-            <a:r>
-              <a:t>Conclusion</a:t>
-            </a:r>
-          </a:p>
-        </p:txBody>
-      </p:sp>
-      <p:sp>
-        <p:nvSpPr>
-          <p:cNvPr id="220" name="Straight Connector 11"/>
+            <a:pPr/>
+            <a:r>
+              <a:t>Major Findings</a:t>
+            </a:r>
+          </a:p>
+        </p:txBody>
+      </p:sp>
+      <p:sp>
+        <p:nvSpPr>
+          <p:cNvPr id="230" name="Where in Austin is the best place to live if one is looking for Assisted Living based on proximity to hospitals and emergency rooms?…"/>
+          <p:cNvSpPr txBox="1"/>
+          <p:nvPr>
+            <p:ph type="body" idx="1"/>
+          </p:nvPr>
+        </p:nvSpPr>
+        <p:spPr>
+          <a:prstGeom prst="rect">
+            <a:avLst/>
+          </a:prstGeom>
+        </p:spPr>
+        <p:txBody>
+          <a:bodyPr/>
+          <a:lstStyle/>
+          <a:p>
+            <a:pPr marL="0" indent="0" defTabSz="370331">
+              <a:lnSpc>
+                <a:spcPct val="107916"/>
+              </a:lnSpc>
+              <a:spcBef>
+                <a:spcPts val="600"/>
+              </a:spcBef>
+              <a:buClrTx/>
+              <a:buSzTx/>
+              <a:buFontTx/>
+              <a:buNone/>
+              <a:defRPr sz="1215">
+                <a:solidFill>
+                  <a:srgbClr val="000000"/>
+                </a:solidFill>
+                <a:uFill>
+                  <a:solidFill>
+                    <a:srgbClr val="000000"/>
+                  </a:solidFill>
+                </a:uFill>
+              </a:defRPr>
+            </a:pPr>
+            <a:r>
+              <a:rPr b="1"/>
+              <a:t>Where in Austin is the best place to live if one is looking for Assisted Living based on proximity to hospitals and emergency rooms?</a:t>
+            </a:r>
+            <a:endParaRPr b="1"/>
+          </a:p>
+          <a:p>
+            <a:pPr marL="370331" indent="0" defTabSz="370331">
+              <a:lnSpc>
+                <a:spcPct val="107916"/>
+              </a:lnSpc>
+              <a:spcBef>
+                <a:spcPts val="600"/>
+              </a:spcBef>
+              <a:buClrTx/>
+              <a:buSzTx/>
+              <a:buFontTx/>
+              <a:buNone/>
+              <a:defRPr sz="1215">
+                <a:solidFill>
+                  <a:srgbClr val="000000"/>
+                </a:solidFill>
+                <a:uFill>
+                  <a:solidFill>
+                    <a:srgbClr val="000000"/>
+                  </a:solidFill>
+                </a:uFill>
+              </a:defRPr>
+            </a:pPr>
+            <a:r>
+              <a:t>The best place to currently live in Austin if looking for Assisted Living would most likely be East Austin from the data we have found based on ratings. Though this could be argued due to the lack of hospital options, so runner up would be South Austin. </a:t>
+            </a:r>
+          </a:p>
+          <a:p>
+            <a:pPr marL="0" indent="0" defTabSz="370331">
+              <a:lnSpc>
+                <a:spcPct val="107916"/>
+              </a:lnSpc>
+              <a:spcBef>
+                <a:spcPts val="600"/>
+              </a:spcBef>
+              <a:buClrTx/>
+              <a:buSzTx/>
+              <a:buFontTx/>
+              <a:buNone/>
+              <a:defRPr sz="1215">
+                <a:solidFill>
+                  <a:srgbClr val="000000"/>
+                </a:solidFill>
+                <a:uFill>
+                  <a:solidFill>
+                    <a:srgbClr val="000000"/>
+                  </a:solidFill>
+                </a:uFill>
+              </a:defRPr>
+            </a:pPr>
+            <a:r>
+              <a:rPr b="1"/>
+              <a:t>Where in Austin is the worst place to live if one is looking for Assisted Living based on proximity to hospitals and emergency rooms?</a:t>
+            </a:r>
+            <a:endParaRPr b="1"/>
+          </a:p>
+          <a:p>
+            <a:pPr marL="370331" indent="0" defTabSz="370331">
+              <a:lnSpc>
+                <a:spcPct val="107916"/>
+              </a:lnSpc>
+              <a:spcBef>
+                <a:spcPts val="600"/>
+              </a:spcBef>
+              <a:buClrTx/>
+              <a:buSzTx/>
+              <a:buFontTx/>
+              <a:buNone/>
+              <a:defRPr sz="1215">
+                <a:solidFill>
+                  <a:srgbClr val="000000"/>
+                </a:solidFill>
+                <a:uFill>
+                  <a:solidFill>
+                    <a:srgbClr val="000000"/>
+                  </a:solidFill>
+                </a:uFill>
+              </a:defRPr>
+            </a:pPr>
+            <a:r>
+              <a:t>The worst place to currently live in Austin if looking for Assisted Living would most likely be North Austin from the data we have found based on ratings. This area has the lowest rating score for both hospital and Assisted Living options.</a:t>
+            </a:r>
+          </a:p>
+          <a:p>
+            <a:pPr marL="0" indent="0" defTabSz="370331">
+              <a:lnSpc>
+                <a:spcPct val="107916"/>
+              </a:lnSpc>
+              <a:spcBef>
+                <a:spcPts val="600"/>
+              </a:spcBef>
+              <a:buClrTx/>
+              <a:buSzTx/>
+              <a:buFontTx/>
+              <a:buNone/>
+              <a:defRPr sz="1215">
+                <a:solidFill>
+                  <a:srgbClr val="000000"/>
+                </a:solidFill>
+                <a:uFill>
+                  <a:solidFill>
+                    <a:srgbClr val="000000"/>
+                  </a:solidFill>
+                </a:uFill>
+              </a:defRPr>
+            </a:pPr>
+            <a:r>
+              <a:rPr b="1"/>
+              <a:t>Where in Austin is the best place to live if one is looking for Assisted Living based on quality of living situation?</a:t>
+            </a:r>
+            <a:endParaRPr b="1"/>
+          </a:p>
+          <a:p>
+            <a:pPr marL="370331" indent="0" defTabSz="370331">
+              <a:lnSpc>
+                <a:spcPct val="107916"/>
+              </a:lnSpc>
+              <a:spcBef>
+                <a:spcPts val="600"/>
+              </a:spcBef>
+              <a:buClrTx/>
+              <a:buSzTx/>
+              <a:buFontTx/>
+              <a:buNone/>
+              <a:defRPr sz="1215">
+                <a:solidFill>
+                  <a:srgbClr val="000000"/>
+                </a:solidFill>
+                <a:uFill>
+                  <a:solidFill>
+                    <a:srgbClr val="000000"/>
+                  </a:solidFill>
+                </a:uFill>
+              </a:defRPr>
+            </a:pPr>
+            <a:r>
+              <a:t>Going off our data, the best place to live in terms of living situation would be East Austin. A Touch of Home Assisted Living is the highest rated Assisted Living Facility within all zones. This could be a large pull into this area and could be important to most due to the fact one will be spending a large portion of their lives there. </a:t>
+            </a:r>
+          </a:p>
+          <a:p>
+            <a:pPr marL="0" indent="0" defTabSz="370331">
+              <a:lnSpc>
+                <a:spcPct val="107916"/>
+              </a:lnSpc>
+              <a:spcBef>
+                <a:spcPts val="600"/>
+              </a:spcBef>
+              <a:buClrTx/>
+              <a:buSzTx/>
+              <a:buFontTx/>
+              <a:buNone/>
+              <a:defRPr sz="1215">
+                <a:solidFill>
+                  <a:srgbClr val="000000"/>
+                </a:solidFill>
+                <a:uFill>
+                  <a:solidFill>
+                    <a:srgbClr val="000000"/>
+                  </a:solidFill>
+                </a:uFill>
+              </a:defRPr>
+            </a:pPr>
+            <a:r>
+              <a:rPr b="1"/>
+              <a:t>Where in Austin is the best place to live if one is looking for Assisted Living based on quality of care?</a:t>
+            </a:r>
+            <a:endParaRPr b="1"/>
+          </a:p>
+          <a:p>
+            <a:pPr marL="370331" indent="0" defTabSz="370331">
+              <a:lnSpc>
+                <a:spcPct val="107916"/>
+              </a:lnSpc>
+              <a:spcBef>
+                <a:spcPts val="600"/>
+              </a:spcBef>
+              <a:buClrTx/>
+              <a:buSzTx/>
+              <a:buFontTx/>
+              <a:buNone/>
+              <a:defRPr sz="1215">
+                <a:solidFill>
+                  <a:srgbClr val="000000"/>
+                </a:solidFill>
+                <a:uFill>
+                  <a:solidFill>
+                    <a:srgbClr val="000000"/>
+                  </a:solidFill>
+                </a:uFill>
+              </a:defRPr>
+            </a:pPr>
+            <a:r>
+              <a:t>Going off our data, the best place to live in terms of quality of care would be Central Austin. Physician’s Premier Emergency Room is the highest rated Hospital within all zones. This could be a large pull into this area due to people focusing on higher risk ailments that require as little commute as possible. This will increase the chances to live if one lives closer to this zone. </a:t>
+            </a:r>
+          </a:p>
+        </p:txBody>
+      </p:sp>
+      <p:sp>
+        <p:nvSpPr>
+          <p:cNvPr id="231" name="Text Placeholder 3"/>
           <p:cNvSpPr/>
-          <p:nvPr/>
-        </p:nvSpPr>
-        <p:spPr>
-          <a:xfrm flipH="1">
-            <a:off x="4650251" y="2057399"/>
-            <a:ext cx="1" cy="2743201"/>
-          </a:xfrm>
-          <a:prstGeom prst="line">
-            <a:avLst/>
-          </a:prstGeom>
-          <a:ln w="19050">
-            <a:solidFill>
-              <a:srgbClr val="344068"/>
-            </a:solidFill>
-          </a:ln>
-        </p:spPr>
-        <p:txBody>
-          <a:bodyPr lIns="45719" rIns="45719"/>
+          <p:nvPr>
+            <p:ph type="body" idx="13"/>
+          </p:nvPr>
+        </p:nvSpPr>
+        <p:spPr>
+          <a:prstGeom prst="rect">
+            <a:avLst/>
+          </a:prstGeom>
+        </p:spPr>
+        <p:txBody>
+          <a:bodyPr/>
           <a:lstStyle/>
           <a:p>
-            <a:endParaRPr/>
-          </a:p>
-        </p:txBody>
-      </p:sp>
-      <p:sp>
-        <p:nvSpPr>
-          <p:cNvPr id="221" name="Content Placeholder 2"/>
-          <p:cNvSpPr txBox="1">
-            <a:spLocks noGrp="1"/>
-          </p:cNvSpPr>
-          <p:nvPr>
-            <p:ph type="body" sz="half" idx="1"/>
-          </p:nvPr>
-        </p:nvSpPr>
-        <p:spPr>
-          <a:xfrm>
-            <a:off x="5134881" y="963506"/>
-            <a:ext cx="6135099" cy="4938853"/>
-          </a:xfrm>
-          <a:prstGeom prst="rect">
-            <a:avLst/>
-          </a:prstGeom>
-        </p:spPr>
-        <p:txBody>
-          <a:bodyPr anchor="ctr"/>
-          <a:lstStyle/>
-          <a:p>
-            <a:pPr marL="384047" lvl="1" indent="-182879">
-              <a:spcBef>
-                <a:spcPts val="400"/>
-              </a:spcBef>
-              <a:defRPr sz="1800"/>
+            <a:pPr marL="91438" indent="-91438">
+              <a:buClr>
+                <a:schemeClr val="accent1"/>
+              </a:buClr>
+              <a:buSzPct val="100000"/>
+              <a:buFont typeface="Trebuchet MS"/>
+              <a:buChar char=" "/>
+              <a:defRPr cap="none" spc="0" sz="2000">
+                <a:solidFill>
+                  <a:srgbClr val="404040"/>
+                </a:solidFill>
+                <a:latin typeface="+mn-lt"/>
+                <a:ea typeface="+mn-ea"/>
+                <a:cs typeface="+mn-cs"/>
+                <a:sym typeface="Calibri"/>
+              </a:defRPr>
             </a:pPr>
-            <a:r>
-              <a:t>The best place to live if looking for great care + commute to Hospital</a:t>
-            </a:r>
-          </a:p>
-          <a:p>
-            <a:pPr marL="566927" lvl="2" indent="-182879">
-              <a:spcBef>
-                <a:spcPts val="400"/>
-              </a:spcBef>
-              <a:defRPr sz="1400"/>
-            </a:pPr>
-            <a:r>
-              <a:t>East Austin</a:t>
-            </a:r>
-          </a:p>
-          <a:p>
-            <a:pPr marL="384047" lvl="1" indent="-182879">
-              <a:spcBef>
-                <a:spcPts val="400"/>
-              </a:spcBef>
-              <a:defRPr sz="1800"/>
-            </a:pPr>
-            <a:r>
-              <a:t>The worst place to live if looking for great care + commute to Hospital</a:t>
-            </a:r>
-          </a:p>
-          <a:p>
-            <a:pPr marL="566927" lvl="2" indent="-182879">
-              <a:spcBef>
-                <a:spcPts val="400"/>
-              </a:spcBef>
-              <a:defRPr sz="1400"/>
-            </a:pPr>
-            <a:r>
-              <a:t>North Austin</a:t>
-            </a:r>
-          </a:p>
-          <a:p>
-            <a:pPr marL="384047" lvl="1" indent="-182879">
-              <a:spcBef>
-                <a:spcPts val="400"/>
-              </a:spcBef>
-              <a:defRPr sz="1800"/>
-            </a:pPr>
-            <a:r>
-              <a:t>Highest concentration of Hospitals and ALFs</a:t>
-            </a:r>
-          </a:p>
-          <a:p>
-            <a:pPr marL="566927" lvl="2" indent="-182879">
-              <a:spcBef>
-                <a:spcPts val="400"/>
-              </a:spcBef>
-              <a:defRPr sz="1400"/>
-            </a:pPr>
-            <a:r>
-              <a:t>Central Austin</a:t>
-            </a:r>
-          </a:p>
-          <a:p>
-            <a:pPr marL="384047" lvl="1" indent="-182879">
-              <a:spcBef>
-                <a:spcPts val="400"/>
-              </a:spcBef>
-              <a:defRPr sz="1800"/>
-            </a:pPr>
-            <a:r>
-              <a:t>Best Hospital + Best ALF</a:t>
-            </a:r>
-          </a:p>
-          <a:p>
-            <a:pPr marL="566927" lvl="2" indent="-182879">
-              <a:spcBef>
-                <a:spcPts val="400"/>
-              </a:spcBef>
-              <a:defRPr sz="1400"/>
-            </a:pPr>
-            <a:r>
-              <a:t>Physician’s Premier Emergency Room (Central Austin)</a:t>
-            </a:r>
-          </a:p>
-          <a:p>
-            <a:pPr marL="566927" lvl="2" indent="-182879">
-              <a:spcBef>
-                <a:spcPts val="400"/>
-              </a:spcBef>
-              <a:defRPr sz="1400"/>
-            </a:pPr>
-            <a:r>
-              <a:t>A Touch of Home Assisted Living (East Austin)</a:t>
-            </a:r>
           </a:p>
         </p:txBody>
       </p:sp>
@@ -4527,12 +5304,12 @@
   <p:clrMapOvr>
     <a:masterClrMapping/>
   </p:clrMapOvr>
-  <p:transition spd="med"/>
+  <p:transition xmlns:p14="http://schemas.microsoft.com/office/powerpoint/2010/main" spd="med" advClick="1"/>
 </p:sld>
 </file>
 
 <file path=ppt/slides/slide14.xml><?xml version="1.0" encoding="utf-8"?>
-<p:sld xmlns:a="http://schemas.openxmlformats.org/drawingml/2006/main" xmlns:r="http://schemas.openxmlformats.org/officeDocument/2006/relationships" xmlns:p="http://schemas.openxmlformats.org/presentationml/2006/main">
+<p:sld xmlns:a="http://schemas.openxmlformats.org/drawingml/2006/main" xmlns:r="http://schemas.openxmlformats.org/officeDocument/2006/relationships" xmlns:p="http://schemas.openxmlformats.org/presentationml/2006/main" xmlns:m="http://schemas.openxmlformats.org/officeDocument/2006/math" xmlns:a14="http://schemas.microsoft.com/office/drawing/2010/main" showMasterSp="1" showMasterPhAnim="1">
   <p:cSld>
     <p:spTree>
       <p:nvGrpSpPr>
@@ -4550,10 +5327,8 @@
       </p:grpSpPr>
       <p:sp>
         <p:nvSpPr>
-          <p:cNvPr id="223" name="Limitations &amp; Next Steps"/>
-          <p:cNvSpPr txBox="1">
-            <a:spLocks noGrp="1"/>
-          </p:cNvSpPr>
+          <p:cNvPr id="233" name="Limitations &amp; Next Steps"/>
+          <p:cNvSpPr txBox="1"/>
           <p:nvPr>
             <p:ph type="title"/>
           </p:nvPr>
@@ -4565,8 +5340,13 @@
         </p:spPr>
         <p:txBody>
           <a:bodyPr/>
-          <a:lstStyle/>
-          <a:p>
+          <a:lstStyle>
+            <a:lvl1pPr>
+              <a:defRPr spc="-100"/>
+            </a:lvl1pPr>
+          </a:lstStyle>
+          <a:p>
+            <a:pPr/>
             <a:r>
               <a:t>Limitations &amp; Next Steps</a:t>
             </a:r>
@@ -4575,10 +5355,8 @@
       </p:sp>
       <p:sp>
         <p:nvSpPr>
-          <p:cNvPr id="224" name="Some limitations to our  project included:…"/>
-          <p:cNvSpPr txBox="1">
-            <a:spLocks noGrp="1"/>
-          </p:cNvSpPr>
+          <p:cNvPr id="234" name="Some limitations to our  project included:…"/>
+          <p:cNvSpPr txBox="1"/>
           <p:nvPr>
             <p:ph type="body" idx="1"/>
           </p:nvPr>
@@ -4600,7 +5378,7 @@
               <a:spcBef>
                 <a:spcPts val="1000"/>
               </a:spcBef>
-              <a:defRPr sz="2314" b="1"/>
+              <a:defRPr b="1" sz="2300"/>
             </a:pPr>
             <a:r>
               <a:t>Some limitations to our  project included: </a:t>
@@ -4614,7 +5392,7 @@
               <a:buClrTx/>
               <a:buFontTx/>
               <a:buChar char="•"/>
-              <a:defRPr sz="1779"/>
+              <a:defRPr sz="1700"/>
             </a:pPr>
             <a:r>
               <a:t>Not calculating actual distances between the locations and the facilities. (haversine)</a:t>
@@ -4628,7 +5406,7 @@
               <a:buClrTx/>
               <a:buFontTx/>
               <a:buChar char="•"/>
-              <a:defRPr sz="1779"/>
+              <a:defRPr sz="1700"/>
             </a:pPr>
             <a:r>
               <a:t>Needing more investigation of the relevance of a Hospital ER. ( Dell Children’s was frequent, but not actually as relevant fro our purposes)</a:t>
@@ -4642,7 +5420,7 @@
               <a:buClrTx/>
               <a:buFontTx/>
               <a:buChar char="•"/>
-              <a:defRPr sz="1779"/>
+              <a:defRPr sz="1700"/>
             </a:pPr>
             <a:r>
               <a:t>Some ratings missing</a:t>
@@ -4653,36 +5431,32 @@
               <a:spcBef>
                 <a:spcPts val="1000"/>
               </a:spcBef>
-              <a:buClrTx/>
               <a:buSzTx/>
-              <a:buFontTx/>
               <a:buNone/>
-              <a:defRPr sz="1779"/>
+              <a:defRPr sz="1700"/>
             </a:pPr>
-            <a:endParaRPr/>
           </a:p>
           <a:p>
             <a:pPr marL="0" indent="0" defTabSz="813816">
               <a:spcBef>
                 <a:spcPts val="1000"/>
               </a:spcBef>
-              <a:buClrTx/>
               <a:buSzTx/>
-              <a:buFontTx/>
               <a:buNone/>
-              <a:defRPr sz="1779"/>
+              <a:defRPr b="1" sz="2300"/>
             </a:pPr>
             <a:r>
-              <a:rPr sz="2314" b="1"/>
               <a:t>Some next steps we might take:</a:t>
             </a:r>
             <a:r>
-              <a:rPr sz="2314"/>
+              <a:rPr b="0"/>
               <a:t> </a:t>
             </a:r>
             <a:r>
+              <a:rPr b="0" sz="1700"/>
               <a:t> </a:t>
             </a:r>
+            <a:endParaRPr sz="1700"/>
           </a:p>
           <a:p>
             <a:pPr marL="178468" indent="-178468" defTabSz="813816">
@@ -4692,7 +5466,7 @@
               <a:buClrTx/>
               <a:buFontTx/>
               <a:buChar char="•"/>
-              <a:defRPr sz="1779"/>
+              <a:defRPr sz="1700"/>
             </a:pPr>
             <a:r>
               <a:t>Add a filter for relevance based on keywords</a:t>
@@ -4706,7 +5480,7 @@
               <a:buClrTx/>
               <a:buFontTx/>
               <a:buChar char="•"/>
-              <a:defRPr sz="1779"/>
+              <a:defRPr sz="1700"/>
             </a:pPr>
             <a:r>
               <a:t>Calculate actual distances </a:t>
@@ -4720,42 +5494,18 @@
               <a:buClrTx/>
               <a:buFontTx/>
               <a:buChar char="•"/>
-              <a:defRPr sz="1779"/>
+              <a:defRPr sz="1700"/>
             </a:pPr>
             <a:r>
               <a:t>Possibly compensate for missing ratings or exclude </a:t>
             </a:r>
           </a:p>
-          <a:p>
-            <a:pPr marL="0" indent="0" defTabSz="813816">
-              <a:spcBef>
-                <a:spcPts val="1000"/>
-              </a:spcBef>
-              <a:buClrTx/>
-              <a:buSzTx/>
-              <a:buFontTx/>
-              <a:buNone/>
-              <a:defRPr sz="1779"/>
-            </a:pPr>
-            <a:endParaRPr/>
-          </a:p>
-          <a:p>
-            <a:pPr marL="81381" indent="-81381" defTabSz="813816">
-              <a:spcBef>
-                <a:spcPts val="1000"/>
-              </a:spcBef>
-              <a:defRPr sz="1779"/>
-            </a:pPr>
-            <a:endParaRPr/>
-          </a:p>
-        </p:txBody>
-      </p:sp>
-      <p:sp>
-        <p:nvSpPr>
-          <p:cNvPr id="225" name="Text Placeholder 3"/>
-          <p:cNvSpPr>
-            <a:spLocks noGrp="1"/>
-          </p:cNvSpPr>
+        </p:txBody>
+      </p:sp>
+      <p:sp>
+        <p:nvSpPr>
+          <p:cNvPr id="235" name="Text Placeholder 3"/>
+          <p:cNvSpPr/>
           <p:nvPr>
             <p:ph type="body" idx="13"/>
           </p:nvPr>
@@ -4766,26 +5516,31 @@
           </a:prstGeom>
           <a:extLst>
             <a:ext uri="{C572A759-6A51-4108-AA02-DFA0A04FC94B}">
-              <ma14:wrappingTextBoxFlag xmlns:ma14="http://schemas.microsoft.com/office/mac/drawingml/2011/main" xmlns:a14="http://schemas.microsoft.com/office/drawing/2010/main" xmlns:m="http://schemas.openxmlformats.org/officeDocument/2006/math" xmlns="" val="1"/>
+              <ma14:wrappingTextBoxFlag xmlns:ma14="http://schemas.microsoft.com/office/mac/drawingml/2011/main" val="1"/>
             </a:ext>
           </a:extLst>
         </p:spPr>
         <p:txBody>
           <a:bodyPr anchor="b"/>
           <a:lstStyle>
-            <a:lvl1pPr marL="0" indent="0">
-              <a:buClrTx/>
-              <a:buSzTx/>
-              <a:buFontTx/>
-              <a:buNone/>
-              <a:defRPr i="1">
+            <a:lvl1pPr>
+              <a:buClr>
+                <a:schemeClr val="accent1"/>
+              </a:buClr>
+              <a:buFont typeface="Trebuchet MS"/>
+              <a:defRPr cap="none" i="1" spc="0" sz="2000">
                 <a:solidFill>
                   <a:srgbClr val="FFFFFF"/>
                 </a:solidFill>
+                <a:latin typeface="+mn-lt"/>
+                <a:ea typeface="+mn-ea"/>
+                <a:cs typeface="+mn-cs"/>
+                <a:sym typeface="Calibri"/>
               </a:defRPr>
             </a:lvl1pPr>
           </a:lstStyle>
           <a:p>
+            <a:pPr/>
             <a:r>
               <a:t>Thank you to Manuel, Dylan and Billy for their academic support and to our families for their moral support in this project.  </a:t>
             </a:r>
@@ -4797,12 +5552,12 @@
   <p:clrMapOvr>
     <a:masterClrMapping/>
   </p:clrMapOvr>
-  <p:transition spd="med"/>
+  <p:transition xmlns:p14="http://schemas.microsoft.com/office/powerpoint/2010/main" spd="med" advClick="1"/>
 </p:sld>
 </file>
 
 <file path=ppt/slides/slide2.xml><?xml version="1.0" encoding="utf-8"?>
-<p:sld xmlns:a="http://schemas.openxmlformats.org/drawingml/2006/main" xmlns:r="http://schemas.openxmlformats.org/officeDocument/2006/relationships" xmlns:p="http://schemas.openxmlformats.org/presentationml/2006/main">
+<p:sld xmlns:a="http://schemas.openxmlformats.org/drawingml/2006/main" xmlns:r="http://schemas.openxmlformats.org/officeDocument/2006/relationships" xmlns:p="http://schemas.openxmlformats.org/presentationml/2006/main" xmlns:m="http://schemas.openxmlformats.org/officeDocument/2006/math" xmlns:a14="http://schemas.microsoft.com/office/drawing/2010/main" showMasterSp="1" showMasterPhAnim="1">
   <p:cSld>
     <p:spTree>
       <p:nvGrpSpPr>
@@ -4820,25 +5575,31 @@
       </p:grpSpPr>
       <p:sp>
         <p:nvSpPr>
-          <p:cNvPr id="132" name="Hospital Proximity &amp; Quality"/>
-          <p:cNvSpPr txBox="1">
-            <a:spLocks noGrp="1"/>
-          </p:cNvSpPr>
+          <p:cNvPr id="144" name="Hospital Proximity &amp; Quality"/>
+          <p:cNvSpPr txBox="1"/>
           <p:nvPr>
             <p:ph type="title"/>
           </p:nvPr>
         </p:nvSpPr>
         <p:spPr>
+          <a:xfrm>
+            <a:off x="1097280" y="286603"/>
+            <a:ext cx="10058401" cy="1450757"/>
+          </a:xfrm>
           <a:prstGeom prst="rect">
             <a:avLst/>
           </a:prstGeom>
         </p:spPr>
         <p:txBody>
           <a:bodyPr/>
-          <a:lstStyle/>
-          <a:p>
-            <a:r>
-              <a:rPr dirty="0"/>
+          <a:lstStyle>
+            <a:lvl1pPr>
+              <a:defRPr spc="-100"/>
+            </a:lvl1pPr>
+          </a:lstStyle>
+          <a:p>
+            <a:pPr/>
+            <a:r>
               <a:t>Hospital Proximity &amp; Quality</a:t>
             </a:r>
           </a:p>
@@ -4846,15 +5607,17 @@
       </p:sp>
       <p:sp>
         <p:nvSpPr>
-          <p:cNvPr id="133" name="A current study from The Econometrics workshop: The life‐saving effect of hospital proximity…"/>
-          <p:cNvSpPr txBox="1">
-            <a:spLocks noGrp="1"/>
-          </p:cNvSpPr>
+          <p:cNvPr id="145" name="A current study from The Econometrics workshop: The life‐saving effect of hospital proximity…"/>
+          <p:cNvSpPr txBox="1"/>
           <p:nvPr>
             <p:ph type="body" idx="1"/>
           </p:nvPr>
         </p:nvSpPr>
         <p:spPr>
+          <a:xfrm>
+            <a:off x="1097280" y="1845734"/>
+            <a:ext cx="10058401" cy="4023360"/>
+          </a:xfrm>
           <a:prstGeom prst="rect">
             <a:avLst/>
           </a:prstGeom>
@@ -4868,7 +5631,7 @@
             <a:round/>
           </a:ln>
           <a:effectLst>
-            <a:outerShdw blurRad="38100" dist="25400" dir="2700000" rotWithShape="0">
+            <a:outerShdw sx="100000" sy="100000" kx="0" ky="0" algn="b" rotWithShape="0" blurRad="38100" dist="25400" dir="2700000">
               <a:srgbClr val="000000">
                 <a:alpha val="60000"/>
               </a:srgbClr>
@@ -4886,11 +5649,9 @@
               <a:spcBef>
                 <a:spcPts val="0"/>
               </a:spcBef>
-              <a:buClrTx/>
               <a:buSzTx/>
-              <a:buFontTx/>
               <a:buNone/>
-              <a:defRPr sz="1564" b="1">
+              <a:defRPr b="1" sz="1500">
                 <a:solidFill>
                   <a:srgbClr val="000000"/>
                 </a:solidFill>
@@ -4901,8 +5662,16 @@
               </a:defRPr>
             </a:pPr>
             <a:r>
-              <a:rPr dirty="0">
-                <a:hlinkClick r:id="rId2"/>
+              <a:rPr u="sng">
+                <a:solidFill>
+                  <a:srgbClr val="0000FF"/>
+                </a:solidFill>
+                <a:uFill>
+                  <a:solidFill>
+                    <a:srgbClr val="0000FF"/>
+                  </a:solidFill>
+                </a:uFill>
+                <a:hlinkClick r:id="rId2" invalidUrl="" action="" tgtFrame="" tooltip="" history="1" highlightClick="0" endSnd="0"/>
               </a:rPr>
               <a:t>A current study from The Econometrics workshop: The life‐saving effect of hospital proximity</a:t>
             </a:r>
@@ -4915,11 +5684,9 @@
               <a:spcBef>
                 <a:spcPts val="0"/>
               </a:spcBef>
-              <a:buClrTx/>
               <a:buSzTx/>
-              <a:buFontTx/>
               <a:buNone/>
-              <a:defRPr sz="1564">
+              <a:defRPr sz="1500">
                 <a:solidFill>
                   <a:srgbClr val="000000"/>
                 </a:solidFill>
@@ -4929,9 +5696,6 @@
                 <a:sym typeface="Verdana"/>
               </a:defRPr>
             </a:pPr>
-            <a:endParaRPr dirty="0">
-              <a:hlinkClick r:id="rId2"/>
-            </a:endParaRPr>
           </a:p>
           <a:p>
             <a:pPr marL="0" indent="0" defTabSz="310895">
@@ -4941,18 +5705,15 @@
               <a:spcBef>
                 <a:spcPts val="0"/>
               </a:spcBef>
-              <a:buClrTx/>
               <a:buSzTx/>
-              <a:buFontTx/>
               <a:buNone/>
-              <a:defRPr sz="1224">
+              <a:defRPr sz="1200">
                 <a:solidFill>
                   <a:srgbClr val="000000"/>
                 </a:solidFill>
               </a:defRPr>
             </a:pPr>
             <a:r>
-              <a:rPr dirty="0"/>
               <a:t>“The evidence indicates that every additional kilometer [away one is from the hospital] decreases the probability of survival because it causes an injured individual to become a more serious case. She or he will arrive at the hospital in worse condition as the time to reach the emergency room increases. Assessing whether proximity is more or less relevant conditional on the quality or performance of the nearest hospital is an empirical question. Both high‐ and low‐quality hospitals can save both easy and serious cases, but we could expect that, on average, high‐quality hospitals tend to save more of both.” </a:t>
             </a:r>
           </a:p>
@@ -4964,18 +5725,15 @@
               <a:spcBef>
                 <a:spcPts val="0"/>
               </a:spcBef>
-              <a:buClrTx/>
               <a:buSzTx/>
-              <a:buFontTx/>
               <a:buNone/>
-              <a:defRPr sz="1224">
+              <a:defRPr sz="1200">
                 <a:solidFill>
                   <a:srgbClr val="000000"/>
                 </a:solidFill>
               </a:defRPr>
             </a:pPr>
             <a:r>
-              <a:rPr dirty="0"/>
               <a:t>Their findings stress that “…poor emergency care services, and low‐quality hospitals increase the importance of hospital proximity.” </a:t>
             </a:r>
           </a:p>
@@ -4987,18 +5745,15 @@
               <a:spcBef>
                 <a:spcPts val="0"/>
               </a:spcBef>
-              <a:buClrTx/>
               <a:buSzTx/>
-              <a:buFontTx/>
               <a:buNone/>
-              <a:defRPr sz="1224">
+              <a:defRPr sz="1200">
                 <a:solidFill>
                   <a:srgbClr val="000000"/>
                 </a:solidFill>
               </a:defRPr>
             </a:pPr>
             <a:r>
-              <a:rPr dirty="0"/>
               <a:t>We chose to look at both proximity and quality. </a:t>
             </a:r>
           </a:p>
@@ -5010,17 +5765,14 @@
               <a:spcBef>
                 <a:spcPts val="0"/>
               </a:spcBef>
-              <a:buClrTx/>
               <a:buSzTx/>
-              <a:buFontTx/>
               <a:buNone/>
-              <a:defRPr sz="1224">
+              <a:defRPr sz="1200">
                 <a:solidFill>
                   <a:srgbClr val="000000"/>
                 </a:solidFill>
               </a:defRPr>
             </a:pPr>
-            <a:endParaRPr dirty="0"/>
           </a:p>
           <a:p>
             <a:pPr marL="0" indent="0" defTabSz="310895">
@@ -5030,18 +5782,15 @@
               <a:spcBef>
                 <a:spcPts val="0"/>
               </a:spcBef>
-              <a:buClrTx/>
               <a:buSzTx/>
-              <a:buFontTx/>
               <a:buNone/>
-              <a:defRPr sz="1224" b="1">
+              <a:defRPr b="1" sz="1200">
                 <a:solidFill>
                   <a:srgbClr val="000000"/>
                 </a:solidFill>
               </a:defRPr>
             </a:pPr>
             <a:r>
-              <a:rPr dirty="0"/>
               <a:t>Aging populations tend to have increasing rates of morbidity, mortality, and long-term sequelae due to delays in treatment such as stroke, organ failure, or heart attack.    </a:t>
             </a:r>
           </a:p>
@@ -5053,17 +5802,14 @@
               <a:spcBef>
                 <a:spcPts val="0"/>
               </a:spcBef>
-              <a:buClrTx/>
               <a:buSzTx/>
-              <a:buFontTx/>
               <a:buNone/>
-              <a:defRPr sz="1224">
+              <a:defRPr sz="1200">
                 <a:solidFill>
                   <a:srgbClr val="000000"/>
                 </a:solidFill>
               </a:defRPr>
             </a:pPr>
-            <a:endParaRPr dirty="0"/>
           </a:p>
           <a:p>
             <a:pPr marL="0" indent="0" defTabSz="310895">
@@ -5073,18 +5819,15 @@
               <a:spcBef>
                 <a:spcPts val="0"/>
               </a:spcBef>
-              <a:buClrTx/>
               <a:buSzTx/>
-              <a:buFontTx/>
               <a:buNone/>
-              <a:defRPr sz="1224" b="1">
+              <a:defRPr b="1" sz="1200">
                 <a:solidFill>
                   <a:srgbClr val="000000"/>
                 </a:solidFill>
               </a:defRPr>
             </a:pPr>
             <a:r>
-              <a:rPr dirty="0"/>
               <a:t>For this reason, it is an advantage for a person looking for a suitable community to move to due to aging to consider nearby hospital availability and quality.  </a:t>
             </a:r>
           </a:p>
@@ -5096,17 +5839,14 @@
               <a:spcBef>
                 <a:spcPts val="0"/>
               </a:spcBef>
-              <a:buClrTx/>
               <a:buSzTx/>
-              <a:buFontTx/>
               <a:buNone/>
-              <a:defRPr sz="1224" b="1">
+              <a:defRPr b="1" sz="1200">
                 <a:solidFill>
                   <a:srgbClr val="000000"/>
                 </a:solidFill>
               </a:defRPr>
             </a:pPr>
-            <a:endParaRPr dirty="0"/>
           </a:p>
           <a:p>
             <a:pPr marL="0" indent="0" defTabSz="310895">
@@ -5116,18 +5856,15 @@
               <a:spcBef>
                 <a:spcPts val="0"/>
               </a:spcBef>
-              <a:buClrTx/>
               <a:buSzTx/>
-              <a:buFontTx/>
               <a:buNone/>
-              <a:defRPr sz="1224" b="1">
+              <a:defRPr b="1" sz="1200">
                 <a:solidFill>
                   <a:srgbClr val="000000"/>
                 </a:solidFill>
               </a:defRPr>
             </a:pPr>
             <a:r>
-              <a:rPr dirty="0"/>
               <a:t>We chose 5 Miles as a radius defining  “nearby” medical facilities for the purposes of our inquiry because we are in the United States,   and we chose the Google ratings for each facility as a short-term proxy for hospital quality.  </a:t>
             </a:r>
           </a:p>
@@ -5139,17 +5876,14 @@
               <a:spcBef>
                 <a:spcPts val="0"/>
               </a:spcBef>
-              <a:buClrTx/>
               <a:buSzTx/>
-              <a:buFontTx/>
               <a:buNone/>
-              <a:defRPr sz="1224">
+              <a:defRPr sz="1200">
                 <a:solidFill>
                   <a:srgbClr val="000000"/>
                 </a:solidFill>
               </a:defRPr>
             </a:pPr>
-            <a:endParaRPr dirty="0"/>
           </a:p>
           <a:p>
             <a:pPr marL="0" indent="0" defTabSz="310895">
@@ -5159,18 +5893,15 @@
               <a:spcBef>
                 <a:spcPts val="0"/>
               </a:spcBef>
-              <a:buClrTx/>
               <a:buSzTx/>
-              <a:buFontTx/>
               <a:buNone/>
-              <a:defRPr sz="1224">
+              <a:defRPr sz="1200">
                 <a:solidFill>
                   <a:srgbClr val="000000"/>
                 </a:solidFill>
               </a:defRPr>
             </a:pPr>
             <a:r>
-              <a:rPr dirty="0"/>
               <a:t>* Note:  We extended the radius of South Austin to 10 miles in some searches, as we were getting no data.  </a:t>
             </a:r>
           </a:p>
@@ -5181,12 +5912,12 @@
   <p:clrMapOvr>
     <a:masterClrMapping/>
   </p:clrMapOvr>
-  <p:transition spd="med"/>
+  <p:transition xmlns:p14="http://schemas.microsoft.com/office/powerpoint/2010/main" spd="med" advClick="1"/>
 </p:sld>
 </file>
 
 <file path=ppt/slides/slide3.xml><?xml version="1.0" encoding="utf-8"?>
-<p:sld xmlns:a="http://schemas.openxmlformats.org/drawingml/2006/main" xmlns:r="http://schemas.openxmlformats.org/officeDocument/2006/relationships" xmlns:p="http://schemas.openxmlformats.org/presentationml/2006/main">
+<p:sld xmlns:a="http://schemas.openxmlformats.org/drawingml/2006/main" xmlns:r="http://schemas.openxmlformats.org/officeDocument/2006/relationships" xmlns:p="http://schemas.openxmlformats.org/presentationml/2006/main" xmlns:m="http://schemas.openxmlformats.org/officeDocument/2006/math" xmlns:a14="http://schemas.microsoft.com/office/drawing/2010/main" showMasterSp="1" showMasterPhAnim="1">
   <p:cSld>
     <p:spTree>
       <p:nvGrpSpPr>
@@ -5204,10 +5935,8 @@
       </p:grpSpPr>
       <p:sp>
         <p:nvSpPr>
-          <p:cNvPr id="135" name="Title 1"/>
-          <p:cNvSpPr txBox="1">
-            <a:spLocks noGrp="1"/>
-          </p:cNvSpPr>
+          <p:cNvPr id="147" name="Title 1"/>
+          <p:cNvSpPr txBox="1"/>
           <p:nvPr>
             <p:ph type="title"/>
           </p:nvPr>
@@ -5215,7 +5944,7 @@
         <p:spPr>
           <a:xfrm>
             <a:off x="1039177" y="4485659"/>
-            <a:ext cx="8476289" cy="922842"/>
+            <a:ext cx="8476289" cy="922843"/>
           </a:xfrm>
           <a:prstGeom prst="rect">
             <a:avLst/>
@@ -5225,10 +5954,11 @@
           <a:bodyPr/>
           <a:lstStyle>
             <a:lvl1pPr>
-              <a:defRPr sz="3200" spc="-88"/>
+              <a:defRPr spc="-100" sz="3200"/>
             </a:lvl1pPr>
           </a:lstStyle>
           <a:p>
+            <a:pPr/>
             <a:r>
               <a:t>Questions: </a:t>
             </a:r>
@@ -5237,28 +5967,28 @@
       </p:sp>
       <p:grpSp>
         <p:nvGrpSpPr>
-          <p:cNvPr id="138" name="Picture Placeholder 5"/>
+          <p:cNvPr id="150" name="Picture Placeholder 5"/>
           <p:cNvGrpSpPr/>
           <p:nvPr/>
         </p:nvGrpSpPr>
         <p:grpSpPr>
           <a:xfrm>
-            <a:off x="-18367" y="-1"/>
-            <a:ext cx="12228779" cy="4929911"/>
-            <a:chOff x="15" y="0"/>
-            <a:chExt cx="12228778" cy="4929909"/>
+            <a:off x="-18367" y="-2"/>
+            <a:ext cx="12228781" cy="4929914"/>
+            <a:chOff x="0" y="0"/>
+            <a:chExt cx="12228779" cy="4929912"/>
           </a:xfrm>
         </p:grpSpPr>
         <p:sp>
           <p:nvSpPr>
-            <p:cNvPr id="136" name="Rectangle"/>
+            <p:cNvPr id="148" name="Rectangle"/>
             <p:cNvSpPr/>
             <p:nvPr/>
           </p:nvSpPr>
           <p:spPr>
             <a:xfrm>
-              <a:off x="15" y="0"/>
-              <a:ext cx="12228779" cy="4929910"/>
+              <a:off x="0" y="-1"/>
+              <a:ext cx="12228781" cy="4929914"/>
             </a:xfrm>
             <a:prstGeom prst="rect">
               <a:avLst/>
@@ -5273,34 +6003,43 @@
             <a:effectLst/>
           </p:spPr>
           <p:txBody>
-            <a:bodyPr wrap="square" lIns="45719" tIns="45719" rIns="45719" bIns="45719" numCol="1" anchor="ctr">
+            <a:bodyPr wrap="square" lIns="45718" tIns="45718" rIns="45718" bIns="45718" numCol="1" anchor="ctr">
               <a:noAutofit/>
             </a:bodyPr>
             <a:lstStyle/>
             <a:p>
-              <a:endParaRPr/>
+              <a:pPr>
+                <a:defRPr>
+                  <a:latin typeface="+mn-lt"/>
+                  <a:ea typeface="+mn-ea"/>
+                  <a:cs typeface="+mn-cs"/>
+                  <a:sym typeface="Calibri"/>
+                </a:defRPr>
+              </a:pPr>
             </a:p>
           </p:txBody>
         </p:sp>
         <p:pic>
           <p:nvPicPr>
-            <p:cNvPr id="137" name="image1.jpeg" descr="image1.jpeg"/>
+            <p:cNvPr id="149" name="image1.jpeg" descr="image1.jpeg"/>
             <p:cNvPicPr>
               <a:picLocks noChangeAspect="1"/>
             </p:cNvPicPr>
             <p:nvPr/>
           </p:nvPicPr>
           <p:blipFill>
-            <a:blip r:embed="rId2"/>
-            <a:srcRect t="11038" b="11038"/>
+            <a:blip r:embed="rId2">
+              <a:extLst/>
+            </a:blip>
+            <a:srcRect l="0" t="11038" r="0" b="11038"/>
             <a:stretch>
               <a:fillRect/>
             </a:stretch>
           </p:blipFill>
           <p:spPr>
             <a:xfrm>
-              <a:off x="15" y="0"/>
-              <a:ext cx="12228779" cy="4929910"/>
+              <a:off x="0" y="0"/>
+              <a:ext cx="12228781" cy="4929912"/>
             </a:xfrm>
             <a:prstGeom prst="rect">
               <a:avLst/>
@@ -5315,10 +6054,8 @@
       </p:grpSp>
       <p:sp>
         <p:nvSpPr>
-          <p:cNvPr id="139" name="Content Placeholder 2"/>
-          <p:cNvSpPr txBox="1">
-            <a:spLocks noGrp="1"/>
-          </p:cNvSpPr>
+          <p:cNvPr id="151" name="Content Placeholder 2"/>
+          <p:cNvSpPr txBox="1"/>
           <p:nvPr>
             <p:ph type="body" sz="half" idx="1"/>
           </p:nvPr>
@@ -5378,12 +6115,12 @@
   <p:clrMapOvr>
     <a:masterClrMapping/>
   </p:clrMapOvr>
-  <p:transition spd="med"/>
+  <p:transition xmlns:p14="http://schemas.microsoft.com/office/powerpoint/2010/main" spd="med" advClick="1"/>
 </p:sld>
 </file>
 
 <file path=ppt/slides/slide4.xml><?xml version="1.0" encoding="utf-8"?>
-<p:sld xmlns:a="http://schemas.openxmlformats.org/drawingml/2006/main" xmlns:r="http://schemas.openxmlformats.org/officeDocument/2006/relationships" xmlns:p="http://schemas.openxmlformats.org/presentationml/2006/main">
+<p:sld xmlns:a="http://schemas.openxmlformats.org/drawingml/2006/main" xmlns:r="http://schemas.openxmlformats.org/officeDocument/2006/relationships" xmlns:p="http://schemas.openxmlformats.org/presentationml/2006/main" xmlns:m="http://schemas.openxmlformats.org/officeDocument/2006/math" xmlns:a14="http://schemas.microsoft.com/office/drawing/2010/main" showMasterSp="1" showMasterPhAnim="1">
   <p:cSld>
     <p:spTree>
       <p:nvGrpSpPr>
@@ -5401,14 +6138,14 @@
       </p:grpSpPr>
       <p:sp>
         <p:nvSpPr>
-          <p:cNvPr id="141" name="Rectangle 12"/>
+          <p:cNvPr id="153" name="Rectangle 12"/>
           <p:cNvSpPr/>
           <p:nvPr/>
         </p:nvSpPr>
         <p:spPr>
           <a:xfrm>
-            <a:off x="-1" y="-1"/>
-            <a:ext cx="12192003" cy="6334318"/>
+            <a:off x="-2" y="-2"/>
+            <a:ext cx="12192005" cy="6334320"/>
           </a:xfrm>
           <a:prstGeom prst="rect">
             <a:avLst/>
@@ -5421,7 +6158,7 @@
           </a:ln>
         </p:spPr>
         <p:txBody>
-          <a:bodyPr lIns="45719" rIns="45719" anchor="ctr"/>
+          <a:bodyPr lIns="45718" tIns="45718" rIns="45718" bIns="45718" anchor="ctr"/>
           <a:lstStyle/>
           <a:p>
             <a:pPr algn="ctr">
@@ -5429,26 +6166,27 @@
                 <a:solidFill>
                   <a:srgbClr val="FFFFFF"/>
                 </a:solidFill>
+                <a:latin typeface="+mn-lt"/>
+                <a:ea typeface="+mn-ea"/>
+                <a:cs typeface="+mn-cs"/>
+                <a:sym typeface="Calibri"/>
               </a:defRPr>
             </a:pPr>
-            <a:endParaRPr/>
-          </a:p>
-        </p:txBody>
-      </p:sp>
-      <p:sp>
-        <p:nvSpPr>
-          <p:cNvPr id="142" name="Title 4"/>
-          <p:cNvSpPr txBox="1">
-            <a:spLocks noGrp="1"/>
-          </p:cNvSpPr>
+          </a:p>
+        </p:txBody>
+      </p:sp>
+      <p:sp>
+        <p:nvSpPr>
+          <p:cNvPr id="154" name="Title 4"/>
+          <p:cNvSpPr txBox="1"/>
           <p:nvPr>
             <p:ph type="title"/>
           </p:nvPr>
         </p:nvSpPr>
         <p:spPr>
           <a:xfrm>
-            <a:off x="8177211" y="634945"/>
-            <a:ext cx="3372530" cy="5055906"/>
+            <a:off x="8177210" y="634944"/>
+            <a:ext cx="3372532" cy="5055908"/>
           </a:xfrm>
           <a:prstGeom prst="rect">
             <a:avLst/>
@@ -5462,6 +6200,7 @@
             </a:lvl1pPr>
           </a:lstStyle>
           <a:p>
+            <a:pPr/>
             <a:r>
               <a:t>Data to Research</a:t>
             </a:r>
@@ -5470,14 +6209,14 @@
       </p:sp>
       <p:sp>
         <p:nvSpPr>
-          <p:cNvPr id="143" name="Straight Connector 14"/>
+          <p:cNvPr id="155" name="Straight Connector 14"/>
           <p:cNvSpPr/>
           <p:nvPr/>
         </p:nvSpPr>
         <p:spPr>
           <a:xfrm>
-            <a:off x="7856977" y="1791298"/>
-            <a:ext cx="1" cy="2743201"/>
+            <a:off x="7856976" y="1791298"/>
+            <a:ext cx="3" cy="2743202"/>
           </a:xfrm>
           <a:prstGeom prst="line">
             <a:avLst/>
@@ -5489,23 +6228,23 @@
           </a:ln>
         </p:spPr>
         <p:txBody>
-          <a:bodyPr lIns="45719" rIns="45719"/>
+          <a:bodyPr lIns="45718" tIns="45718" rIns="45718" bIns="45718"/>
           <a:lstStyle/>
           <a:p>
-            <a:endParaRPr/>
-          </a:p>
-        </p:txBody>
-      </p:sp>
-      <p:sp>
-        <p:nvSpPr>
-          <p:cNvPr id="144" name="Rectangle 16"/>
+            <a:pPr/>
+          </a:p>
+        </p:txBody>
+      </p:sp>
+      <p:sp>
+        <p:nvSpPr>
+          <p:cNvPr id="156" name="Rectangle 16"/>
           <p:cNvSpPr/>
           <p:nvPr/>
         </p:nvSpPr>
         <p:spPr>
           <a:xfrm>
             <a:off x="14" y="6334316"/>
-            <a:ext cx="12191987" cy="66485"/>
+            <a:ext cx="12191987" cy="66486"/>
           </a:xfrm>
           <a:prstGeom prst="rect">
             <a:avLst/>
@@ -5518,23 +6257,30 @@
           </a:ln>
         </p:spPr>
         <p:txBody>
-          <a:bodyPr lIns="45719" rIns="45719"/>
+          <a:bodyPr lIns="45718" tIns="45718" rIns="45718" bIns="45718"/>
           <a:lstStyle/>
           <a:p>
-            <a:endParaRPr/>
-          </a:p>
-        </p:txBody>
-      </p:sp>
-      <p:sp>
-        <p:nvSpPr>
-          <p:cNvPr id="145" name="Rectangle 18"/>
+            <a:pPr>
+              <a:defRPr>
+                <a:latin typeface="+mn-lt"/>
+                <a:ea typeface="+mn-ea"/>
+                <a:cs typeface="+mn-cs"/>
+                <a:sym typeface="Calibri"/>
+              </a:defRPr>
+            </a:pPr>
+          </a:p>
+        </p:txBody>
+      </p:sp>
+      <p:sp>
+        <p:nvSpPr>
+          <p:cNvPr id="157" name="Rectangle 18"/>
           <p:cNvSpPr/>
           <p:nvPr/>
         </p:nvSpPr>
         <p:spPr>
           <a:xfrm>
-            <a:off x="1" y="6400800"/>
-            <a:ext cx="12192001" cy="457200"/>
+            <a:off x="0" y="6400800"/>
+            <a:ext cx="12192003" cy="457200"/>
           </a:xfrm>
           <a:prstGeom prst="rect">
             <a:avLst/>
@@ -5547,37 +6293,44 @@
           </a:ln>
         </p:spPr>
         <p:txBody>
-          <a:bodyPr lIns="45719" rIns="45719"/>
+          <a:bodyPr lIns="45718" tIns="45718" rIns="45718" bIns="45718"/>
           <a:lstStyle/>
           <a:p>
-            <a:endParaRPr/>
+            <a:pPr>
+              <a:defRPr>
+                <a:latin typeface="+mn-lt"/>
+                <a:ea typeface="+mn-ea"/>
+                <a:cs typeface="+mn-cs"/>
+                <a:sym typeface="Calibri"/>
+              </a:defRPr>
+            </a:pPr>
           </a:p>
         </p:txBody>
       </p:sp>
       <p:grpSp>
         <p:nvGrpSpPr>
-          <p:cNvPr id="152" name="Content Placeholder 5"/>
+          <p:cNvPr id="164" name="Content Placeholder 5"/>
           <p:cNvGrpSpPr/>
           <p:nvPr/>
         </p:nvGrpSpPr>
         <p:grpSpPr>
           <a:xfrm>
-            <a:off x="662980" y="1545475"/>
-            <a:ext cx="6851251" cy="3219770"/>
+            <a:off x="662979" y="1545475"/>
+            <a:ext cx="6851253" cy="3219770"/>
             <a:chOff x="0" y="0"/>
-            <a:chExt cx="6851249" cy="3219769"/>
+            <a:chExt cx="6851252" cy="3219769"/>
           </a:xfrm>
         </p:grpSpPr>
         <p:sp>
           <p:nvSpPr>
-            <p:cNvPr id="146" name="Shape"/>
+            <p:cNvPr id="158" name="Shape"/>
             <p:cNvSpPr/>
             <p:nvPr/>
           </p:nvSpPr>
           <p:spPr>
             <a:xfrm>
               <a:off x="614250" y="0"/>
-              <a:ext cx="1921501" cy="1921501"/>
+              <a:ext cx="1921502" cy="1921502"/>
             </a:xfrm>
             <a:custGeom>
               <a:avLst/>
@@ -5599,7 +6352,7 @@
               </a:cxnLst>
               <a:rect l="0" t="0" r="r" b="b"/>
               <a:pathLst>
-                <a:path w="21600" h="21600" extrusionOk="0">
+                <a:path w="21600" h="21600" fill="norm" stroke="1" extrusionOk="0">
                   <a:moveTo>
                     <a:pt x="6421" y="0"/>
                   </a:moveTo>
@@ -5639,7 +6392,7 @@
             <a:effectLst/>
           </p:spPr>
           <p:txBody>
-            <a:bodyPr wrap="square" lIns="45719" tIns="45719" rIns="45719" bIns="45719" numCol="1" anchor="t">
+            <a:bodyPr wrap="square" lIns="45718" tIns="45718" rIns="45718" bIns="45718" numCol="1" anchor="t">
               <a:noAutofit/>
             </a:bodyPr>
             <a:lstStyle/>
@@ -5655,29 +6408,32 @@
                   <a:solidFill>
                     <a:srgbClr val="404040"/>
                   </a:solidFill>
+                  <a:latin typeface="+mn-lt"/>
+                  <a:ea typeface="+mn-ea"/>
+                  <a:cs typeface="+mn-cs"/>
+                  <a:sym typeface="Calibri"/>
                 </a:defRPr>
               </a:pPr>
-              <a:endParaRPr/>
             </a:p>
           </p:txBody>
         </p:sp>
         <p:sp>
           <p:nvSpPr>
-            <p:cNvPr id="147" name="Square"/>
+            <p:cNvPr id="159" name="Square"/>
             <p:cNvSpPr/>
             <p:nvPr/>
           </p:nvSpPr>
           <p:spPr>
             <a:xfrm>
               <a:off x="1023749" y="409500"/>
-              <a:ext cx="1102501" cy="1102500"/>
+              <a:ext cx="1102502" cy="1102501"/>
             </a:xfrm>
             <a:prstGeom prst="rect">
               <a:avLst/>
             </a:prstGeom>
             <a:blipFill rotWithShape="1">
               <a:blip r:embed="rId2"/>
-              <a:srcRect/>
+              <a:srcRect l="0" t="0" r="0" b="0"/>
               <a:stretch>
                 <a:fillRect/>
               </a:stretch>
@@ -5689,7 +6445,7 @@
             <a:effectLst/>
           </p:spPr>
           <p:txBody>
-            <a:bodyPr wrap="square" lIns="45719" tIns="45719" rIns="45719" bIns="45719" numCol="1" anchor="t">
+            <a:bodyPr wrap="square" lIns="45718" tIns="45718" rIns="45718" bIns="45718" numCol="1" anchor="t">
               <a:noAutofit/>
             </a:bodyPr>
             <a:lstStyle/>
@@ -5705,22 +6461,25 @@
                   <a:solidFill>
                     <a:srgbClr val="404040"/>
                   </a:solidFill>
+                  <a:latin typeface="+mn-lt"/>
+                  <a:ea typeface="+mn-ea"/>
+                  <a:cs typeface="+mn-cs"/>
+                  <a:sym typeface="Calibri"/>
                 </a:defRPr>
               </a:pPr>
-              <a:endParaRPr/>
             </a:p>
           </p:txBody>
         </p:sp>
         <p:sp>
           <p:nvSpPr>
-            <p:cNvPr id="148" name="Average rating for Hospitals and ALFs"/>
+            <p:cNvPr id="160" name="Average rating for Hospitals and ALFs"/>
             <p:cNvSpPr txBox="1"/>
             <p:nvPr/>
           </p:nvSpPr>
           <p:spPr>
             <a:xfrm>
-              <a:off x="0" y="2519999"/>
-              <a:ext cx="3150000" cy="699771"/>
+              <a:off x="-1" y="2519999"/>
+              <a:ext cx="3150002" cy="699771"/>
             </a:xfrm>
             <a:prstGeom prst="rect">
               <a:avLst/>
@@ -5733,7 +6492,7 @@
             <a:effectLst/>
             <a:extLst>
               <a:ext uri="{C572A759-6A51-4108-AA02-DFA0A04FC94B}">
-                <ma14:wrappingTextBoxFlag xmlns:ma14="http://schemas.microsoft.com/office/mac/drawingml/2011/main" xmlns:a14="http://schemas.microsoft.com/office/drawing/2010/main" xmlns:m="http://schemas.openxmlformats.org/officeDocument/2006/math" xmlns="" val="1"/>
+                <ma14:wrappingTextBoxFlag xmlns:ma14="http://schemas.microsoft.com/office/mac/drawingml/2011/main" val="1"/>
               </a:ext>
             </a:extLst>
           </p:spPr>
@@ -5749,14 +6508,19 @@
                 <a:spcBef>
                   <a:spcPts val="1000"/>
                 </a:spcBef>
-                <a:defRPr sz="2500" cap="all">
+                <a:defRPr cap="all" sz="2500">
                   <a:solidFill>
                     <a:srgbClr val="404040"/>
                   </a:solidFill>
+                  <a:latin typeface="+mn-lt"/>
+                  <a:ea typeface="+mn-ea"/>
+                  <a:cs typeface="+mn-cs"/>
+                  <a:sym typeface="Calibri"/>
                 </a:defRPr>
               </a:lvl1pPr>
             </a:lstStyle>
             <a:p>
+              <a:pPr/>
               <a:r>
                 <a:t>Average rating for Hospitals and ALFs</a:t>
               </a:r>
@@ -5765,14 +6529,14 @@
         </p:sp>
         <p:sp>
           <p:nvSpPr>
-            <p:cNvPr id="149" name="Shape"/>
+            <p:cNvPr id="161" name="Shape"/>
             <p:cNvSpPr/>
             <p:nvPr/>
           </p:nvSpPr>
           <p:spPr>
             <a:xfrm>
-              <a:off x="4315500" y="0"/>
-              <a:ext cx="1921501" cy="1921501"/>
+              <a:off x="4315501" y="0"/>
+              <a:ext cx="1921502" cy="1921502"/>
             </a:xfrm>
             <a:custGeom>
               <a:avLst/>
@@ -5794,7 +6558,7 @@
               </a:cxnLst>
               <a:rect l="0" t="0" r="r" b="b"/>
               <a:pathLst>
-                <a:path w="21600" h="21600" extrusionOk="0">
+                <a:path w="21600" h="21600" fill="norm" stroke="1" extrusionOk="0">
                   <a:moveTo>
                     <a:pt x="6421" y="0"/>
                   </a:moveTo>
@@ -5834,7 +6598,7 @@
             <a:effectLst/>
           </p:spPr>
           <p:txBody>
-            <a:bodyPr wrap="square" lIns="45719" tIns="45719" rIns="45719" bIns="45719" numCol="1" anchor="t">
+            <a:bodyPr wrap="square" lIns="45718" tIns="45718" rIns="45718" bIns="45718" numCol="1" anchor="t">
               <a:noAutofit/>
             </a:bodyPr>
             <a:lstStyle/>
@@ -5850,29 +6614,32 @@
                   <a:solidFill>
                     <a:srgbClr val="404040"/>
                   </a:solidFill>
+                  <a:latin typeface="+mn-lt"/>
+                  <a:ea typeface="+mn-ea"/>
+                  <a:cs typeface="+mn-cs"/>
+                  <a:sym typeface="Calibri"/>
                 </a:defRPr>
               </a:pPr>
-              <a:endParaRPr/>
             </a:p>
           </p:txBody>
         </p:sp>
         <p:sp>
           <p:nvSpPr>
-            <p:cNvPr id="150" name="Square"/>
+            <p:cNvPr id="162" name="Square"/>
             <p:cNvSpPr/>
             <p:nvPr/>
           </p:nvSpPr>
           <p:spPr>
             <a:xfrm>
-              <a:off x="4724999" y="409500"/>
-              <a:ext cx="1102501" cy="1102500"/>
+              <a:off x="4725000" y="409500"/>
+              <a:ext cx="1102502" cy="1102501"/>
             </a:xfrm>
             <a:prstGeom prst="rect">
               <a:avLst/>
             </a:prstGeom>
             <a:blipFill rotWithShape="1">
               <a:blip r:embed="rId3"/>
-              <a:srcRect/>
+              <a:srcRect l="0" t="0" r="0" b="0"/>
               <a:stretch>
                 <a:fillRect/>
               </a:stretch>
@@ -5884,7 +6651,7 @@
             <a:effectLst/>
           </p:spPr>
           <p:txBody>
-            <a:bodyPr wrap="square" lIns="45719" tIns="45719" rIns="45719" bIns="45719" numCol="1" anchor="t">
+            <a:bodyPr wrap="square" lIns="45718" tIns="45718" rIns="45718" bIns="45718" numCol="1" anchor="t">
               <a:noAutofit/>
             </a:bodyPr>
             <a:lstStyle/>
@@ -5900,22 +6667,25 @@
                   <a:solidFill>
                     <a:srgbClr val="404040"/>
                   </a:solidFill>
+                  <a:latin typeface="+mn-lt"/>
+                  <a:ea typeface="+mn-ea"/>
+                  <a:cs typeface="+mn-cs"/>
+                  <a:sym typeface="Calibri"/>
                 </a:defRPr>
               </a:pPr>
-              <a:endParaRPr/>
             </a:p>
           </p:txBody>
         </p:sp>
         <p:sp>
           <p:nvSpPr>
-            <p:cNvPr id="151" name="Locations for Hospitals and ALFs"/>
+            <p:cNvPr id="163" name="Locations for Hospitals and ALFs"/>
             <p:cNvSpPr txBox="1"/>
             <p:nvPr/>
           </p:nvSpPr>
           <p:spPr>
             <a:xfrm>
               <a:off x="3701250" y="2519999"/>
-              <a:ext cx="3150000" cy="699771"/>
+              <a:ext cx="3150002" cy="699771"/>
             </a:xfrm>
             <a:prstGeom prst="rect">
               <a:avLst/>
@@ -5928,7 +6698,7 @@
             <a:effectLst/>
             <a:extLst>
               <a:ext uri="{C572A759-6A51-4108-AA02-DFA0A04FC94B}">
-                <ma14:wrappingTextBoxFlag xmlns:ma14="http://schemas.microsoft.com/office/mac/drawingml/2011/main" xmlns:a14="http://schemas.microsoft.com/office/drawing/2010/main" xmlns:m="http://schemas.openxmlformats.org/officeDocument/2006/math" xmlns="" val="1"/>
+                <ma14:wrappingTextBoxFlag xmlns:ma14="http://schemas.microsoft.com/office/mac/drawingml/2011/main" val="1"/>
               </a:ext>
             </a:extLst>
           </p:spPr>
@@ -5944,14 +6714,19 @@
                 <a:spcBef>
                   <a:spcPts val="1000"/>
                 </a:spcBef>
-                <a:defRPr sz="2500" cap="all">
+                <a:defRPr cap="all" sz="2500">
                   <a:solidFill>
                     <a:srgbClr val="404040"/>
                   </a:solidFill>
+                  <a:latin typeface="+mn-lt"/>
+                  <a:ea typeface="+mn-ea"/>
+                  <a:cs typeface="+mn-cs"/>
+                  <a:sym typeface="Calibri"/>
                 </a:defRPr>
               </a:lvl1pPr>
             </a:lstStyle>
             <a:p>
+              <a:pPr/>
               <a:r>
                 <a:t>Locations for Hospitals and ALFs</a:t>
               </a:r>
@@ -5964,12 +6739,12 @@
   <p:clrMapOvr>
     <a:masterClrMapping/>
   </p:clrMapOvr>
-  <p:transition spd="med"/>
+  <p:transition xmlns:p14="http://schemas.microsoft.com/office/powerpoint/2010/main" spd="med" advClick="1"/>
 </p:sld>
 </file>
 
 <file path=ppt/slides/slide5.xml><?xml version="1.0" encoding="utf-8"?>
-<p:sld xmlns:a="http://schemas.openxmlformats.org/drawingml/2006/main" xmlns:r="http://schemas.openxmlformats.org/officeDocument/2006/relationships" xmlns:p="http://schemas.openxmlformats.org/presentationml/2006/main">
+<p:sld xmlns:a="http://schemas.openxmlformats.org/drawingml/2006/main" xmlns:r="http://schemas.openxmlformats.org/officeDocument/2006/relationships" xmlns:p="http://schemas.openxmlformats.org/presentationml/2006/main" xmlns:m="http://schemas.openxmlformats.org/officeDocument/2006/math" xmlns:a14="http://schemas.microsoft.com/office/drawing/2010/main" showMasterSp="1" showMasterPhAnim="1">
   <p:cSld>
     <p:spTree>
       <p:nvGrpSpPr>
@@ -5987,14 +6762,14 @@
       </p:grpSpPr>
       <p:sp>
         <p:nvSpPr>
-          <p:cNvPr id="154" name="Rectangle 9"/>
+          <p:cNvPr id="166" name="Rectangle 9"/>
           <p:cNvSpPr/>
           <p:nvPr/>
         </p:nvSpPr>
         <p:spPr>
           <a:xfrm>
-            <a:off x="5684" y="0"/>
-            <a:ext cx="12186317" cy="6858000"/>
+            <a:off x="5683" y="0"/>
+            <a:ext cx="12186319" cy="6858000"/>
           </a:xfrm>
           <a:prstGeom prst="rect">
             <a:avLst/>
@@ -6007,7 +6782,7 @@
           </a:ln>
         </p:spPr>
         <p:txBody>
-          <a:bodyPr lIns="45719" rIns="45719" anchor="ctr"/>
+          <a:bodyPr lIns="45718" tIns="45718" rIns="45718" bIns="45718" anchor="ctr"/>
           <a:lstStyle/>
           <a:p>
             <a:pPr algn="ctr">
@@ -6015,22 +6790,25 @@
                 <a:solidFill>
                   <a:srgbClr val="FFFFFF"/>
                 </a:solidFill>
+                <a:latin typeface="+mn-lt"/>
+                <a:ea typeface="+mn-ea"/>
+                <a:cs typeface="+mn-cs"/>
+                <a:sym typeface="Calibri"/>
               </a:defRPr>
             </a:pPr>
-            <a:endParaRPr/>
-          </a:p>
-        </p:txBody>
-      </p:sp>
-      <p:sp>
-        <p:nvSpPr>
-          <p:cNvPr id="155" name="Rectangle 11"/>
+          </a:p>
+        </p:txBody>
+      </p:sp>
+      <p:sp>
+        <p:nvSpPr>
+          <p:cNvPr id="167" name="Rectangle 11"/>
           <p:cNvSpPr/>
           <p:nvPr/>
         </p:nvSpPr>
         <p:spPr>
           <a:xfrm>
-            <a:off x="15" y="0"/>
-            <a:ext cx="4050793" cy="6858000"/>
+            <a:off x="14" y="0"/>
+            <a:ext cx="4050795" cy="6858000"/>
           </a:xfrm>
           <a:prstGeom prst="rect">
             <a:avLst/>
@@ -6043,27 +6821,32 @@
           </a:ln>
         </p:spPr>
         <p:txBody>
-          <a:bodyPr lIns="45719" rIns="45719"/>
+          <a:bodyPr lIns="45718" tIns="45718" rIns="45718" bIns="45718"/>
           <a:lstStyle/>
           <a:p>
-            <a:endParaRPr/>
-          </a:p>
-        </p:txBody>
-      </p:sp>
-      <p:sp>
-        <p:nvSpPr>
-          <p:cNvPr id="156" name="Title 1"/>
-          <p:cNvSpPr txBox="1">
-            <a:spLocks noGrp="1"/>
-          </p:cNvSpPr>
+            <a:pPr>
+              <a:defRPr>
+                <a:latin typeface="+mn-lt"/>
+                <a:ea typeface="+mn-ea"/>
+                <a:cs typeface="+mn-cs"/>
+                <a:sym typeface="Calibri"/>
+              </a:defRPr>
+            </a:pPr>
+          </a:p>
+        </p:txBody>
+      </p:sp>
+      <p:sp>
+        <p:nvSpPr>
+          <p:cNvPr id="168" name="Title 1"/>
+          <p:cNvSpPr txBox="1"/>
           <p:nvPr>
             <p:ph type="title"/>
           </p:nvPr>
         </p:nvSpPr>
         <p:spPr>
           <a:xfrm>
-            <a:off x="492369" y="516834"/>
-            <a:ext cx="3084846" cy="5772842"/>
+            <a:off x="492368" y="516834"/>
+            <a:ext cx="3084847" cy="5772842"/>
           </a:xfrm>
           <a:prstGeom prst="rect">
             <a:avLst/>
@@ -6081,6 +6864,7 @@
             </a:lvl1pPr>
           </a:lstStyle>
           <a:p>
+            <a:pPr/>
             <a:r>
               <a:t>Data Retrieval &amp;  Analysis</a:t>
             </a:r>
@@ -6089,14 +6873,14 @@
       </p:sp>
       <p:sp>
         <p:nvSpPr>
-          <p:cNvPr id="157" name="Rectangle 13"/>
+          <p:cNvPr id="169" name="Rectangle 13"/>
           <p:cNvSpPr/>
           <p:nvPr/>
         </p:nvSpPr>
         <p:spPr>
           <a:xfrm>
             <a:off x="4040070" y="0"/>
-            <a:ext cx="64009" cy="6858000"/>
+            <a:ext cx="64010" cy="6858000"/>
           </a:xfrm>
           <a:prstGeom prst="rect">
             <a:avLst/>
@@ -6109,51 +6893,58 @@
           </a:ln>
         </p:spPr>
         <p:txBody>
-          <a:bodyPr lIns="45719" rIns="45719"/>
+          <a:bodyPr lIns="45718" tIns="45718" rIns="45718" bIns="45718"/>
           <a:lstStyle/>
           <a:p>
-            <a:endParaRPr/>
+            <a:pPr>
+              <a:defRPr>
+                <a:latin typeface="+mn-lt"/>
+                <a:ea typeface="+mn-ea"/>
+                <a:cs typeface="+mn-cs"/>
+                <a:sym typeface="Calibri"/>
+              </a:defRPr>
+            </a:pPr>
           </a:p>
         </p:txBody>
       </p:sp>
       <p:grpSp>
         <p:nvGrpSpPr>
-          <p:cNvPr id="176" name="Content Placeholder 2"/>
+          <p:cNvPr id="188" name="Content Placeholder 2"/>
           <p:cNvGrpSpPr/>
           <p:nvPr/>
         </p:nvGrpSpPr>
         <p:grpSpPr>
           <a:xfrm>
-            <a:off x="4655857" y="570091"/>
-            <a:ext cx="6883683" cy="5717819"/>
-            <a:chOff x="-3" y="-1"/>
-            <a:chExt cx="6883681" cy="5717818"/>
+            <a:off x="4655856" y="570090"/>
+            <a:ext cx="6883684" cy="5717820"/>
+            <a:chOff x="0" y="0"/>
+            <a:chExt cx="6883682" cy="5717819"/>
           </a:xfrm>
         </p:grpSpPr>
         <p:grpSp>
           <p:nvGrpSpPr>
-            <p:cNvPr id="160" name="Group"/>
+            <p:cNvPr id="172" name="Group"/>
             <p:cNvGrpSpPr/>
             <p:nvPr/>
           </p:nvGrpSpPr>
           <p:grpSpPr>
             <a:xfrm>
-              <a:off x="1376735" y="-1"/>
-              <a:ext cx="5506943" cy="1832635"/>
-              <a:chOff x="0" y="0"/>
-              <a:chExt cx="5506942" cy="1832633"/>
+              <a:off x="1376737" y="-1"/>
+              <a:ext cx="5506946" cy="1832638"/>
+              <a:chOff x="-1" y="0"/>
+              <a:chExt cx="5506945" cy="1832636"/>
             </a:xfrm>
           </p:grpSpPr>
           <p:sp>
             <p:nvSpPr>
-              <p:cNvPr id="158" name="Rectangle"/>
+              <p:cNvPr id="170" name="Rectangle"/>
               <p:cNvSpPr/>
               <p:nvPr/>
             </p:nvSpPr>
             <p:spPr>
               <a:xfrm>
-                <a:off x="-1" y="-1"/>
-                <a:ext cx="5506943" cy="1832635"/>
+                <a:off x="-2" y="-1"/>
+                <a:ext cx="5506947" cy="1832638"/>
               </a:xfrm>
               <a:prstGeom prst="rect">
                 <a:avLst/>
@@ -6175,7 +6966,7 @@
               <a:effectLst/>
             </p:spPr>
             <p:txBody>
-              <a:bodyPr wrap="square" lIns="45719" tIns="45719" rIns="45719" bIns="45719" numCol="1" anchor="ctr">
+              <a:bodyPr wrap="square" lIns="45718" tIns="45718" rIns="45718" bIns="45718" numCol="1" anchor="ctr">
                 <a:noAutofit/>
               </a:bodyPr>
               <a:lstStyle/>
@@ -6191,22 +6982,25 @@
                     <a:solidFill>
                       <a:srgbClr val="404040"/>
                     </a:solidFill>
+                    <a:latin typeface="+mn-lt"/>
+                    <a:ea typeface="+mn-ea"/>
+                    <a:cs typeface="+mn-cs"/>
+                    <a:sym typeface="Calibri"/>
                   </a:defRPr>
                 </a:pPr>
-                <a:endParaRPr/>
               </a:p>
             </p:txBody>
           </p:sp>
           <p:sp>
             <p:nvSpPr>
-              <p:cNvPr id="159" name="Zones: Get an Overview &amp; split the 20 Mi radius into 5 separate 5 Mi radii"/>
+              <p:cNvPr id="171" name="Zones: Get an Overview &amp; split the 20 Mi radius into 5 separate 5 Mi radii"/>
               <p:cNvSpPr txBox="1"/>
               <p:nvPr/>
             </p:nvSpPr>
             <p:spPr>
               <a:xfrm>
-                <a:off x="0" y="467372"/>
-                <a:ext cx="5506942" cy="897889"/>
+                <a:off x="-1" y="472983"/>
+                <a:ext cx="5506946" cy="886669"/>
               </a:xfrm>
               <a:prstGeom prst="rect">
                 <a:avLst/>
@@ -6219,13 +7013,13 @@
               <a:effectLst/>
               <a:extLst>
                 <a:ext uri="{C572A759-6A51-4108-AA02-DFA0A04FC94B}">
-                  <ma14:wrappingTextBoxFlag xmlns:ma14="http://schemas.microsoft.com/office/mac/drawingml/2011/main" xmlns:a14="http://schemas.microsoft.com/office/drawing/2010/main" xmlns:m="http://schemas.openxmlformats.org/officeDocument/2006/math" xmlns="" val="1"/>
+                  <ma14:wrappingTextBoxFlag xmlns:ma14="http://schemas.microsoft.com/office/mac/drawingml/2011/main" val="1"/>
                 </a:ext>
               </a:extLst>
             </p:spPr>
             <p:txBody>
               <a:bodyPr wrap="square" lIns="105514" tIns="105514" rIns="105514" bIns="105514" numCol="1" anchor="ctr">
-                <a:noAutofit/>
+                <a:spAutoFit/>
               </a:bodyPr>
               <a:lstStyle>
                 <a:lvl1pPr defTabSz="1066800">
@@ -6239,10 +7033,15 @@
                     <a:solidFill>
                       <a:srgbClr val="404040"/>
                     </a:solidFill>
+                    <a:latin typeface="+mn-lt"/>
+                    <a:ea typeface="+mn-ea"/>
+                    <a:cs typeface="+mn-cs"/>
+                    <a:sym typeface="Calibri"/>
                   </a:defRPr>
                 </a:lvl1pPr>
               </a:lstStyle>
               <a:p>
+                <a:pPr/>
                 <a:r>
                   <a:t>Zones: Get an Overview &amp; split the 20 Mi radius into 5 separate 5 Mi radii</a:t>
                 </a:r>
@@ -6252,28 +7051,28 @@
         </p:grpSp>
         <p:grpSp>
           <p:nvGrpSpPr>
-            <p:cNvPr id="163" name="Group"/>
+            <p:cNvPr id="175" name="Group"/>
             <p:cNvGrpSpPr/>
             <p:nvPr/>
           </p:nvGrpSpPr>
           <p:grpSpPr>
             <a:xfrm>
-              <a:off x="-1" y="-1"/>
-              <a:ext cx="1376737" cy="1832635"/>
-              <a:chOff x="0" y="0"/>
-              <a:chExt cx="1376735" cy="1832633"/>
+              <a:off x="0" y="-1"/>
+              <a:ext cx="1376740" cy="1832638"/>
+              <a:chOff x="-1" y="0"/>
+              <a:chExt cx="1376739" cy="1832636"/>
             </a:xfrm>
           </p:grpSpPr>
           <p:sp>
             <p:nvSpPr>
-              <p:cNvPr id="161" name="Rectangle"/>
+              <p:cNvPr id="173" name="Rectangle"/>
               <p:cNvSpPr/>
               <p:nvPr/>
             </p:nvSpPr>
             <p:spPr>
               <a:xfrm>
-                <a:off x="-1" y="-1"/>
-                <a:ext cx="1376737" cy="1832635"/>
+                <a:off x="-2" y="-1"/>
+                <a:ext cx="1376740" cy="1832638"/>
               </a:xfrm>
               <a:prstGeom prst="rect">
                 <a:avLst/>
@@ -6291,7 +7090,7 @@
               <a:effectLst/>
             </p:spPr>
             <p:txBody>
-              <a:bodyPr wrap="square" lIns="45719" tIns="45719" rIns="45719" bIns="45719" numCol="1" anchor="ctr">
+              <a:bodyPr wrap="square" lIns="45718" tIns="45718" rIns="45718" bIns="45718" numCol="1" anchor="ctr">
                 <a:noAutofit/>
               </a:bodyPr>
               <a:lstStyle/>
@@ -6307,22 +7106,25 @@
                     <a:solidFill>
                       <a:srgbClr val="FFFFFF"/>
                     </a:solidFill>
+                    <a:latin typeface="+mn-lt"/>
+                    <a:ea typeface="+mn-ea"/>
+                    <a:cs typeface="+mn-cs"/>
+                    <a:sym typeface="Calibri"/>
                   </a:defRPr>
                 </a:pPr>
-                <a:endParaRPr/>
               </a:p>
             </p:txBody>
           </p:sp>
           <p:sp>
             <p:nvSpPr>
-              <p:cNvPr id="162" name="Break it Down"/>
+              <p:cNvPr id="174" name="Break it Down"/>
               <p:cNvSpPr txBox="1"/>
               <p:nvPr/>
             </p:nvSpPr>
             <p:spPr>
               <a:xfrm>
-                <a:off x="0" y="452499"/>
-                <a:ext cx="1376736" cy="927635"/>
+                <a:off x="0" y="458296"/>
+                <a:ext cx="1376738" cy="916043"/>
               </a:xfrm>
               <a:prstGeom prst="rect">
                 <a:avLst/>
@@ -6335,13 +7137,13 @@
               <a:effectLst/>
               <a:extLst>
                 <a:ext uri="{C572A759-6A51-4108-AA02-DFA0A04FC94B}">
-                  <ma14:wrappingTextBoxFlag xmlns:ma14="http://schemas.microsoft.com/office/mac/drawingml/2011/main" xmlns:a14="http://schemas.microsoft.com/office/drawing/2010/main" xmlns:m="http://schemas.openxmlformats.org/officeDocument/2006/math" xmlns="" val="1"/>
+                  <ma14:wrappingTextBoxFlag xmlns:ma14="http://schemas.microsoft.com/office/mac/drawingml/2011/main" val="1"/>
                 </a:ext>
               </a:extLst>
             </p:spPr>
             <p:txBody>
               <a:bodyPr wrap="square" lIns="71941" tIns="71941" rIns="71941" bIns="71941" numCol="1" anchor="ctr">
-                <a:noAutofit/>
+                <a:spAutoFit/>
               </a:bodyPr>
               <a:lstStyle>
                 <a:lvl1pPr algn="ctr" defTabSz="1244600">
@@ -6355,10 +7157,15 @@
                     <a:solidFill>
                       <a:srgbClr val="FFFFFF"/>
                     </a:solidFill>
+                    <a:latin typeface="+mn-lt"/>
+                    <a:ea typeface="+mn-ea"/>
+                    <a:cs typeface="+mn-cs"/>
+                    <a:sym typeface="Calibri"/>
                   </a:defRPr>
                 </a:lvl1pPr>
               </a:lstStyle>
               <a:p>
+                <a:pPr/>
                 <a:r>
                   <a:t>Break it Down</a:t>
                 </a:r>
@@ -6368,28 +7175,28 @@
         </p:grpSp>
         <p:grpSp>
           <p:nvGrpSpPr>
-            <p:cNvPr id="166" name="Group"/>
+            <p:cNvPr id="178" name="Group"/>
             <p:cNvGrpSpPr/>
             <p:nvPr/>
           </p:nvGrpSpPr>
           <p:grpSpPr>
             <a:xfrm>
-              <a:off x="1376735" y="1942591"/>
-              <a:ext cx="5506943" cy="1832635"/>
-              <a:chOff x="0" y="0"/>
-              <a:chExt cx="5506942" cy="1832633"/>
+              <a:off x="1376737" y="1942591"/>
+              <a:ext cx="5506946" cy="1832638"/>
+              <a:chOff x="-1" y="0"/>
+              <a:chExt cx="5506945" cy="1832636"/>
             </a:xfrm>
           </p:grpSpPr>
           <p:sp>
             <p:nvSpPr>
-              <p:cNvPr id="164" name="Rectangle"/>
+              <p:cNvPr id="176" name="Rectangle"/>
               <p:cNvSpPr/>
               <p:nvPr/>
             </p:nvSpPr>
             <p:spPr>
               <a:xfrm>
-                <a:off x="-1" y="-1"/>
-                <a:ext cx="5506943" cy="1832635"/>
+                <a:off x="-2" y="-1"/>
+                <a:ext cx="5506947" cy="1832638"/>
               </a:xfrm>
               <a:prstGeom prst="rect">
                 <a:avLst/>
@@ -6411,7 +7218,7 @@
               <a:effectLst/>
             </p:spPr>
             <p:txBody>
-              <a:bodyPr wrap="square" lIns="45719" tIns="45719" rIns="45719" bIns="45719" numCol="1" anchor="ctr">
+              <a:bodyPr wrap="square" lIns="45718" tIns="45718" rIns="45718" bIns="45718" numCol="1" anchor="ctr">
                 <a:noAutofit/>
               </a:bodyPr>
               <a:lstStyle/>
@@ -6427,22 +7234,25 @@
                     <a:solidFill>
                       <a:srgbClr val="404040"/>
                     </a:solidFill>
+                    <a:latin typeface="+mn-lt"/>
+                    <a:ea typeface="+mn-ea"/>
+                    <a:cs typeface="+mn-cs"/>
+                    <a:sym typeface="Calibri"/>
                   </a:defRPr>
                 </a:pPr>
-                <a:endParaRPr/>
               </a:p>
             </p:txBody>
           </p:sp>
           <p:sp>
             <p:nvSpPr>
-              <p:cNvPr id="165" name="Queries: Google Places API for 20 Mi and 5 Mi from specific coordinates"/>
+              <p:cNvPr id="177" name="Queries: Google Places API for 20 Mi and 5 Mi from specific coordinates"/>
               <p:cNvSpPr txBox="1"/>
               <p:nvPr/>
             </p:nvSpPr>
             <p:spPr>
               <a:xfrm>
-                <a:off x="0" y="467372"/>
-                <a:ext cx="5506942" cy="897889"/>
+                <a:off x="-1" y="472983"/>
+                <a:ext cx="5506946" cy="886669"/>
               </a:xfrm>
               <a:prstGeom prst="rect">
                 <a:avLst/>
@@ -6455,13 +7265,13 @@
               <a:effectLst/>
               <a:extLst>
                 <a:ext uri="{C572A759-6A51-4108-AA02-DFA0A04FC94B}">
-                  <ma14:wrappingTextBoxFlag xmlns:ma14="http://schemas.microsoft.com/office/mac/drawingml/2011/main" xmlns:a14="http://schemas.microsoft.com/office/drawing/2010/main" xmlns:m="http://schemas.openxmlformats.org/officeDocument/2006/math" xmlns="" val="1"/>
+                  <ma14:wrappingTextBoxFlag xmlns:ma14="http://schemas.microsoft.com/office/mac/drawingml/2011/main" val="1"/>
                 </a:ext>
               </a:extLst>
             </p:spPr>
             <p:txBody>
               <a:bodyPr wrap="square" lIns="105514" tIns="105514" rIns="105514" bIns="105514" numCol="1" anchor="ctr">
-                <a:noAutofit/>
+                <a:spAutoFit/>
               </a:bodyPr>
               <a:lstStyle>
                 <a:lvl1pPr defTabSz="1066800">
@@ -6475,10 +7285,15 @@
                     <a:solidFill>
                       <a:srgbClr val="404040"/>
                     </a:solidFill>
+                    <a:latin typeface="+mn-lt"/>
+                    <a:ea typeface="+mn-ea"/>
+                    <a:cs typeface="+mn-cs"/>
+                    <a:sym typeface="Calibri"/>
                   </a:defRPr>
                 </a:lvl1pPr>
               </a:lstStyle>
               <a:p>
+                <a:pPr/>
                 <a:r>
                   <a:t>Queries: Google Places API for 20 Mi and 5 Mi from specific coordinates</a:t>
                 </a:r>
@@ -6488,28 +7303,28 @@
         </p:grpSp>
         <p:grpSp>
           <p:nvGrpSpPr>
-            <p:cNvPr id="169" name="Group"/>
+            <p:cNvPr id="181" name="Group"/>
             <p:cNvGrpSpPr/>
             <p:nvPr/>
           </p:nvGrpSpPr>
           <p:grpSpPr>
             <a:xfrm>
-              <a:off x="-1" y="1942591"/>
-              <a:ext cx="1376737" cy="1832635"/>
-              <a:chOff x="0" y="0"/>
-              <a:chExt cx="1376735" cy="1832633"/>
+              <a:off x="0" y="1942591"/>
+              <a:ext cx="1376740" cy="1832638"/>
+              <a:chOff x="-1" y="0"/>
+              <a:chExt cx="1376739" cy="1832636"/>
             </a:xfrm>
           </p:grpSpPr>
           <p:sp>
             <p:nvSpPr>
-              <p:cNvPr id="167" name="Rectangle"/>
+              <p:cNvPr id="179" name="Rectangle"/>
               <p:cNvSpPr/>
               <p:nvPr/>
             </p:nvSpPr>
             <p:spPr>
               <a:xfrm>
-                <a:off x="-1" y="-1"/>
-                <a:ext cx="1376737" cy="1832635"/>
+                <a:off x="-2" y="-1"/>
+                <a:ext cx="1376740" cy="1832638"/>
               </a:xfrm>
               <a:prstGeom prst="rect">
                 <a:avLst/>
@@ -6527,7 +7342,7 @@
               <a:effectLst/>
             </p:spPr>
             <p:txBody>
-              <a:bodyPr wrap="square" lIns="45719" tIns="45719" rIns="45719" bIns="45719" numCol="1" anchor="ctr">
+              <a:bodyPr wrap="square" lIns="45718" tIns="45718" rIns="45718" bIns="45718" numCol="1" anchor="ctr">
                 <a:noAutofit/>
               </a:bodyPr>
               <a:lstStyle/>
@@ -6543,22 +7358,25 @@
                     <a:solidFill>
                       <a:srgbClr val="FFFFFF"/>
                     </a:solidFill>
+                    <a:latin typeface="+mn-lt"/>
+                    <a:ea typeface="+mn-ea"/>
+                    <a:cs typeface="+mn-cs"/>
+                    <a:sym typeface="Calibri"/>
                   </a:defRPr>
                 </a:pPr>
-                <a:endParaRPr/>
               </a:p>
             </p:txBody>
           </p:sp>
           <p:sp>
             <p:nvSpPr>
-              <p:cNvPr id="168" name="Specify"/>
+              <p:cNvPr id="180" name="Specify"/>
               <p:cNvSpPr txBox="1"/>
               <p:nvPr/>
             </p:nvSpPr>
             <p:spPr>
               <a:xfrm>
-                <a:off x="0" y="452499"/>
-                <a:ext cx="1376736" cy="927635"/>
+                <a:off x="0" y="641176"/>
+                <a:ext cx="1376738" cy="550283"/>
               </a:xfrm>
               <a:prstGeom prst="rect">
                 <a:avLst/>
@@ -6571,13 +7389,13 @@
               <a:effectLst/>
               <a:extLst>
                 <a:ext uri="{C572A759-6A51-4108-AA02-DFA0A04FC94B}">
-                  <ma14:wrappingTextBoxFlag xmlns:ma14="http://schemas.microsoft.com/office/mac/drawingml/2011/main" xmlns:a14="http://schemas.microsoft.com/office/drawing/2010/main" xmlns:m="http://schemas.openxmlformats.org/officeDocument/2006/math" xmlns="" val="1"/>
+                  <ma14:wrappingTextBoxFlag xmlns:ma14="http://schemas.microsoft.com/office/mac/drawingml/2011/main" val="1"/>
                 </a:ext>
               </a:extLst>
             </p:spPr>
             <p:txBody>
               <a:bodyPr wrap="square" lIns="71941" tIns="71941" rIns="71941" bIns="71941" numCol="1" anchor="ctr">
-                <a:noAutofit/>
+                <a:spAutoFit/>
               </a:bodyPr>
               <a:lstStyle>
                 <a:lvl1pPr algn="ctr" defTabSz="1244600">
@@ -6591,12 +7409,16 @@
                     <a:solidFill>
                       <a:srgbClr val="FFFFFF"/>
                     </a:solidFill>
+                    <a:latin typeface="+mn-lt"/>
+                    <a:ea typeface="+mn-ea"/>
+                    <a:cs typeface="+mn-cs"/>
+                    <a:sym typeface="Calibri"/>
                   </a:defRPr>
                 </a:lvl1pPr>
               </a:lstStyle>
               <a:p>
+                <a:pPr/>
                 <a:r>
-                  <a:rPr dirty="0"/>
                   <a:t>Specify</a:t>
                 </a:r>
               </a:p>
@@ -6605,28 +7427,28 @@
         </p:grpSp>
         <p:grpSp>
           <p:nvGrpSpPr>
-            <p:cNvPr id="172" name="Group"/>
+            <p:cNvPr id="184" name="Group"/>
             <p:cNvGrpSpPr/>
             <p:nvPr/>
           </p:nvGrpSpPr>
           <p:grpSpPr>
             <a:xfrm>
-              <a:off x="1376735" y="3885182"/>
-              <a:ext cx="5506943" cy="1832634"/>
-              <a:chOff x="0" y="0"/>
-              <a:chExt cx="5506942" cy="1832633"/>
+              <a:off x="1376737" y="3885182"/>
+              <a:ext cx="5506946" cy="1832637"/>
+              <a:chOff x="-1" y="0"/>
+              <a:chExt cx="5506945" cy="1832636"/>
             </a:xfrm>
           </p:grpSpPr>
           <p:sp>
             <p:nvSpPr>
-              <p:cNvPr id="170" name="Rectangle"/>
+              <p:cNvPr id="182" name="Rectangle"/>
               <p:cNvSpPr/>
               <p:nvPr/>
             </p:nvSpPr>
             <p:spPr>
               <a:xfrm>
-                <a:off x="-1" y="-1"/>
-                <a:ext cx="5506943" cy="1832635"/>
+                <a:off x="-2" y="-1"/>
+                <a:ext cx="5506947" cy="1832637"/>
               </a:xfrm>
               <a:prstGeom prst="rect">
                 <a:avLst/>
@@ -6648,7 +7470,7 @@
               <a:effectLst/>
             </p:spPr>
             <p:txBody>
-              <a:bodyPr wrap="square" lIns="45719" tIns="45719" rIns="45719" bIns="45719" numCol="1" anchor="ctr">
+              <a:bodyPr wrap="square" lIns="45718" tIns="45718" rIns="45718" bIns="45718" numCol="1" anchor="ctr">
                 <a:noAutofit/>
               </a:bodyPr>
               <a:lstStyle/>
@@ -6664,22 +7486,25 @@
                     <a:solidFill>
                       <a:srgbClr val="404040"/>
                     </a:solidFill>
+                    <a:latin typeface="+mn-lt"/>
+                    <a:ea typeface="+mn-ea"/>
+                    <a:cs typeface="+mn-cs"/>
+                    <a:sym typeface="Calibri"/>
                   </a:defRPr>
                 </a:pPr>
-                <a:endParaRPr/>
               </a:p>
             </p:txBody>
           </p:sp>
           <p:sp>
             <p:nvSpPr>
-              <p:cNvPr id="171" name="Results: names, addresses, lat &amp; long, and ratings for Hospitals &amp; ALFs"/>
+              <p:cNvPr id="183" name="Results: names, addresses, lat &amp; long, and ratings for Hospitals &amp; ALFs"/>
               <p:cNvSpPr txBox="1"/>
               <p:nvPr/>
             </p:nvSpPr>
             <p:spPr>
               <a:xfrm>
-                <a:off x="0" y="467372"/>
-                <a:ext cx="5506942" cy="897889"/>
+                <a:off x="-1" y="472982"/>
+                <a:ext cx="5506946" cy="886669"/>
               </a:xfrm>
               <a:prstGeom prst="rect">
                 <a:avLst/>
@@ -6692,13 +7517,13 @@
               <a:effectLst/>
               <a:extLst>
                 <a:ext uri="{C572A759-6A51-4108-AA02-DFA0A04FC94B}">
-                  <ma14:wrappingTextBoxFlag xmlns:ma14="http://schemas.microsoft.com/office/mac/drawingml/2011/main" xmlns:a14="http://schemas.microsoft.com/office/drawing/2010/main" xmlns:m="http://schemas.openxmlformats.org/officeDocument/2006/math" xmlns="" val="1"/>
+                  <ma14:wrappingTextBoxFlag xmlns:ma14="http://schemas.microsoft.com/office/mac/drawingml/2011/main" val="1"/>
                 </a:ext>
               </a:extLst>
             </p:spPr>
             <p:txBody>
               <a:bodyPr wrap="square" lIns="105514" tIns="105514" rIns="105514" bIns="105514" numCol="1" anchor="ctr">
-                <a:noAutofit/>
+                <a:spAutoFit/>
               </a:bodyPr>
               <a:lstStyle>
                 <a:lvl1pPr defTabSz="1066800">
@@ -6712,10 +7537,15 @@
                     <a:solidFill>
                       <a:srgbClr val="404040"/>
                     </a:solidFill>
+                    <a:latin typeface="+mn-lt"/>
+                    <a:ea typeface="+mn-ea"/>
+                    <a:cs typeface="+mn-cs"/>
+                    <a:sym typeface="Calibri"/>
                   </a:defRPr>
                 </a:lvl1pPr>
               </a:lstStyle>
               <a:p>
+                <a:pPr/>
                 <a:r>
                   <a:t>Results: names, addresses, lat &amp; long, and ratings for Hospitals &amp; ALFs</a:t>
                 </a:r>
@@ -6725,28 +7555,28 @@
         </p:grpSp>
         <p:grpSp>
           <p:nvGrpSpPr>
-            <p:cNvPr id="175" name="Group"/>
+            <p:cNvPr id="187" name="Group"/>
             <p:cNvGrpSpPr/>
             <p:nvPr/>
           </p:nvGrpSpPr>
           <p:grpSpPr>
             <a:xfrm>
-              <a:off x="-3" y="3885181"/>
-              <a:ext cx="1376740" cy="1832636"/>
-              <a:chOff x="-2" y="-1"/>
-              <a:chExt cx="1376738" cy="1832635"/>
+              <a:off x="-1" y="3885182"/>
+              <a:ext cx="1376741" cy="1832637"/>
+              <a:chOff x="0" y="0"/>
+              <a:chExt cx="1376740" cy="1832636"/>
             </a:xfrm>
           </p:grpSpPr>
           <p:sp>
             <p:nvSpPr>
-              <p:cNvPr id="173" name="Rectangle"/>
+              <p:cNvPr id="185" name="Rectangle"/>
               <p:cNvSpPr/>
               <p:nvPr/>
             </p:nvSpPr>
             <p:spPr>
               <a:xfrm>
-                <a:off x="-1" y="-1"/>
-                <a:ext cx="1376737" cy="1832635"/>
+                <a:off x="0" y="-1"/>
+                <a:ext cx="1376740" cy="1832638"/>
               </a:xfrm>
               <a:prstGeom prst="rect">
                 <a:avLst/>
@@ -6764,7 +7594,7 @@
               <a:effectLst/>
             </p:spPr>
             <p:txBody>
-              <a:bodyPr wrap="square" lIns="45719" tIns="45719" rIns="45719" bIns="45719" numCol="1" anchor="ctr">
+              <a:bodyPr wrap="square" lIns="45718" tIns="45718" rIns="45718" bIns="45718" numCol="1" anchor="ctr">
                 <a:noAutofit/>
               </a:bodyPr>
               <a:lstStyle/>
@@ -6780,22 +7610,25 @@
                     <a:solidFill>
                       <a:srgbClr val="FFFFFF"/>
                     </a:solidFill>
+                    <a:latin typeface="+mn-lt"/>
+                    <a:ea typeface="+mn-ea"/>
+                    <a:cs typeface="+mn-cs"/>
+                    <a:sym typeface="Calibri"/>
                   </a:defRPr>
                 </a:pPr>
-                <a:endParaRPr/>
               </a:p>
             </p:txBody>
           </p:sp>
           <p:sp>
             <p:nvSpPr>
-              <p:cNvPr id="174" name="DataViz…"/>
+              <p:cNvPr id="186" name="DataViz…"/>
               <p:cNvSpPr txBox="1"/>
               <p:nvPr/>
             </p:nvSpPr>
             <p:spPr>
               <a:xfrm>
-                <a:off x="-2" y="637692"/>
-                <a:ext cx="1376737" cy="557247"/>
+                <a:off x="-1" y="458295"/>
+                <a:ext cx="1376740" cy="916043"/>
               </a:xfrm>
               <a:prstGeom prst="rect">
                 <a:avLst/>
@@ -6808,17 +7641,16 @@
               <a:effectLst/>
               <a:extLst>
                 <a:ext uri="{C572A759-6A51-4108-AA02-DFA0A04FC94B}">
-                  <ma14:wrappingTextBoxFlag xmlns:ma14="http://schemas.microsoft.com/office/mac/drawingml/2011/main" xmlns:a14="http://schemas.microsoft.com/office/drawing/2010/main" xmlns:m="http://schemas.openxmlformats.org/officeDocument/2006/math" xmlns="" val="1"/>
+                  <ma14:wrappingTextBoxFlag xmlns:ma14="http://schemas.microsoft.com/office/mac/drawingml/2011/main" val="1"/>
                 </a:ext>
               </a:extLst>
             </p:spPr>
             <p:txBody>
               <a:bodyPr wrap="square" lIns="71941" tIns="71941" rIns="71941" bIns="71941" numCol="1" anchor="ctr">
-                <a:noAutofit/>
+                <a:spAutoFit/>
               </a:bodyPr>
-              <a:lstStyle/>
-              <a:p>
-                <a:pPr algn="ctr" defTabSz="1244600">
+              <a:lstStyle>
+                <a:lvl1pPr algn="ctr" defTabSz="1244600">
                   <a:lnSpc>
                     <a:spcPct val="90000"/>
                   </a:lnSpc>
@@ -6829,13 +7661,18 @@
                     <a:solidFill>
                       <a:srgbClr val="FFFFFF"/>
                     </a:solidFill>
+                    <a:latin typeface="+mn-lt"/>
+                    <a:ea typeface="+mn-ea"/>
+                    <a:cs typeface="+mn-cs"/>
+                    <a:sym typeface="Calibri"/>
                   </a:defRPr>
-                </a:pPr>
+                </a:lvl1pPr>
+              </a:lstStyle>
+              <a:p>
+                <a:pPr/>
                 <a:r>
-                  <a:rPr lang="en-US" dirty="0"/>
-                  <a:t>Viz</a:t>
+                  <a:t>Data/Viz</a:t>
                 </a:r>
-                <a:endParaRPr dirty="0"/>
               </a:p>
             </p:txBody>
           </p:sp>
@@ -6846,12 +7683,12 @@
   <p:clrMapOvr>
     <a:masterClrMapping/>
   </p:clrMapOvr>
-  <p:transition spd="med"/>
+  <p:transition xmlns:p14="http://schemas.microsoft.com/office/powerpoint/2010/main" spd="med" advClick="1"/>
 </p:sld>
 </file>
 
 <file path=ppt/slides/slide6.xml><?xml version="1.0" encoding="utf-8"?>
-<p:sld xmlns:a="http://schemas.openxmlformats.org/drawingml/2006/main" xmlns:r="http://schemas.openxmlformats.org/officeDocument/2006/relationships" xmlns:p="http://schemas.openxmlformats.org/presentationml/2006/main">
+<p:sld xmlns:a="http://schemas.openxmlformats.org/drawingml/2006/main" xmlns:r="http://schemas.openxmlformats.org/officeDocument/2006/relationships" xmlns:p="http://schemas.openxmlformats.org/presentationml/2006/main" xmlns:m="http://schemas.openxmlformats.org/officeDocument/2006/math" xmlns:a14="http://schemas.microsoft.com/office/drawing/2010/main" showMasterSp="1" showMasterPhAnim="1">
   <p:cSld>
     <p:spTree>
       <p:nvGrpSpPr>
@@ -6869,10 +7706,8 @@
       </p:grpSpPr>
       <p:sp>
         <p:nvSpPr>
-          <p:cNvPr id="178" name="Title 1"/>
-          <p:cNvSpPr txBox="1">
-            <a:spLocks noGrp="1"/>
-          </p:cNvSpPr>
+          <p:cNvPr id="190" name="Title 1"/>
+          <p:cNvSpPr txBox="1"/>
           <p:nvPr>
             <p:ph type="title"/>
           </p:nvPr>
@@ -6894,6 +7729,7 @@
             </a:lvl1pPr>
           </a:lstStyle>
           <a:p>
+            <a:pPr/>
             <a:r>
               <a:t>Central Zone</a:t>
             </a:r>
@@ -6902,18 +7738,16 @@
       </p:sp>
       <p:sp>
         <p:nvSpPr>
-          <p:cNvPr id="179" name="Text Placeholder 2"/>
-          <p:cNvSpPr txBox="1">
-            <a:spLocks noGrp="1"/>
-          </p:cNvSpPr>
+          <p:cNvPr id="191" name="Text Placeholder 2"/>
+          <p:cNvSpPr txBox="1"/>
           <p:nvPr>
             <p:ph type="body" sz="quarter" idx="1"/>
           </p:nvPr>
         </p:nvSpPr>
         <p:spPr>
           <a:xfrm>
-            <a:off x="1097279" y="1846052"/>
-            <a:ext cx="4937762" cy="736283"/>
+            <a:off x="1097278" y="1846052"/>
+            <a:ext cx="4937764" cy="736284"/>
           </a:xfrm>
           <a:prstGeom prst="rect">
             <a:avLst/>
@@ -6923,28 +7757,30 @@
           <a:bodyPr/>
           <a:lstStyle/>
           <a:p>
-            <a:endParaRPr/>
+            <a:pPr/>
           </a:p>
         </p:txBody>
       </p:sp>
       <p:pic>
         <p:nvPicPr>
-          <p:cNvPr id="180" name="Content Placeholder 10" descr="Content Placeholder 10"/>
+          <p:cNvPr id="192" name="Content Placeholder 10" descr="Content Placeholder 10"/>
           <p:cNvPicPr>
             <a:picLocks noChangeAspect="1"/>
           </p:cNvPicPr>
           <p:nvPr/>
         </p:nvPicPr>
         <p:blipFill>
-          <a:blip r:embed="rId2"/>
+          <a:blip r:embed="rId2">
+            <a:extLst/>
+          </a:blip>
           <a:stretch>
             <a:fillRect/>
           </a:stretch>
         </p:blipFill>
         <p:spPr>
           <a:xfrm>
-            <a:off x="651824" y="3329290"/>
-            <a:ext cx="5566096" cy="1892753"/>
+            <a:off x="651824" y="3329289"/>
+            <a:ext cx="5566096" cy="1892754"/>
           </a:xfrm>
           <a:prstGeom prst="rect">
             <a:avLst/>
@@ -6956,10 +7792,8 @@
       </p:pic>
       <p:sp>
         <p:nvSpPr>
-          <p:cNvPr id="181" name="Text Placeholder 3"/>
-          <p:cNvSpPr>
-            <a:spLocks noGrp="1"/>
-          </p:cNvSpPr>
+          <p:cNvPr id="193" name="Text Placeholder 3"/>
+          <p:cNvSpPr/>
           <p:nvPr>
             <p:ph type="body" idx="13"/>
           </p:nvPr>
@@ -6973,39 +7807,41 @@
           <a:bodyPr/>
           <a:lstStyle/>
           <a:p>
-            <a:pPr marL="0" indent="0">
-              <a:buClrTx/>
-              <a:buSzTx/>
-              <a:buFontTx/>
-              <a:buNone/>
-              <a:defRPr cap="all">
-                <a:solidFill>
-                  <a:srgbClr val="344068"/>
-                </a:solidFill>
+            <a:pPr>
+              <a:buClr>
+                <a:schemeClr val="accent1"/>
+              </a:buClr>
+              <a:buFont typeface="Trebuchet MS"/>
+              <a:defRPr spc="0" sz="2000">
+                <a:latin typeface="+mn-lt"/>
+                <a:ea typeface="+mn-ea"/>
+                <a:cs typeface="+mn-cs"/>
+                <a:sym typeface="Calibri"/>
               </a:defRPr>
             </a:pPr>
-            <a:endParaRPr/>
           </a:p>
         </p:txBody>
       </p:sp>
       <p:pic>
         <p:nvPicPr>
-          <p:cNvPr id="182" name="Content Placeholder 12" descr="Content Placeholder 12"/>
+          <p:cNvPr id="194" name="Content Placeholder 12" descr="Content Placeholder 12"/>
           <p:cNvPicPr>
             <a:picLocks noChangeAspect="1"/>
           </p:cNvPicPr>
           <p:nvPr/>
         </p:nvPicPr>
         <p:blipFill>
-          <a:blip r:embed="rId3"/>
+          <a:blip r:embed="rId3">
+            <a:extLst/>
+          </a:blip>
           <a:stretch>
             <a:fillRect/>
           </a:stretch>
         </p:blipFill>
         <p:spPr>
           <a:xfrm>
-            <a:off x="6559774" y="3211017"/>
-            <a:ext cx="5247024" cy="2129299"/>
+            <a:off x="6559774" y="3211016"/>
+            <a:ext cx="5247024" cy="2129300"/>
           </a:xfrm>
           <a:prstGeom prst="rect">
             <a:avLst/>
@@ -7020,12 +7856,12 @@
   <p:clrMapOvr>
     <a:masterClrMapping/>
   </p:clrMapOvr>
-  <p:transition spd="med"/>
+  <p:transition xmlns:p14="http://schemas.microsoft.com/office/powerpoint/2010/main" spd="med" advClick="1"/>
 </p:sld>
 </file>
 
 <file path=ppt/slides/slide7.xml><?xml version="1.0" encoding="utf-8"?>
-<p:sld xmlns:a="http://schemas.openxmlformats.org/drawingml/2006/main" xmlns:r="http://schemas.openxmlformats.org/officeDocument/2006/relationships" xmlns:p="http://schemas.openxmlformats.org/presentationml/2006/main">
+<p:sld xmlns:a="http://schemas.openxmlformats.org/drawingml/2006/main" xmlns:r="http://schemas.openxmlformats.org/officeDocument/2006/relationships" xmlns:p="http://schemas.openxmlformats.org/presentationml/2006/main" xmlns:m="http://schemas.openxmlformats.org/officeDocument/2006/math" xmlns:a14="http://schemas.microsoft.com/office/drawing/2010/main" showMasterSp="1" showMasterPhAnim="1">
   <p:cSld>
     <p:spTree>
       <p:nvGrpSpPr>
@@ -7043,10 +7879,8 @@
       </p:grpSpPr>
       <p:sp>
         <p:nvSpPr>
-          <p:cNvPr id="184" name="Title 1"/>
-          <p:cNvSpPr txBox="1">
-            <a:spLocks noGrp="1"/>
-          </p:cNvSpPr>
+          <p:cNvPr id="196" name="Title 1"/>
+          <p:cNvSpPr txBox="1"/>
           <p:nvPr>
             <p:ph type="title"/>
           </p:nvPr>
@@ -7068,6 +7902,7 @@
             </a:lvl1pPr>
           </a:lstStyle>
           <a:p>
+            <a:pPr/>
             <a:r>
               <a:t>Northern Zone</a:t>
             </a:r>
@@ -7076,18 +7911,16 @@
       </p:sp>
       <p:sp>
         <p:nvSpPr>
-          <p:cNvPr id="185" name="Text Placeholder 2"/>
-          <p:cNvSpPr txBox="1">
-            <a:spLocks noGrp="1"/>
-          </p:cNvSpPr>
+          <p:cNvPr id="197" name="Text Placeholder 2"/>
+          <p:cNvSpPr txBox="1"/>
           <p:nvPr>
             <p:ph type="body" sz="quarter" idx="1"/>
           </p:nvPr>
         </p:nvSpPr>
         <p:spPr>
           <a:xfrm>
-            <a:off x="1097279" y="1846052"/>
-            <a:ext cx="4937762" cy="736283"/>
+            <a:off x="1097278" y="1846052"/>
+            <a:ext cx="4937764" cy="736284"/>
           </a:xfrm>
           <a:prstGeom prst="rect">
             <a:avLst/>
@@ -7097,16 +7930,14 @@
           <a:bodyPr/>
           <a:lstStyle/>
           <a:p>
-            <a:endParaRPr/>
-          </a:p>
-        </p:txBody>
-      </p:sp>
-      <p:sp>
-        <p:nvSpPr>
-          <p:cNvPr id="186" name="Text Placeholder 3"/>
-          <p:cNvSpPr>
-            <a:spLocks noGrp="1"/>
-          </p:cNvSpPr>
+            <a:pPr/>
+          </a:p>
+        </p:txBody>
+      </p:sp>
+      <p:sp>
+        <p:nvSpPr>
+          <p:cNvPr id="198" name="Text Placeholder 3"/>
+          <p:cNvSpPr/>
           <p:nvPr>
             <p:ph type="body" idx="13"/>
           </p:nvPr>
@@ -7120,31 +7951,33 @@
           <a:bodyPr/>
           <a:lstStyle/>
           <a:p>
-            <a:pPr marL="0" indent="0">
-              <a:buClrTx/>
-              <a:buSzTx/>
-              <a:buFontTx/>
-              <a:buNone/>
-              <a:defRPr cap="all">
-                <a:solidFill>
-                  <a:srgbClr val="344068"/>
-                </a:solidFill>
+            <a:pPr>
+              <a:buClr>
+                <a:schemeClr val="accent1"/>
+              </a:buClr>
+              <a:buFont typeface="Trebuchet MS"/>
+              <a:defRPr spc="0" sz="2000">
+                <a:latin typeface="+mn-lt"/>
+                <a:ea typeface="+mn-ea"/>
+                <a:cs typeface="+mn-cs"/>
+                <a:sym typeface="Calibri"/>
               </a:defRPr>
             </a:pPr>
-            <a:endParaRPr/>
           </a:p>
         </p:txBody>
       </p:sp>
       <p:pic>
         <p:nvPicPr>
-          <p:cNvPr id="187" name="Content Placeholder 13" descr="Content Placeholder 13"/>
+          <p:cNvPr id="199" name="Content Placeholder 13" descr="Content Placeholder 13"/>
           <p:cNvPicPr>
             <a:picLocks noChangeAspect="1"/>
           </p:cNvPicPr>
           <p:nvPr/>
         </p:nvPicPr>
         <p:blipFill>
-          <a:blip r:embed="rId2"/>
+          <a:blip r:embed="rId2">
+            <a:extLst/>
+          </a:blip>
           <a:stretch>
             <a:fillRect/>
           </a:stretch>
@@ -7152,7 +7985,7 @@
         <p:spPr>
           <a:xfrm>
             <a:off x="6126479" y="3124023"/>
-            <a:ext cx="5765248" cy="2051159"/>
+            <a:ext cx="5765249" cy="2051159"/>
           </a:xfrm>
           <a:prstGeom prst="rect">
             <a:avLst/>
@@ -7164,14 +7997,16 @@
       </p:pic>
       <p:pic>
         <p:nvPicPr>
-          <p:cNvPr id="188" name="Content Placeholder 17" descr="Content Placeholder 17"/>
+          <p:cNvPr id="200" name="Content Placeholder 17" descr="Content Placeholder 17"/>
           <p:cNvPicPr>
             <a:picLocks noChangeAspect="1"/>
           </p:cNvPicPr>
           <p:nvPr/>
         </p:nvPicPr>
         <p:blipFill>
-          <a:blip r:embed="rId3"/>
+          <a:blip r:embed="rId3">
+            <a:extLst/>
+          </a:blip>
           <a:stretch>
             <a:fillRect/>
           </a:stretch>
@@ -7179,7 +8014,7 @@
         <p:spPr>
           <a:xfrm>
             <a:off x="442371" y="3069480"/>
-            <a:ext cx="5775550" cy="2160244"/>
+            <a:ext cx="5775551" cy="2160245"/>
           </a:xfrm>
           <a:prstGeom prst="rect">
             <a:avLst/>
@@ -7194,12 +8029,12 @@
   <p:clrMapOvr>
     <a:masterClrMapping/>
   </p:clrMapOvr>
-  <p:transition spd="med"/>
+  <p:transition xmlns:p14="http://schemas.microsoft.com/office/powerpoint/2010/main" spd="med" advClick="1"/>
 </p:sld>
 </file>
 
 <file path=ppt/slides/slide8.xml><?xml version="1.0" encoding="utf-8"?>
-<p:sld xmlns:a="http://schemas.openxmlformats.org/drawingml/2006/main" xmlns:r="http://schemas.openxmlformats.org/officeDocument/2006/relationships" xmlns:p="http://schemas.openxmlformats.org/presentationml/2006/main">
+<p:sld xmlns:a="http://schemas.openxmlformats.org/drawingml/2006/main" xmlns:r="http://schemas.openxmlformats.org/officeDocument/2006/relationships" xmlns:p="http://schemas.openxmlformats.org/presentationml/2006/main" xmlns:m="http://schemas.openxmlformats.org/officeDocument/2006/math" xmlns:a14="http://schemas.microsoft.com/office/drawing/2010/main" showMasterSp="1" showMasterPhAnim="1">
   <p:cSld>
     <p:spTree>
       <p:nvGrpSpPr>
@@ -7217,10 +8052,8 @@
       </p:grpSpPr>
       <p:sp>
         <p:nvSpPr>
-          <p:cNvPr id="190" name="Title 1"/>
-          <p:cNvSpPr txBox="1">
-            <a:spLocks noGrp="1"/>
-          </p:cNvSpPr>
+          <p:cNvPr id="202" name="Title 1"/>
+          <p:cNvSpPr txBox="1"/>
           <p:nvPr>
             <p:ph type="title"/>
           </p:nvPr>
@@ -7242,6 +8075,7 @@
             </a:lvl1pPr>
           </a:lstStyle>
           <a:p>
+            <a:pPr/>
             <a:r>
               <a:t>Eastern Zone</a:t>
             </a:r>
@@ -7250,18 +8084,16 @@
       </p:sp>
       <p:sp>
         <p:nvSpPr>
-          <p:cNvPr id="191" name="Text Placeholder 2"/>
-          <p:cNvSpPr txBox="1">
-            <a:spLocks noGrp="1"/>
-          </p:cNvSpPr>
+          <p:cNvPr id="203" name="Text Placeholder 2"/>
+          <p:cNvSpPr txBox="1"/>
           <p:nvPr>
             <p:ph type="body" sz="quarter" idx="1"/>
           </p:nvPr>
         </p:nvSpPr>
         <p:spPr>
           <a:xfrm>
-            <a:off x="1097279" y="1846052"/>
-            <a:ext cx="4937762" cy="736283"/>
+            <a:off x="1097278" y="1846052"/>
+            <a:ext cx="4937764" cy="736284"/>
           </a:xfrm>
           <a:prstGeom prst="rect">
             <a:avLst/>
@@ -7271,20 +8103,22 @@
           <a:bodyPr/>
           <a:lstStyle/>
           <a:p>
-            <a:endParaRPr/>
+            <a:pPr/>
           </a:p>
         </p:txBody>
       </p:sp>
       <p:pic>
         <p:nvPicPr>
-          <p:cNvPr id="192" name="Content Placeholder 9" descr="Content Placeholder 9"/>
+          <p:cNvPr id="204" name="Content Placeholder 9" descr="Content Placeholder 9"/>
           <p:cNvPicPr>
             <a:picLocks noChangeAspect="1"/>
           </p:cNvPicPr>
           <p:nvPr/>
         </p:nvPicPr>
         <p:blipFill>
-          <a:blip r:embed="rId2"/>
+          <a:blip r:embed="rId2">
+            <a:extLst/>
+          </a:blip>
           <a:stretch>
             <a:fillRect/>
           </a:stretch>
@@ -7292,7 +8126,7 @@
         <p:spPr>
           <a:xfrm>
             <a:off x="693988" y="2985072"/>
-            <a:ext cx="4938714" cy="2581188"/>
+            <a:ext cx="4938715" cy="2581189"/>
           </a:xfrm>
           <a:prstGeom prst="rect">
             <a:avLst/>
@@ -7304,10 +8138,8 @@
       </p:pic>
       <p:sp>
         <p:nvSpPr>
-          <p:cNvPr id="193" name="Text Placeholder 3"/>
-          <p:cNvSpPr>
-            <a:spLocks noGrp="1"/>
-          </p:cNvSpPr>
+          <p:cNvPr id="205" name="Text Placeholder 3"/>
+          <p:cNvSpPr/>
           <p:nvPr>
             <p:ph type="body" idx="13"/>
           </p:nvPr>
@@ -7321,39 +8153,41 @@
           <a:bodyPr/>
           <a:lstStyle/>
           <a:p>
-            <a:pPr marL="0" indent="0">
-              <a:buClrTx/>
-              <a:buSzTx/>
-              <a:buFontTx/>
-              <a:buNone/>
-              <a:defRPr cap="all">
-                <a:solidFill>
-                  <a:srgbClr val="344068"/>
-                </a:solidFill>
+            <a:pPr>
+              <a:buClr>
+                <a:schemeClr val="accent1"/>
+              </a:buClr>
+              <a:buFont typeface="Trebuchet MS"/>
+              <a:defRPr spc="0" sz="2000">
+                <a:latin typeface="+mn-lt"/>
+                <a:ea typeface="+mn-ea"/>
+                <a:cs typeface="+mn-cs"/>
+                <a:sym typeface="Calibri"/>
               </a:defRPr>
             </a:pPr>
-            <a:endParaRPr/>
           </a:p>
         </p:txBody>
       </p:sp>
       <p:pic>
         <p:nvPicPr>
-          <p:cNvPr id="194" name="Content Placeholder 11" descr="Content Placeholder 11"/>
+          <p:cNvPr id="206" name="Content Placeholder 11" descr="Content Placeholder 11"/>
           <p:cNvPicPr>
             <a:picLocks noChangeAspect="1"/>
           </p:cNvPicPr>
           <p:nvPr/>
         </p:nvPicPr>
         <p:blipFill>
-          <a:blip r:embed="rId3"/>
+          <a:blip r:embed="rId3">
+            <a:extLst/>
+          </a:blip>
           <a:stretch>
             <a:fillRect/>
           </a:stretch>
         </p:blipFill>
         <p:spPr>
           <a:xfrm>
-            <a:off x="5477426" y="3135079"/>
-            <a:ext cx="6463331" cy="2281175"/>
+            <a:off x="5477426" y="3135078"/>
+            <a:ext cx="6463332" cy="2281176"/>
           </a:xfrm>
           <a:prstGeom prst="rect">
             <a:avLst/>
@@ -7368,12 +8202,12 @@
   <p:clrMapOvr>
     <a:masterClrMapping/>
   </p:clrMapOvr>
-  <p:transition spd="med"/>
+  <p:transition xmlns:p14="http://schemas.microsoft.com/office/powerpoint/2010/main" spd="med" advClick="1"/>
 </p:sld>
 </file>
 
 <file path=ppt/slides/slide9.xml><?xml version="1.0" encoding="utf-8"?>
-<p:sld xmlns:a="http://schemas.openxmlformats.org/drawingml/2006/main" xmlns:r="http://schemas.openxmlformats.org/officeDocument/2006/relationships" xmlns:p="http://schemas.openxmlformats.org/presentationml/2006/main">
+<p:sld xmlns:a="http://schemas.openxmlformats.org/drawingml/2006/main" xmlns:r="http://schemas.openxmlformats.org/officeDocument/2006/relationships" xmlns:p="http://schemas.openxmlformats.org/presentationml/2006/main" xmlns:m="http://schemas.openxmlformats.org/officeDocument/2006/math" xmlns:a14="http://schemas.microsoft.com/office/drawing/2010/main" showMasterSp="1" showMasterPhAnim="1">
   <p:cSld>
     <p:spTree>
       <p:nvGrpSpPr>
@@ -7391,10 +8225,8 @@
       </p:grpSpPr>
       <p:sp>
         <p:nvSpPr>
-          <p:cNvPr id="196" name="Title 1"/>
-          <p:cNvSpPr txBox="1">
-            <a:spLocks noGrp="1"/>
-          </p:cNvSpPr>
+          <p:cNvPr id="208" name="Title 1"/>
+          <p:cNvSpPr txBox="1"/>
           <p:nvPr>
             <p:ph type="title"/>
           </p:nvPr>
@@ -7416,6 +8248,7 @@
             </a:lvl1pPr>
           </a:lstStyle>
           <a:p>
+            <a:pPr/>
             <a:r>
               <a:t>Western Zone</a:t>
             </a:r>
@@ -7424,18 +8257,16 @@
       </p:sp>
       <p:sp>
         <p:nvSpPr>
-          <p:cNvPr id="197" name="Text Placeholder 2"/>
-          <p:cNvSpPr txBox="1">
-            <a:spLocks noGrp="1"/>
-          </p:cNvSpPr>
+          <p:cNvPr id="209" name="Text Placeholder 2"/>
+          <p:cNvSpPr txBox="1"/>
           <p:nvPr>
             <p:ph type="body" sz="quarter" idx="1"/>
           </p:nvPr>
         </p:nvSpPr>
         <p:spPr>
           <a:xfrm>
-            <a:off x="1097279" y="1846052"/>
-            <a:ext cx="4937762" cy="736283"/>
+            <a:off x="1097278" y="1846052"/>
+            <a:ext cx="4937764" cy="736284"/>
           </a:xfrm>
           <a:prstGeom prst="rect">
             <a:avLst/>
@@ -7445,28 +8276,30 @@
           <a:bodyPr/>
           <a:lstStyle/>
           <a:p>
-            <a:endParaRPr/>
+            <a:pPr/>
           </a:p>
         </p:txBody>
       </p:sp>
       <p:pic>
         <p:nvPicPr>
-          <p:cNvPr id="198" name="Content Placeholder 6" descr="Content Placeholder 6"/>
+          <p:cNvPr id="210" name="Content Placeholder 6" descr="Content Placeholder 6"/>
           <p:cNvPicPr>
             <a:picLocks noChangeAspect="1"/>
           </p:cNvPicPr>
           <p:nvPr/>
         </p:nvPicPr>
         <p:blipFill>
-          <a:blip r:embed="rId2"/>
+          <a:blip r:embed="rId2">
+            <a:extLst/>
+          </a:blip>
           <a:stretch>
             <a:fillRect/>
           </a:stretch>
         </p:blipFill>
         <p:spPr>
           <a:xfrm>
-            <a:off x="702566" y="2965941"/>
-            <a:ext cx="6026015" cy="2204638"/>
+            <a:off x="702565" y="2965941"/>
+            <a:ext cx="6026017" cy="2204638"/>
           </a:xfrm>
           <a:prstGeom prst="rect">
             <a:avLst/>
@@ -7478,10 +8311,8 @@
       </p:pic>
       <p:sp>
         <p:nvSpPr>
-          <p:cNvPr id="199" name="Text Placeholder 3"/>
-          <p:cNvSpPr>
-            <a:spLocks noGrp="1"/>
-          </p:cNvSpPr>
+          <p:cNvPr id="211" name="Text Placeholder 3"/>
+          <p:cNvSpPr/>
           <p:nvPr>
             <p:ph type="body" idx="13"/>
           </p:nvPr>
@@ -7495,31 +8326,33 @@
           <a:bodyPr/>
           <a:lstStyle/>
           <a:p>
-            <a:pPr marL="0" indent="0">
-              <a:buClrTx/>
-              <a:buSzTx/>
-              <a:buFontTx/>
-              <a:buNone/>
-              <a:defRPr cap="all">
-                <a:solidFill>
-                  <a:srgbClr val="344068"/>
-                </a:solidFill>
+            <a:pPr>
+              <a:buClr>
+                <a:schemeClr val="accent1"/>
+              </a:buClr>
+              <a:buFont typeface="Trebuchet MS"/>
+              <a:defRPr spc="0" sz="2000">
+                <a:latin typeface="+mn-lt"/>
+                <a:ea typeface="+mn-ea"/>
+                <a:cs typeface="+mn-cs"/>
+                <a:sym typeface="Calibri"/>
               </a:defRPr>
             </a:pPr>
-            <a:endParaRPr/>
           </a:p>
         </p:txBody>
       </p:sp>
       <p:pic>
         <p:nvPicPr>
-          <p:cNvPr id="200" name="Content Placeholder 9" descr="Content Placeholder 9"/>
+          <p:cNvPr id="212" name="Content Placeholder 9" descr="Content Placeholder 9"/>
           <p:cNvPicPr>
             <a:picLocks noChangeAspect="1"/>
           </p:cNvPicPr>
           <p:nvPr/>
         </p:nvPicPr>
         <p:blipFill>
-          <a:blip r:embed="rId3"/>
+          <a:blip r:embed="rId3">
+            <a:extLst/>
+          </a:blip>
           <a:stretch>
             <a:fillRect/>
           </a:stretch>
@@ -7527,7 +8360,7 @@
         <p:spPr>
           <a:xfrm>
             <a:off x="6217920" y="2965941"/>
-            <a:ext cx="5297631" cy="2215562"/>
+            <a:ext cx="5297631" cy="2215563"/>
           </a:xfrm>
           <a:prstGeom prst="rect">
             <a:avLst/>
@@ -7542,12 +8375,12 @@
   <p:clrMapOvr>
     <a:masterClrMapping/>
   </p:clrMapOvr>
-  <p:transition spd="med"/>
+  <p:transition xmlns:p14="http://schemas.microsoft.com/office/powerpoint/2010/main" spd="med" advClick="1"/>
 </p:sld>
 </file>
 
 <file path=ppt/theme/theme1.xml><?xml version="1.0" encoding="utf-8"?>
-<a:theme xmlns:a="http://schemas.openxmlformats.org/drawingml/2006/main" name="Retrospect">
+<a:theme xmlns:a="http://schemas.openxmlformats.org/drawingml/2006/main" xmlns:r="http://schemas.openxmlformats.org/officeDocument/2006/relationships" name="Retrospect">
   <a:themeElements>
     <a:clrScheme name="Retrospect">
       <a:dk1>
@@ -7589,14 +8422,14 @@
     </a:clrScheme>
     <a:fontScheme name="Retrospect">
       <a:majorFont>
+        <a:latin typeface="Helvetica"/>
+        <a:ea typeface="Helvetica"/>
+        <a:cs typeface="Helvetica"/>
+      </a:majorFont>
+      <a:minorFont>
         <a:latin typeface="Calibri"/>
         <a:ea typeface="Calibri"/>
         <a:cs typeface="Calibri"/>
-      </a:majorFont>
-      <a:minorFont>
-        <a:latin typeface="Helvetica"/>
-        <a:ea typeface="Helvetica"/>
-        <a:cs typeface="Helvetica"/>
       </a:minorFont>
     </a:fontScheme>
     <a:fmtScheme name="Retrospect">
@@ -7673,7 +8506,7 @@
       <a:effectStyleLst>
         <a:effectStyle>
           <a:effectLst>
-            <a:outerShdw blurRad="38100" dist="25400" dir="2700000" rotWithShape="0">
+            <a:outerShdw sx="100000" sy="100000" kx="0" ky="0" algn="b" rotWithShape="0" blurRad="38100" dist="25400" dir="2700000">
               <a:srgbClr val="000000">
                 <a:alpha val="60000"/>
               </a:srgbClr>
@@ -7682,7 +8515,7 @@
         </a:effectStyle>
         <a:effectStyle>
           <a:effectLst>
-            <a:outerShdw blurRad="38100" dist="25400" dir="2700000" rotWithShape="0">
+            <a:outerShdw sx="100000" sy="100000" kx="0" ky="0" algn="b" rotWithShape="0" blurRad="38100" dist="25400" dir="2700000">
               <a:srgbClr val="000000">
                 <a:alpha val="60000"/>
               </a:srgbClr>
@@ -7690,7 +8523,13 @@
           </a:effectLst>
         </a:effectStyle>
         <a:effectStyle>
-          <a:effectLst/>
+          <a:effectLst>
+            <a:outerShdw sx="100000" sy="100000" kx="0" ky="0" algn="b" rotWithShape="0" blurRad="38100" dist="25400" dir="2700000">
+              <a:srgbClr val="000000">
+                <a:alpha val="60000"/>
+              </a:srgbClr>
+            </a:outerShdw>
+          </a:effectLst>
         </a:effectStyle>
       </a:effectStyleLst>
       <a:bgFillStyleLst>
@@ -7751,7 +8590,7 @@
         <a:solidFill>
           <a:srgbClr val="FFFFFF"/>
         </a:solidFill>
-        <a:ln w="15875" cap="flat">
+        <a:ln w="25400" cap="flat">
           <a:solidFill>
             <a:schemeClr val="accent1"/>
           </a:solidFill>
@@ -7759,7 +8598,7 @@
           <a:round/>
         </a:ln>
         <a:effectLst>
-          <a:outerShdw blurRad="38100" dist="25400" dir="2700000" rotWithShape="0">
+          <a:outerShdw sx="100000" sy="100000" kx="0" ky="0" algn="b" rotWithShape="0" blurRad="38100" dist="25400" dir="2700000">
             <a:srgbClr val="000000">
               <a:alpha val="60000"/>
             </a:srgbClr>
@@ -7767,7 +8606,7 @@
         </a:effectLst>
         <a:sp3d/>
       </a:spPr>
-      <a:bodyPr rot="0" spcFirstLastPara="1" vertOverflow="overflow" horzOverflow="overflow" vert="horz" wrap="square" lIns="45719" tIns="45719" rIns="45719" bIns="45719" numCol="1" spcCol="38100" rtlCol="0" anchor="ctr">
+      <a:bodyPr rot="0" spcFirstLastPara="1" vertOverflow="overflow" horzOverflow="overflow" vert="horz" wrap="square" lIns="45718" tIns="45718" rIns="45718" bIns="45718" numCol="1" spcCol="38100" rtlCol="0" anchor="ctr" upright="0">
         <a:spAutoFit/>
       </a:bodyPr>
       <a:lstStyle>
@@ -7786,7 +8625,7 @@
           <a:buFontTx/>
           <a:buNone/>
           <a:tabLst/>
-          <a:defRPr kumimoji="0" sz="1800" b="0" i="0" u="none" strike="noStrike" cap="none" spc="0" normalizeH="0" baseline="0">
+          <a:defRPr b="0" baseline="0" cap="none" i="0" spc="0" strike="noStrike" sz="1800" u="none" kumimoji="0" normalizeH="0">
             <a:ln>
               <a:noFill/>
             </a:ln>
@@ -7798,7 +8637,7 @@
             <a:latin typeface="+mj-lt"/>
             <a:ea typeface="+mj-ea"/>
             <a:cs typeface="+mj-cs"/>
-            <a:sym typeface="Calibri"/>
+            <a:sym typeface="Helvetica"/>
           </a:defRPr>
         </a:defPPr>
         <a:lvl1pPr marL="0" marR="0" indent="0" algn="l" defTabSz="914400" rtl="0" fontAlgn="auto" latinLnBrk="1" hangingPunct="0">
@@ -7816,7 +8655,7 @@
           <a:buFontTx/>
           <a:buNone/>
           <a:tabLst/>
-          <a:defRPr kumimoji="0" sz="1800" b="0" i="0" u="none" strike="noStrike" cap="none" spc="0" normalizeH="0" baseline="0">
+          <a:defRPr b="0" baseline="0" cap="none" i="0" spc="0" strike="noStrike" sz="1800" u="none" kumimoji="0" normalizeH="0">
             <a:ln>
               <a:noFill/>
             </a:ln>
@@ -7842,7 +8681,7 @@
           <a:buFontTx/>
           <a:buNone/>
           <a:tabLst/>
-          <a:defRPr kumimoji="0" sz="1800" b="0" i="0" u="none" strike="noStrike" cap="none" spc="0" normalizeH="0" baseline="0">
+          <a:defRPr b="0" baseline="0" cap="none" i="0" spc="0" strike="noStrike" sz="1800" u="none" kumimoji="0" normalizeH="0">
             <a:ln>
               <a:noFill/>
             </a:ln>
@@ -7868,7 +8707,7 @@
           <a:buFontTx/>
           <a:buNone/>
           <a:tabLst/>
-          <a:defRPr kumimoji="0" sz="1800" b="0" i="0" u="none" strike="noStrike" cap="none" spc="0" normalizeH="0" baseline="0">
+          <a:defRPr b="0" baseline="0" cap="none" i="0" spc="0" strike="noStrike" sz="1800" u="none" kumimoji="0" normalizeH="0">
             <a:ln>
               <a:noFill/>
             </a:ln>
@@ -7894,7 +8733,7 @@
           <a:buFontTx/>
           <a:buNone/>
           <a:tabLst/>
-          <a:defRPr kumimoji="0" sz="1800" b="0" i="0" u="none" strike="noStrike" cap="none" spc="0" normalizeH="0" baseline="0">
+          <a:defRPr b="0" baseline="0" cap="none" i="0" spc="0" strike="noStrike" sz="1800" u="none" kumimoji="0" normalizeH="0">
             <a:ln>
               <a:noFill/>
             </a:ln>
@@ -7920,7 +8759,7 @@
           <a:buFontTx/>
           <a:buNone/>
           <a:tabLst/>
-          <a:defRPr kumimoji="0" sz="1800" b="0" i="0" u="none" strike="noStrike" cap="none" spc="0" normalizeH="0" baseline="0">
+          <a:defRPr b="0" baseline="0" cap="none" i="0" spc="0" strike="noStrike" sz="1800" u="none" kumimoji="0" normalizeH="0">
             <a:ln>
               <a:noFill/>
             </a:ln>
@@ -7946,7 +8785,7 @@
           <a:buFontTx/>
           <a:buNone/>
           <a:tabLst/>
-          <a:defRPr kumimoji="0" sz="1800" b="0" i="0" u="none" strike="noStrike" cap="none" spc="0" normalizeH="0" baseline="0">
+          <a:defRPr b="0" baseline="0" cap="none" i="0" spc="0" strike="noStrike" sz="1800" u="none" kumimoji="0" normalizeH="0">
             <a:ln>
               <a:noFill/>
             </a:ln>
@@ -7972,7 +8811,7 @@
           <a:buFontTx/>
           <a:buNone/>
           <a:tabLst/>
-          <a:defRPr kumimoji="0" sz="1800" b="0" i="0" u="none" strike="noStrike" cap="none" spc="0" normalizeH="0" baseline="0">
+          <a:defRPr b="0" baseline="0" cap="none" i="0" spc="0" strike="noStrike" sz="1800" u="none" kumimoji="0" normalizeH="0">
             <a:ln>
               <a:noFill/>
             </a:ln>
@@ -7998,7 +8837,7 @@
           <a:buFontTx/>
           <a:buNone/>
           <a:tabLst/>
-          <a:defRPr kumimoji="0" sz="1800" b="0" i="0" u="none" strike="noStrike" cap="none" spc="0" normalizeH="0" baseline="0">
+          <a:defRPr b="0" baseline="0" cap="none" i="0" spc="0" strike="noStrike" sz="1800" u="none" kumimoji="0" normalizeH="0">
             <a:ln>
               <a:noFill/>
             </a:ln>
@@ -8024,7 +8863,7 @@
           <a:buFontTx/>
           <a:buNone/>
           <a:tabLst/>
-          <a:defRPr kumimoji="0" sz="1800" b="0" i="0" u="none" strike="noStrike" cap="none" spc="0" normalizeH="0" baseline="0">
+          <a:defRPr b="0" baseline="0" cap="none" i="0" spc="0" strike="noStrike" sz="1800" u="none" kumimoji="0" normalizeH="0">
             <a:ln>
               <a:noFill/>
             </a:ln>
@@ -8037,32 +8876,32 @@
         </a:lvl9pPr>
       </a:lstStyle>
       <a:style>
-        <a:lnRef idx="0">
-          <a:scrgbClr r="0" g="0" b="0"/>
-        </a:lnRef>
-        <a:fillRef idx="0">
-          <a:scrgbClr r="0" g="0" b="0"/>
-        </a:fillRef>
-        <a:effectRef idx="0">
-          <a:scrgbClr r="0" g="0" b="0"/>
-        </a:effectRef>
+        <a:lnRef idx="0"/>
+        <a:fillRef idx="0"/>
+        <a:effectRef idx="0"/>
         <a:fontRef idx="none"/>
       </a:style>
     </a:spDef>
     <a:lnDef>
       <a:spPr>
         <a:noFill/>
-        <a:ln w="15875" cap="flat">
+        <a:ln w="25400" cap="flat">
           <a:solidFill>
             <a:schemeClr val="accent1"/>
           </a:solidFill>
           <a:prstDash val="solid"/>
           <a:round/>
         </a:ln>
-        <a:effectLst/>
+        <a:effectLst>
+          <a:outerShdw sx="100000" sy="100000" kx="0" ky="0" algn="b" rotWithShape="0" blurRad="38100" dist="25400" dir="2700000">
+            <a:srgbClr val="000000">
+              <a:alpha val="60000"/>
+            </a:srgbClr>
+          </a:outerShdw>
+        </a:effectLst>
         <a:sp3d/>
       </a:spPr>
-      <a:bodyPr rot="0" spcFirstLastPara="1" vertOverflow="overflow" horzOverflow="overflow" vert="horz" wrap="square" lIns="91439" tIns="45719" rIns="91439" bIns="45719" numCol="1" spcCol="38100" rtlCol="0" anchor="t">
+      <a:bodyPr rot="0" spcFirstLastPara="1" vertOverflow="overflow" horzOverflow="overflow" vert="horz" wrap="square" lIns="91439" tIns="45719" rIns="91439" bIns="45719" numCol="1" spcCol="38100" rtlCol="0" anchor="t" upright="0">
         <a:noAutofit/>
       </a:bodyPr>
       <a:lstStyle>
@@ -8081,7 +8920,7 @@
           <a:buFontTx/>
           <a:buNone/>
           <a:tabLst/>
-          <a:defRPr kumimoji="0" sz="1800" b="0" i="0" u="none" strike="noStrike" cap="none" spc="0" normalizeH="0" baseline="0">
+          <a:defRPr b="0" baseline="0" cap="none" i="0" spc="0" strike="noStrike" sz="1800" u="none" kumimoji="0" normalizeH="0">
             <a:ln>
               <a:noFill/>
             </a:ln>
@@ -8107,7 +8946,7 @@
           <a:buFontTx/>
           <a:buNone/>
           <a:tabLst/>
-          <a:defRPr kumimoji="0" sz="1800" b="0" i="0" u="none" strike="noStrike" cap="none" spc="0" normalizeH="0" baseline="0">
+          <a:defRPr b="0" baseline="0" cap="none" i="0" spc="0" strike="noStrike" sz="1800" u="none" kumimoji="0" normalizeH="0">
             <a:ln>
               <a:noFill/>
             </a:ln>
@@ -8133,7 +8972,7 @@
           <a:buFontTx/>
           <a:buNone/>
           <a:tabLst/>
-          <a:defRPr kumimoji="0" sz="1800" b="0" i="0" u="none" strike="noStrike" cap="none" spc="0" normalizeH="0" baseline="0">
+          <a:defRPr b="0" baseline="0" cap="none" i="0" spc="0" strike="noStrike" sz="1800" u="none" kumimoji="0" normalizeH="0">
             <a:ln>
               <a:noFill/>
             </a:ln>
@@ -8159,7 +8998,7 @@
           <a:buFontTx/>
           <a:buNone/>
           <a:tabLst/>
-          <a:defRPr kumimoji="0" sz="1800" b="0" i="0" u="none" strike="noStrike" cap="none" spc="0" normalizeH="0" baseline="0">
+          <a:defRPr b="0" baseline="0" cap="none" i="0" spc="0" strike="noStrike" sz="1800" u="none" kumimoji="0" normalizeH="0">
             <a:ln>
               <a:noFill/>
             </a:ln>
@@ -8185,7 +9024,7 @@
           <a:buFontTx/>
           <a:buNone/>
           <a:tabLst/>
-          <a:defRPr kumimoji="0" sz="1800" b="0" i="0" u="none" strike="noStrike" cap="none" spc="0" normalizeH="0" baseline="0">
+          <a:defRPr b="0" baseline="0" cap="none" i="0" spc="0" strike="noStrike" sz="1800" u="none" kumimoji="0" normalizeH="0">
             <a:ln>
               <a:noFill/>
             </a:ln>
@@ -8211,7 +9050,7 @@
           <a:buFontTx/>
           <a:buNone/>
           <a:tabLst/>
-          <a:defRPr kumimoji="0" sz="1800" b="0" i="0" u="none" strike="noStrike" cap="none" spc="0" normalizeH="0" baseline="0">
+          <a:defRPr b="0" baseline="0" cap="none" i="0" spc="0" strike="noStrike" sz="1800" u="none" kumimoji="0" normalizeH="0">
             <a:ln>
               <a:noFill/>
             </a:ln>
@@ -8237,7 +9076,7 @@
           <a:buFontTx/>
           <a:buNone/>
           <a:tabLst/>
-          <a:defRPr kumimoji="0" sz="1800" b="0" i="0" u="none" strike="noStrike" cap="none" spc="0" normalizeH="0" baseline="0">
+          <a:defRPr b="0" baseline="0" cap="none" i="0" spc="0" strike="noStrike" sz="1800" u="none" kumimoji="0" normalizeH="0">
             <a:ln>
               <a:noFill/>
             </a:ln>
@@ -8263,7 +9102,7 @@
           <a:buFontTx/>
           <a:buNone/>
           <a:tabLst/>
-          <a:defRPr kumimoji="0" sz="1800" b="0" i="0" u="none" strike="noStrike" cap="none" spc="0" normalizeH="0" baseline="0">
+          <a:defRPr b="0" baseline="0" cap="none" i="0" spc="0" strike="noStrike" sz="1800" u="none" kumimoji="0" normalizeH="0">
             <a:ln>
               <a:noFill/>
             </a:ln>
@@ -8289,7 +9128,7 @@
           <a:buFontTx/>
           <a:buNone/>
           <a:tabLst/>
-          <a:defRPr kumimoji="0" sz="1800" b="0" i="0" u="none" strike="noStrike" cap="none" spc="0" normalizeH="0" baseline="0">
+          <a:defRPr b="0" baseline="0" cap="none" i="0" spc="0" strike="noStrike" sz="1800" u="none" kumimoji="0" normalizeH="0">
             <a:ln>
               <a:noFill/>
             </a:ln>
@@ -8315,7 +9154,7 @@
           <a:buFontTx/>
           <a:buNone/>
           <a:tabLst/>
-          <a:defRPr kumimoji="0" sz="1800" b="0" i="0" u="none" strike="noStrike" cap="none" spc="0" normalizeH="0" baseline="0">
+          <a:defRPr b="0" baseline="0" cap="none" i="0" spc="0" strike="noStrike" sz="1800" u="none" kumimoji="0" normalizeH="0">
             <a:ln>
               <a:noFill/>
             </a:ln>
@@ -8328,15 +9167,9 @@
         </a:lvl9pPr>
       </a:lstStyle>
       <a:style>
-        <a:lnRef idx="0">
-          <a:scrgbClr r="0" g="0" b="0"/>
-        </a:lnRef>
-        <a:fillRef idx="0">
-          <a:scrgbClr r="0" g="0" b="0"/>
-        </a:fillRef>
-        <a:effectRef idx="0">
-          <a:scrgbClr r="0" g="0" b="0"/>
-        </a:effectRef>
+        <a:lnRef idx="0"/>
+        <a:fillRef idx="0"/>
+        <a:effectRef idx="0"/>
         <a:fontRef idx="none"/>
       </a:style>
     </a:lnDef>
@@ -8350,7 +9183,7 @@
         <a:effectLst/>
         <a:sp3d/>
       </a:spPr>
-      <a:bodyPr rot="0" spcFirstLastPara="1" vertOverflow="overflow" horzOverflow="overflow" vert="horz" wrap="square" lIns="45719" tIns="45719" rIns="45719" bIns="45719" numCol="1" spcCol="38100" rtlCol="0" anchor="t">
+      <a:bodyPr rot="0" spcFirstLastPara="1" vertOverflow="overflow" horzOverflow="overflow" vert="horz" wrap="square" lIns="45718" tIns="45718" rIns="45718" bIns="45718" numCol="1" spcCol="38100" rtlCol="0" anchor="t" upright="0">
         <a:spAutoFit/>
       </a:bodyPr>
       <a:lstStyle>
@@ -8369,7 +9202,7 @@
           <a:buFontTx/>
           <a:buNone/>
           <a:tabLst/>
-          <a:defRPr kumimoji="0" sz="1800" b="0" i="0" u="none" strike="noStrike" cap="none" spc="0" normalizeH="0" baseline="0">
+          <a:defRPr b="0" baseline="0" cap="none" i="0" spc="0" strike="noStrike" sz="1800" u="none" kumimoji="0" normalizeH="0">
             <a:ln>
               <a:noFill/>
             </a:ln>
@@ -8381,7 +9214,7 @@
             <a:latin typeface="+mj-lt"/>
             <a:ea typeface="+mj-ea"/>
             <a:cs typeface="+mj-cs"/>
-            <a:sym typeface="Calibri"/>
+            <a:sym typeface="Helvetica"/>
           </a:defRPr>
         </a:defPPr>
         <a:lvl1pPr marL="0" marR="0" indent="0" algn="l" defTabSz="914400" rtl="0" fontAlgn="auto" latinLnBrk="1" hangingPunct="0">
@@ -8399,7 +9232,7 @@
           <a:buFontTx/>
           <a:buNone/>
           <a:tabLst/>
-          <a:defRPr kumimoji="0" sz="1800" b="0" i="0" u="none" strike="noStrike" cap="none" spc="0" normalizeH="0" baseline="0">
+          <a:defRPr b="0" baseline="0" cap="none" i="0" spc="0" strike="noStrike" sz="1800" u="none" kumimoji="0" normalizeH="0">
             <a:ln>
               <a:noFill/>
             </a:ln>
@@ -8425,7 +9258,7 @@
           <a:buFontTx/>
           <a:buNone/>
           <a:tabLst/>
-          <a:defRPr kumimoji="0" sz="1800" b="0" i="0" u="none" strike="noStrike" cap="none" spc="0" normalizeH="0" baseline="0">
+          <a:defRPr b="0" baseline="0" cap="none" i="0" spc="0" strike="noStrike" sz="1800" u="none" kumimoji="0" normalizeH="0">
             <a:ln>
               <a:noFill/>
             </a:ln>
@@ -8451,7 +9284,7 @@
           <a:buFontTx/>
           <a:buNone/>
           <a:tabLst/>
-          <a:defRPr kumimoji="0" sz="1800" b="0" i="0" u="none" strike="noStrike" cap="none" spc="0" normalizeH="0" baseline="0">
+          <a:defRPr b="0" baseline="0" cap="none" i="0" spc="0" strike="noStrike" sz="1800" u="none" kumimoji="0" normalizeH="0">
             <a:ln>
               <a:noFill/>
             </a:ln>
@@ -8477,7 +9310,7 @@
           <a:buFontTx/>
           <a:buNone/>
           <a:tabLst/>
-          <a:defRPr kumimoji="0" sz="1800" b="0" i="0" u="none" strike="noStrike" cap="none" spc="0" normalizeH="0" baseline="0">
+          <a:defRPr b="0" baseline="0" cap="none" i="0" spc="0" strike="noStrike" sz="1800" u="none" kumimoji="0" normalizeH="0">
             <a:ln>
               <a:noFill/>
             </a:ln>
@@ -8503,7 +9336,7 @@
           <a:buFontTx/>
           <a:buNone/>
           <a:tabLst/>
-          <a:defRPr kumimoji="0" sz="1800" b="0" i="0" u="none" strike="noStrike" cap="none" spc="0" normalizeH="0" baseline="0">
+          <a:defRPr b="0" baseline="0" cap="none" i="0" spc="0" strike="noStrike" sz="1800" u="none" kumimoji="0" normalizeH="0">
             <a:ln>
               <a:noFill/>
             </a:ln>
@@ -8529,7 +9362,7 @@
           <a:buFontTx/>
           <a:buNone/>
           <a:tabLst/>
-          <a:defRPr kumimoji="0" sz="1800" b="0" i="0" u="none" strike="noStrike" cap="none" spc="0" normalizeH="0" baseline="0">
+          <a:defRPr b="0" baseline="0" cap="none" i="0" spc="0" strike="noStrike" sz="1800" u="none" kumimoji="0" normalizeH="0">
             <a:ln>
               <a:noFill/>
             </a:ln>
@@ -8555,7 +9388,7 @@
           <a:buFontTx/>
           <a:buNone/>
           <a:tabLst/>
-          <a:defRPr kumimoji="0" sz="1800" b="0" i="0" u="none" strike="noStrike" cap="none" spc="0" normalizeH="0" baseline="0">
+          <a:defRPr b="0" baseline="0" cap="none" i="0" spc="0" strike="noStrike" sz="1800" u="none" kumimoji="0" normalizeH="0">
             <a:ln>
               <a:noFill/>
             </a:ln>
@@ -8581,7 +9414,7 @@
           <a:buFontTx/>
           <a:buNone/>
           <a:tabLst/>
-          <a:defRPr kumimoji="0" sz="1800" b="0" i="0" u="none" strike="noStrike" cap="none" spc="0" normalizeH="0" baseline="0">
+          <a:defRPr b="0" baseline="0" cap="none" i="0" spc="0" strike="noStrike" sz="1800" u="none" kumimoji="0" normalizeH="0">
             <a:ln>
               <a:noFill/>
             </a:ln>
@@ -8607,7 +9440,7 @@
           <a:buFontTx/>
           <a:buNone/>
           <a:tabLst/>
-          <a:defRPr kumimoji="0" sz="1800" b="0" i="0" u="none" strike="noStrike" cap="none" spc="0" normalizeH="0" baseline="0">
+          <a:defRPr b="0" baseline="0" cap="none" i="0" spc="0" strike="noStrike" sz="1800" u="none" kumimoji="0" normalizeH="0">
             <a:ln>
               <a:noFill/>
             </a:ln>
@@ -8620,25 +9453,18 @@
         </a:lvl9pPr>
       </a:lstStyle>
       <a:style>
-        <a:lnRef idx="0">
-          <a:scrgbClr r="0" g="0" b="0"/>
-        </a:lnRef>
-        <a:fillRef idx="0">
-          <a:scrgbClr r="0" g="0" b="0"/>
-        </a:fillRef>
-        <a:effectRef idx="0">
-          <a:scrgbClr r="0" g="0" b="0"/>
-        </a:effectRef>
+        <a:lnRef idx="0"/>
+        <a:fillRef idx="0"/>
+        <a:effectRef idx="0"/>
         <a:fontRef idx="none"/>
       </a:style>
     </a:txDef>
   </a:objectDefaults>
-  <a:extraClrSchemeLst/>
 </a:theme>
 </file>
 
 <file path=ppt/theme/theme2.xml><?xml version="1.0" encoding="utf-8"?>
-<a:theme xmlns:a="http://schemas.openxmlformats.org/drawingml/2006/main" name="Retrospect">
+<a:theme xmlns:a="http://schemas.openxmlformats.org/drawingml/2006/main" xmlns:r="http://schemas.openxmlformats.org/officeDocument/2006/relationships" name="Retrospect">
   <a:themeElements>
     <a:clrScheme name="Retrospect">
       <a:dk1>
@@ -8680,14 +9506,14 @@
     </a:clrScheme>
     <a:fontScheme name="Retrospect">
       <a:majorFont>
+        <a:latin typeface="Helvetica"/>
+        <a:ea typeface="Helvetica"/>
+        <a:cs typeface="Helvetica"/>
+      </a:majorFont>
+      <a:minorFont>
         <a:latin typeface="Calibri"/>
         <a:ea typeface="Calibri"/>
         <a:cs typeface="Calibri"/>
-      </a:majorFont>
-      <a:minorFont>
-        <a:latin typeface="Helvetica"/>
-        <a:ea typeface="Helvetica"/>
-        <a:cs typeface="Helvetica"/>
       </a:minorFont>
     </a:fontScheme>
     <a:fmtScheme name="Retrospect">
@@ -8764,7 +9590,7 @@
       <a:effectStyleLst>
         <a:effectStyle>
           <a:effectLst>
-            <a:outerShdw blurRad="38100" dist="25400" dir="2700000" rotWithShape="0">
+            <a:outerShdw sx="100000" sy="100000" kx="0" ky="0" algn="b" rotWithShape="0" blurRad="38100" dist="25400" dir="2700000">
               <a:srgbClr val="000000">
                 <a:alpha val="60000"/>
               </a:srgbClr>
@@ -8773,7 +9599,7 @@
         </a:effectStyle>
         <a:effectStyle>
           <a:effectLst>
-            <a:outerShdw blurRad="38100" dist="25400" dir="2700000" rotWithShape="0">
+            <a:outerShdw sx="100000" sy="100000" kx="0" ky="0" algn="b" rotWithShape="0" blurRad="38100" dist="25400" dir="2700000">
               <a:srgbClr val="000000">
                 <a:alpha val="60000"/>
               </a:srgbClr>
@@ -8781,7 +9607,13 @@
           </a:effectLst>
         </a:effectStyle>
         <a:effectStyle>
-          <a:effectLst/>
+          <a:effectLst>
+            <a:outerShdw sx="100000" sy="100000" kx="0" ky="0" algn="b" rotWithShape="0" blurRad="38100" dist="25400" dir="2700000">
+              <a:srgbClr val="000000">
+                <a:alpha val="60000"/>
+              </a:srgbClr>
+            </a:outerShdw>
+          </a:effectLst>
         </a:effectStyle>
       </a:effectStyleLst>
       <a:bgFillStyleLst>
@@ -8842,7 +9674,7 @@
         <a:solidFill>
           <a:srgbClr val="FFFFFF"/>
         </a:solidFill>
-        <a:ln w="15875" cap="flat">
+        <a:ln w="25400" cap="flat">
           <a:solidFill>
             <a:schemeClr val="accent1"/>
           </a:solidFill>
@@ -8850,7 +9682,7 @@
           <a:round/>
         </a:ln>
         <a:effectLst>
-          <a:outerShdw blurRad="38100" dist="25400" dir="2700000" rotWithShape="0">
+          <a:outerShdw sx="100000" sy="100000" kx="0" ky="0" algn="b" rotWithShape="0" blurRad="38100" dist="25400" dir="2700000">
             <a:srgbClr val="000000">
               <a:alpha val="60000"/>
             </a:srgbClr>
@@ -8858,7 +9690,7 @@
         </a:effectLst>
         <a:sp3d/>
       </a:spPr>
-      <a:bodyPr rot="0" spcFirstLastPara="1" vertOverflow="overflow" horzOverflow="overflow" vert="horz" wrap="square" lIns="45719" tIns="45719" rIns="45719" bIns="45719" numCol="1" spcCol="38100" rtlCol="0" anchor="ctr">
+      <a:bodyPr rot="0" spcFirstLastPara="1" vertOverflow="overflow" horzOverflow="overflow" vert="horz" wrap="square" lIns="45718" tIns="45718" rIns="45718" bIns="45718" numCol="1" spcCol="38100" rtlCol="0" anchor="ctr" upright="0">
         <a:spAutoFit/>
       </a:bodyPr>
       <a:lstStyle>
@@ -8877,7 +9709,7 @@
           <a:buFontTx/>
           <a:buNone/>
           <a:tabLst/>
-          <a:defRPr kumimoji="0" sz="1800" b="0" i="0" u="none" strike="noStrike" cap="none" spc="0" normalizeH="0" baseline="0">
+          <a:defRPr b="0" baseline="0" cap="none" i="0" spc="0" strike="noStrike" sz="1800" u="none" kumimoji="0" normalizeH="0">
             <a:ln>
               <a:noFill/>
             </a:ln>
@@ -8889,7 +9721,7 @@
             <a:latin typeface="+mj-lt"/>
             <a:ea typeface="+mj-ea"/>
             <a:cs typeface="+mj-cs"/>
-            <a:sym typeface="Calibri"/>
+            <a:sym typeface="Helvetica"/>
           </a:defRPr>
         </a:defPPr>
         <a:lvl1pPr marL="0" marR="0" indent="0" algn="l" defTabSz="914400" rtl="0" fontAlgn="auto" latinLnBrk="1" hangingPunct="0">
@@ -8907,7 +9739,7 @@
           <a:buFontTx/>
           <a:buNone/>
           <a:tabLst/>
-          <a:defRPr kumimoji="0" sz="1800" b="0" i="0" u="none" strike="noStrike" cap="none" spc="0" normalizeH="0" baseline="0">
+          <a:defRPr b="0" baseline="0" cap="none" i="0" spc="0" strike="noStrike" sz="1800" u="none" kumimoji="0" normalizeH="0">
             <a:ln>
               <a:noFill/>
             </a:ln>
@@ -8933,7 +9765,7 @@
           <a:buFontTx/>
           <a:buNone/>
           <a:tabLst/>
-          <a:defRPr kumimoji="0" sz="1800" b="0" i="0" u="none" strike="noStrike" cap="none" spc="0" normalizeH="0" baseline="0">
+          <a:defRPr b="0" baseline="0" cap="none" i="0" spc="0" strike="noStrike" sz="1800" u="none" kumimoji="0" normalizeH="0">
             <a:ln>
               <a:noFill/>
             </a:ln>
@@ -8959,7 +9791,7 @@
           <a:buFontTx/>
           <a:buNone/>
           <a:tabLst/>
-          <a:defRPr kumimoji="0" sz="1800" b="0" i="0" u="none" strike="noStrike" cap="none" spc="0" normalizeH="0" baseline="0">
+          <a:defRPr b="0" baseline="0" cap="none" i="0" spc="0" strike="noStrike" sz="1800" u="none" kumimoji="0" normalizeH="0">
             <a:ln>
               <a:noFill/>
             </a:ln>
@@ -8985,7 +9817,7 @@
           <a:buFontTx/>
           <a:buNone/>
           <a:tabLst/>
-          <a:defRPr kumimoji="0" sz="1800" b="0" i="0" u="none" strike="noStrike" cap="none" spc="0" normalizeH="0" baseline="0">
+          <a:defRPr b="0" baseline="0" cap="none" i="0" spc="0" strike="noStrike" sz="1800" u="none" kumimoji="0" normalizeH="0">
             <a:ln>
               <a:noFill/>
             </a:ln>
@@ -9011,7 +9843,7 @@
           <a:buFontTx/>
           <a:buNone/>
           <a:tabLst/>
-          <a:defRPr kumimoji="0" sz="1800" b="0" i="0" u="none" strike="noStrike" cap="none" spc="0" normalizeH="0" baseline="0">
+          <a:defRPr b="0" baseline="0" cap="none" i="0" spc="0" strike="noStrike" sz="1800" u="none" kumimoji="0" normalizeH="0">
             <a:ln>
               <a:noFill/>
             </a:ln>
@@ -9037,7 +9869,7 @@
           <a:buFontTx/>
           <a:buNone/>
           <a:tabLst/>
-          <a:defRPr kumimoji="0" sz="1800" b="0" i="0" u="none" strike="noStrike" cap="none" spc="0" normalizeH="0" baseline="0">
+          <a:defRPr b="0" baseline="0" cap="none" i="0" spc="0" strike="noStrike" sz="1800" u="none" kumimoji="0" normalizeH="0">
             <a:ln>
               <a:noFill/>
             </a:ln>
@@ -9063,7 +9895,7 @@
           <a:buFontTx/>
           <a:buNone/>
           <a:tabLst/>
-          <a:defRPr kumimoji="0" sz="1800" b="0" i="0" u="none" strike="noStrike" cap="none" spc="0" normalizeH="0" baseline="0">
+          <a:defRPr b="0" baseline="0" cap="none" i="0" spc="0" strike="noStrike" sz="1800" u="none" kumimoji="0" normalizeH="0">
             <a:ln>
               <a:noFill/>
             </a:ln>
@@ -9089,7 +9921,7 @@
           <a:buFontTx/>
           <a:buNone/>
           <a:tabLst/>
-          <a:defRPr kumimoji="0" sz="1800" b="0" i="0" u="none" strike="noStrike" cap="none" spc="0" normalizeH="0" baseline="0">
+          <a:defRPr b="0" baseline="0" cap="none" i="0" spc="0" strike="noStrike" sz="1800" u="none" kumimoji="0" normalizeH="0">
             <a:ln>
               <a:noFill/>
             </a:ln>
@@ -9115,7 +9947,7 @@
           <a:buFontTx/>
           <a:buNone/>
           <a:tabLst/>
-          <a:defRPr kumimoji="0" sz="1800" b="0" i="0" u="none" strike="noStrike" cap="none" spc="0" normalizeH="0" baseline="0">
+          <a:defRPr b="0" baseline="0" cap="none" i="0" spc="0" strike="noStrike" sz="1800" u="none" kumimoji="0" normalizeH="0">
             <a:ln>
               <a:noFill/>
             </a:ln>
@@ -9128,32 +9960,32 @@
         </a:lvl9pPr>
       </a:lstStyle>
       <a:style>
-        <a:lnRef idx="0">
-          <a:scrgbClr r="0" g="0" b="0"/>
-        </a:lnRef>
-        <a:fillRef idx="0">
-          <a:scrgbClr r="0" g="0" b="0"/>
-        </a:fillRef>
-        <a:effectRef idx="0">
-          <a:scrgbClr r="0" g="0" b="0"/>
-        </a:effectRef>
+        <a:lnRef idx="0"/>
+        <a:fillRef idx="0"/>
+        <a:effectRef idx="0"/>
         <a:fontRef idx="none"/>
       </a:style>
     </a:spDef>
     <a:lnDef>
       <a:spPr>
         <a:noFill/>
-        <a:ln w="15875" cap="flat">
+        <a:ln w="25400" cap="flat">
           <a:solidFill>
             <a:schemeClr val="accent1"/>
           </a:solidFill>
           <a:prstDash val="solid"/>
           <a:round/>
         </a:ln>
-        <a:effectLst/>
+        <a:effectLst>
+          <a:outerShdw sx="100000" sy="100000" kx="0" ky="0" algn="b" rotWithShape="0" blurRad="38100" dist="25400" dir="2700000">
+            <a:srgbClr val="000000">
+              <a:alpha val="60000"/>
+            </a:srgbClr>
+          </a:outerShdw>
+        </a:effectLst>
         <a:sp3d/>
       </a:spPr>
-      <a:bodyPr rot="0" spcFirstLastPara="1" vertOverflow="overflow" horzOverflow="overflow" vert="horz" wrap="square" lIns="91439" tIns="45719" rIns="91439" bIns="45719" numCol="1" spcCol="38100" rtlCol="0" anchor="t">
+      <a:bodyPr rot="0" spcFirstLastPara="1" vertOverflow="overflow" horzOverflow="overflow" vert="horz" wrap="square" lIns="91439" tIns="45719" rIns="91439" bIns="45719" numCol="1" spcCol="38100" rtlCol="0" anchor="t" upright="0">
         <a:noAutofit/>
       </a:bodyPr>
       <a:lstStyle>
@@ -9172,7 +10004,7 @@
           <a:buFontTx/>
           <a:buNone/>
           <a:tabLst/>
-          <a:defRPr kumimoji="0" sz="1800" b="0" i="0" u="none" strike="noStrike" cap="none" spc="0" normalizeH="0" baseline="0">
+          <a:defRPr b="0" baseline="0" cap="none" i="0" spc="0" strike="noStrike" sz="1800" u="none" kumimoji="0" normalizeH="0">
             <a:ln>
               <a:noFill/>
             </a:ln>
@@ -9198,7 +10030,7 @@
           <a:buFontTx/>
           <a:buNone/>
           <a:tabLst/>
-          <a:defRPr kumimoji="0" sz="1800" b="0" i="0" u="none" strike="noStrike" cap="none" spc="0" normalizeH="0" baseline="0">
+          <a:defRPr b="0" baseline="0" cap="none" i="0" spc="0" strike="noStrike" sz="1800" u="none" kumimoji="0" normalizeH="0">
             <a:ln>
               <a:noFill/>
             </a:ln>
@@ -9224,7 +10056,7 @@
           <a:buFontTx/>
           <a:buNone/>
           <a:tabLst/>
-          <a:defRPr kumimoji="0" sz="1800" b="0" i="0" u="none" strike="noStrike" cap="none" spc="0" normalizeH="0" baseline="0">
+          <a:defRPr b="0" baseline="0" cap="none" i="0" spc="0" strike="noStrike" sz="1800" u="none" kumimoji="0" normalizeH="0">
             <a:ln>
               <a:noFill/>
             </a:ln>
@@ -9250,7 +10082,7 @@
           <a:buFontTx/>
           <a:buNone/>
           <a:tabLst/>
-          <a:defRPr kumimoji="0" sz="1800" b="0" i="0" u="none" strike="noStrike" cap="none" spc="0" normalizeH="0" baseline="0">
+          <a:defRPr b="0" baseline="0" cap="none" i="0" spc="0" strike="noStrike" sz="1800" u="none" kumimoji="0" normalizeH="0">
             <a:ln>
               <a:noFill/>
             </a:ln>
@@ -9276,7 +10108,7 @@
           <a:buFontTx/>
           <a:buNone/>
           <a:tabLst/>
-          <a:defRPr kumimoji="0" sz="1800" b="0" i="0" u="none" strike="noStrike" cap="none" spc="0" normalizeH="0" baseline="0">
+          <a:defRPr b="0" baseline="0" cap="none" i="0" spc="0" strike="noStrike" sz="1800" u="none" kumimoji="0" normalizeH="0">
             <a:ln>
               <a:noFill/>
             </a:ln>
@@ -9302,7 +10134,7 @@
           <a:buFontTx/>
           <a:buNone/>
           <a:tabLst/>
-          <a:defRPr kumimoji="0" sz="1800" b="0" i="0" u="none" strike="noStrike" cap="none" spc="0" normalizeH="0" baseline="0">
+          <a:defRPr b="0" baseline="0" cap="none" i="0" spc="0" strike="noStrike" sz="1800" u="none" kumimoji="0" normalizeH="0">
             <a:ln>
               <a:noFill/>
             </a:ln>
@@ -9328,7 +10160,7 @@
           <a:buFontTx/>
           <a:buNone/>
           <a:tabLst/>
-          <a:defRPr kumimoji="0" sz="1800" b="0" i="0" u="none" strike="noStrike" cap="none" spc="0" normalizeH="0" baseline="0">
+          <a:defRPr b="0" baseline="0" cap="none" i="0" spc="0" strike="noStrike" sz="1800" u="none" kumimoji="0" normalizeH="0">
             <a:ln>
               <a:noFill/>
             </a:ln>
@@ -9354,7 +10186,7 @@
           <a:buFontTx/>
           <a:buNone/>
           <a:tabLst/>
-          <a:defRPr kumimoji="0" sz="1800" b="0" i="0" u="none" strike="noStrike" cap="none" spc="0" normalizeH="0" baseline="0">
+          <a:defRPr b="0" baseline="0" cap="none" i="0" spc="0" strike="noStrike" sz="1800" u="none" kumimoji="0" normalizeH="0">
             <a:ln>
               <a:noFill/>
             </a:ln>
@@ -9380,7 +10212,7 @@
           <a:buFontTx/>
           <a:buNone/>
           <a:tabLst/>
-          <a:defRPr kumimoji="0" sz="1800" b="0" i="0" u="none" strike="noStrike" cap="none" spc="0" normalizeH="0" baseline="0">
+          <a:defRPr b="0" baseline="0" cap="none" i="0" spc="0" strike="noStrike" sz="1800" u="none" kumimoji="0" normalizeH="0">
             <a:ln>
               <a:noFill/>
             </a:ln>
@@ -9406,7 +10238,7 @@
           <a:buFontTx/>
           <a:buNone/>
           <a:tabLst/>
-          <a:defRPr kumimoji="0" sz="1800" b="0" i="0" u="none" strike="noStrike" cap="none" spc="0" normalizeH="0" baseline="0">
+          <a:defRPr b="0" baseline="0" cap="none" i="0" spc="0" strike="noStrike" sz="1800" u="none" kumimoji="0" normalizeH="0">
             <a:ln>
               <a:noFill/>
             </a:ln>
@@ -9419,15 +10251,9 @@
         </a:lvl9pPr>
       </a:lstStyle>
       <a:style>
-        <a:lnRef idx="0">
-          <a:scrgbClr r="0" g="0" b="0"/>
-        </a:lnRef>
-        <a:fillRef idx="0">
-          <a:scrgbClr r="0" g="0" b="0"/>
-        </a:fillRef>
-        <a:effectRef idx="0">
-          <a:scrgbClr r="0" g="0" b="0"/>
-        </a:effectRef>
+        <a:lnRef idx="0"/>
+        <a:fillRef idx="0"/>
+        <a:effectRef idx="0"/>
         <a:fontRef idx="none"/>
       </a:style>
     </a:lnDef>
@@ -9441,7 +10267,7 @@
         <a:effectLst/>
         <a:sp3d/>
       </a:spPr>
-      <a:bodyPr rot="0" spcFirstLastPara="1" vertOverflow="overflow" horzOverflow="overflow" vert="horz" wrap="square" lIns="45719" tIns="45719" rIns="45719" bIns="45719" numCol="1" spcCol="38100" rtlCol="0" anchor="t">
+      <a:bodyPr rot="0" spcFirstLastPara="1" vertOverflow="overflow" horzOverflow="overflow" vert="horz" wrap="square" lIns="45718" tIns="45718" rIns="45718" bIns="45718" numCol="1" spcCol="38100" rtlCol="0" anchor="t" upright="0">
         <a:spAutoFit/>
       </a:bodyPr>
       <a:lstStyle>
@@ -9460,7 +10286,7 @@
           <a:buFontTx/>
           <a:buNone/>
           <a:tabLst/>
-          <a:defRPr kumimoji="0" sz="1800" b="0" i="0" u="none" strike="noStrike" cap="none" spc="0" normalizeH="0" baseline="0">
+          <a:defRPr b="0" baseline="0" cap="none" i="0" spc="0" strike="noStrike" sz="1800" u="none" kumimoji="0" normalizeH="0">
             <a:ln>
               <a:noFill/>
             </a:ln>
@@ -9472,7 +10298,7 @@
             <a:latin typeface="+mj-lt"/>
             <a:ea typeface="+mj-ea"/>
             <a:cs typeface="+mj-cs"/>
-            <a:sym typeface="Calibri"/>
+            <a:sym typeface="Helvetica"/>
           </a:defRPr>
         </a:defPPr>
         <a:lvl1pPr marL="0" marR="0" indent="0" algn="l" defTabSz="914400" rtl="0" fontAlgn="auto" latinLnBrk="1" hangingPunct="0">
@@ -9490,7 +10316,7 @@
           <a:buFontTx/>
           <a:buNone/>
           <a:tabLst/>
-          <a:defRPr kumimoji="0" sz="1800" b="0" i="0" u="none" strike="noStrike" cap="none" spc="0" normalizeH="0" baseline="0">
+          <a:defRPr b="0" baseline="0" cap="none" i="0" spc="0" strike="noStrike" sz="1800" u="none" kumimoji="0" normalizeH="0">
             <a:ln>
               <a:noFill/>
             </a:ln>
@@ -9516,7 +10342,7 @@
           <a:buFontTx/>
           <a:buNone/>
           <a:tabLst/>
-          <a:defRPr kumimoji="0" sz="1800" b="0" i="0" u="none" strike="noStrike" cap="none" spc="0" normalizeH="0" baseline="0">
+          <a:defRPr b="0" baseline="0" cap="none" i="0" spc="0" strike="noStrike" sz="1800" u="none" kumimoji="0" normalizeH="0">
             <a:ln>
               <a:noFill/>
             </a:ln>
@@ -9542,7 +10368,7 @@
           <a:buFontTx/>
           <a:buNone/>
           <a:tabLst/>
-          <a:defRPr kumimoji="0" sz="1800" b="0" i="0" u="none" strike="noStrike" cap="none" spc="0" normalizeH="0" baseline="0">
+          <a:defRPr b="0" baseline="0" cap="none" i="0" spc="0" strike="noStrike" sz="1800" u="none" kumimoji="0" normalizeH="0">
             <a:ln>
               <a:noFill/>
             </a:ln>
@@ -9568,7 +10394,7 @@
           <a:buFontTx/>
           <a:buNone/>
           <a:tabLst/>
-          <a:defRPr kumimoji="0" sz="1800" b="0" i="0" u="none" strike="noStrike" cap="none" spc="0" normalizeH="0" baseline="0">
+          <a:defRPr b="0" baseline="0" cap="none" i="0" spc="0" strike="noStrike" sz="1800" u="none" kumimoji="0" normalizeH="0">
             <a:ln>
               <a:noFill/>
             </a:ln>
@@ -9594,7 +10420,7 @@
           <a:buFontTx/>
           <a:buNone/>
           <a:tabLst/>
-          <a:defRPr kumimoji="0" sz="1800" b="0" i="0" u="none" strike="noStrike" cap="none" spc="0" normalizeH="0" baseline="0">
+          <a:defRPr b="0" baseline="0" cap="none" i="0" spc="0" strike="noStrike" sz="1800" u="none" kumimoji="0" normalizeH="0">
             <a:ln>
               <a:noFill/>
             </a:ln>
@@ -9620,7 +10446,7 @@
           <a:buFontTx/>
           <a:buNone/>
           <a:tabLst/>
-          <a:defRPr kumimoji="0" sz="1800" b="0" i="0" u="none" strike="noStrike" cap="none" spc="0" normalizeH="0" baseline="0">
+          <a:defRPr b="0" baseline="0" cap="none" i="0" spc="0" strike="noStrike" sz="1800" u="none" kumimoji="0" normalizeH="0">
             <a:ln>
               <a:noFill/>
             </a:ln>
@@ -9646,7 +10472,7 @@
           <a:buFontTx/>
           <a:buNone/>
           <a:tabLst/>
-          <a:defRPr kumimoji="0" sz="1800" b="0" i="0" u="none" strike="noStrike" cap="none" spc="0" normalizeH="0" baseline="0">
+          <a:defRPr b="0" baseline="0" cap="none" i="0" spc="0" strike="noStrike" sz="1800" u="none" kumimoji="0" normalizeH="0">
             <a:ln>
               <a:noFill/>
             </a:ln>
@@ -9672,7 +10498,7 @@
           <a:buFontTx/>
           <a:buNone/>
           <a:tabLst/>
-          <a:defRPr kumimoji="0" sz="1800" b="0" i="0" u="none" strike="noStrike" cap="none" spc="0" normalizeH="0" baseline="0">
+          <a:defRPr b="0" baseline="0" cap="none" i="0" spc="0" strike="noStrike" sz="1800" u="none" kumimoji="0" normalizeH="0">
             <a:ln>
               <a:noFill/>
             </a:ln>
@@ -9698,7 +10524,7 @@
           <a:buFontTx/>
           <a:buNone/>
           <a:tabLst/>
-          <a:defRPr kumimoji="0" sz="1800" b="0" i="0" u="none" strike="noStrike" cap="none" spc="0" normalizeH="0" baseline="0">
+          <a:defRPr b="0" baseline="0" cap="none" i="0" spc="0" strike="noStrike" sz="1800" u="none" kumimoji="0" normalizeH="0">
             <a:ln>
               <a:noFill/>
             </a:ln>
@@ -9711,19 +10537,12 @@
         </a:lvl9pPr>
       </a:lstStyle>
       <a:style>
-        <a:lnRef idx="0">
-          <a:scrgbClr r="0" g="0" b="0"/>
-        </a:lnRef>
-        <a:fillRef idx="0">
-          <a:scrgbClr r="0" g="0" b="0"/>
-        </a:fillRef>
-        <a:effectRef idx="0">
-          <a:scrgbClr r="0" g="0" b="0"/>
-        </a:effectRef>
+        <a:lnRef idx="0"/>
+        <a:fillRef idx="0"/>
+        <a:effectRef idx="0"/>
         <a:fontRef idx="none"/>
       </a:style>
     </a:txDef>
   </a:objectDefaults>
-  <a:extraClrSchemeLst/>
 </a:theme>
 </file>